--- a/Presentation/03-Build-and-deploy-ASPNET/Build-and-deploy-ASPNET.pptx
+++ b/Presentation/03-Build-and-deploy-ASPNET/Build-and-deploy-ASPNET.pptx
@@ -9,23 +9,25 @@
     <p:sldMasterId id="2147483741" r:id="rId5"/>
     <p:sldMasterId id="2147483748" r:id="rId6"/>
     <p:sldMasterId id="2147483758" r:id="rId7"/>
+    <p:sldMasterId id="2147483786" r:id="rId8"/>
   </p:sldMasterIdLst>
   <p:notesMasterIdLst>
-    <p:notesMasterId r:id="rId20"/>
+    <p:notesMasterId r:id="rId22"/>
   </p:notesMasterIdLst>
   <p:sldIdLst>
-    <p:sldId id="257" r:id="rId8"/>
-    <p:sldId id="281" r:id="rId9"/>
-    <p:sldId id="259" r:id="rId10"/>
-    <p:sldId id="256" r:id="rId11"/>
-    <p:sldId id="270" r:id="rId12"/>
-    <p:sldId id="271" r:id="rId13"/>
-    <p:sldId id="274" r:id="rId14"/>
-    <p:sldId id="275" r:id="rId15"/>
-    <p:sldId id="278" r:id="rId16"/>
-    <p:sldId id="279" r:id="rId17"/>
-    <p:sldId id="277" r:id="rId18"/>
-    <p:sldId id="273" r:id="rId19"/>
+    <p:sldId id="284" r:id="rId9"/>
+    <p:sldId id="257" r:id="rId10"/>
+    <p:sldId id="281" r:id="rId11"/>
+    <p:sldId id="259" r:id="rId12"/>
+    <p:sldId id="256" r:id="rId13"/>
+    <p:sldId id="270" r:id="rId14"/>
+    <p:sldId id="271" r:id="rId15"/>
+    <p:sldId id="274" r:id="rId16"/>
+    <p:sldId id="275" r:id="rId17"/>
+    <p:sldId id="278" r:id="rId18"/>
+    <p:sldId id="279" r:id="rId19"/>
+    <p:sldId id="277" r:id="rId20"/>
+    <p:sldId id="283" r:id="rId21"/>
   </p:sldIdLst>
   <p:sldSz cx="12192000" cy="6858000"/>
   <p:notesSz cx="6858000" cy="9144000"/>
@@ -214,7 +216,7 @@
           <a:p>
             <a:fld id="{0E990FE3-7537-4D15-A9F5-FDF1805FD5F8}" type="datetimeFigureOut">
               <a:rPr lang="en-US" smtClean="0"/>
-              <a:t>18/12/2015</a:t>
+              <a:t>2/4/2016</a:t>
             </a:fld>
             <a:endParaRPr lang="en-US"/>
           </a:p>
@@ -593,7 +595,7 @@
             <a:fld id="{B07A3AA4-E735-44C5-88C1-6B0F6288FC71}" type="slidenum">
               <a:rPr lang="en-US" smtClean="0"/>
               <a:pPr/>
-              <a:t>5</a:t>
+              <a:t>6</a:t>
             </a:fld>
             <a:endParaRPr lang="en-US"/>
           </a:p>
@@ -815,17 +817,94 @@
   <p:clrMapOvr>
     <a:masterClrMapping/>
   </p:clrMapOvr>
-  <p:timing>
-    <p:tnLst>
-      <p:par>
-        <p:cTn id="1" dur="indefinite" restart="never" nodeType="tmRoot"/>
-      </p:par>
-    </p:tnLst>
-  </p:timing>
 </p:sldLayout>
 </file>
 
 <file path=ppt/slideLayouts/slideLayout10.xml><?xml version="1.0" encoding="utf-8"?>
+<p:sldLayout xmlns:a="http://schemas.openxmlformats.org/drawingml/2006/main" xmlns:r="http://schemas.openxmlformats.org/officeDocument/2006/relationships" xmlns:p="http://schemas.openxmlformats.org/presentationml/2006/main" type="titleOnly" preserve="1">
+  <p:cSld name="Title Only">
+    <p:spTree>
+      <p:nvGrpSpPr>
+        <p:cNvPr id="1" name=""/>
+        <p:cNvGrpSpPr/>
+        <p:nvPr/>
+      </p:nvGrpSpPr>
+      <p:grpSpPr>
+        <a:xfrm>
+          <a:off x="0" y="0"/>
+          <a:ext cx="0" cy="0"/>
+          <a:chOff x="0" y="0"/>
+          <a:chExt cx="0" cy="0"/>
+        </a:xfrm>
+      </p:grpSpPr>
+      <p:sp>
+        <p:nvSpPr>
+          <p:cNvPr id="2" name="Title 1"/>
+          <p:cNvSpPr>
+            <a:spLocks noGrp="1"/>
+          </p:cNvSpPr>
+          <p:nvPr>
+            <p:ph type="title"/>
+          </p:nvPr>
+        </p:nvSpPr>
+        <p:spPr/>
+        <p:txBody>
+          <a:bodyPr/>
+          <a:lstStyle/>
+          <a:p>
+            <a:r>
+              <a:rPr lang="en-US" smtClean="0"/>
+              <a:t>Click to edit Master title style</a:t>
+            </a:r>
+            <a:endParaRPr lang="en-US"/>
+          </a:p>
+        </p:txBody>
+      </p:sp>
+      <p:sp>
+        <p:nvSpPr>
+          <p:cNvPr id="5" name="Slide Number Placeholder 4"/>
+          <p:cNvSpPr>
+            <a:spLocks noGrp="1"/>
+          </p:cNvSpPr>
+          <p:nvPr>
+            <p:ph type="sldNum" sz="quarter" idx="12"/>
+          </p:nvPr>
+        </p:nvSpPr>
+        <p:spPr>
+          <a:xfrm>
+            <a:off x="8897420" y="6256216"/>
+            <a:ext cx="2743200" cy="365125"/>
+          </a:xfrm>
+          <a:prstGeom prst="rect">
+            <a:avLst/>
+          </a:prstGeom>
+        </p:spPr>
+        <p:txBody>
+          <a:bodyPr/>
+          <a:lstStyle/>
+          <a:p>
+            <a:fld id="{0A164282-434E-41D4-9582-783D542A7B68}" type="slidenum">
+              <a:rPr lang="en-US" smtClean="0"/>
+              <a:t>‹#›</a:t>
+            </a:fld>
+            <a:endParaRPr lang="en-US"/>
+          </a:p>
+        </p:txBody>
+      </p:sp>
+    </p:spTree>
+    <p:extLst>
+      <p:ext uri="{BB962C8B-B14F-4D97-AF65-F5344CB8AC3E}">
+        <p14:creationId xmlns:p14="http://schemas.microsoft.com/office/powerpoint/2010/main" val="1784561578"/>
+      </p:ext>
+    </p:extLst>
+  </p:cSld>
+  <p:clrMapOvr>
+    <a:masterClrMapping/>
+  </p:clrMapOvr>
+</p:sldLayout>
+</file>
+
+<file path=ppt/slideLayouts/slideLayout11.xml><?xml version="1.0" encoding="utf-8"?>
 <p:sldLayout xmlns:a="http://schemas.openxmlformats.org/drawingml/2006/main" xmlns:r="http://schemas.openxmlformats.org/officeDocument/2006/relationships" xmlns:p="http://schemas.openxmlformats.org/presentationml/2006/main" preserve="1" userDrawn="1">
   <p:cSld name="1_Title Only">
     <p:spTree>
@@ -935,28 +1014,28 @@
                 <a:gridCol w="2764105">
                   <a:extLst>
                     <a:ext uri="{9D8B030D-6E8A-4147-A177-3AD203B41FA5}">
-                      <a16:colId xmlns:a16="http://schemas.microsoft.com/office/drawing/2014/main" xmlns="" val="20000"/>
+                      <a16:colId xmlns:a16="http://schemas.microsoft.com/office/drawing/2014/main" val="20000"/>
                     </a:ext>
                   </a:extLst>
                 </a:gridCol>
                 <a:gridCol w="2764105">
                   <a:extLst>
                     <a:ext uri="{9D8B030D-6E8A-4147-A177-3AD203B41FA5}">
-                      <a16:colId xmlns:a16="http://schemas.microsoft.com/office/drawing/2014/main" xmlns="" val="20001"/>
+                      <a16:colId xmlns:a16="http://schemas.microsoft.com/office/drawing/2014/main" val="20001"/>
                     </a:ext>
                   </a:extLst>
                 </a:gridCol>
                 <a:gridCol w="2764105">
                   <a:extLst>
                     <a:ext uri="{9D8B030D-6E8A-4147-A177-3AD203B41FA5}">
-                      <a16:colId xmlns:a16="http://schemas.microsoft.com/office/drawing/2014/main" xmlns="" val="20002"/>
+                      <a16:colId xmlns:a16="http://schemas.microsoft.com/office/drawing/2014/main" val="20002"/>
                     </a:ext>
                   </a:extLst>
                 </a:gridCol>
                 <a:gridCol w="2764105">
                   <a:extLst>
                     <a:ext uri="{9D8B030D-6E8A-4147-A177-3AD203B41FA5}">
-                      <a16:colId xmlns:a16="http://schemas.microsoft.com/office/drawing/2014/main" xmlns="" val="20003"/>
+                      <a16:colId xmlns:a16="http://schemas.microsoft.com/office/drawing/2014/main" val="20003"/>
                     </a:ext>
                   </a:extLst>
                 </a:gridCol>
@@ -1136,7 +1215,7 @@
                 </a:tc>
                 <a:extLst>
                   <a:ext uri="{0D108BD9-81ED-4DB2-BD59-A6C34878D82A}">
-                    <a16:rowId xmlns:a16="http://schemas.microsoft.com/office/drawing/2014/main" xmlns="" val="10000"/>
+                    <a16:rowId xmlns:a16="http://schemas.microsoft.com/office/drawing/2014/main" val="10000"/>
                   </a:ext>
                 </a:extLst>
               </a:tr>
@@ -1372,7 +1451,7 @@
                 </a:tc>
                 <a:extLst>
                   <a:ext uri="{0D108BD9-81ED-4DB2-BD59-A6C34878D82A}">
-                    <a16:rowId xmlns:a16="http://schemas.microsoft.com/office/drawing/2014/main" xmlns="" val="10001"/>
+                    <a16:rowId xmlns:a16="http://schemas.microsoft.com/office/drawing/2014/main" val="10001"/>
                   </a:ext>
                 </a:extLst>
               </a:tr>
@@ -1627,7 +1706,7 @@
                 </a:tc>
                 <a:extLst>
                   <a:ext uri="{0D108BD9-81ED-4DB2-BD59-A6C34878D82A}">
-                    <a16:rowId xmlns:a16="http://schemas.microsoft.com/office/drawing/2014/main" xmlns="" val="10002"/>
+                    <a16:rowId xmlns:a16="http://schemas.microsoft.com/office/drawing/2014/main" val="10002"/>
                   </a:ext>
                 </a:extLst>
               </a:tr>
@@ -1882,7 +1961,7 @@
                 </a:tc>
                 <a:extLst>
                   <a:ext uri="{0D108BD9-81ED-4DB2-BD59-A6C34878D82A}">
-                    <a16:rowId xmlns:a16="http://schemas.microsoft.com/office/drawing/2014/main" xmlns="" val="10003"/>
+                    <a16:rowId xmlns:a16="http://schemas.microsoft.com/office/drawing/2014/main" val="10003"/>
                   </a:ext>
                 </a:extLst>
               </a:tr>
@@ -1900,17 +1979,10 @@
   <p:clrMapOvr>
     <a:masterClrMapping/>
   </p:clrMapOvr>
-  <p:timing>
-    <p:tnLst>
-      <p:par>
-        <p:cTn id="1" dur="indefinite" restart="never" nodeType="tmRoot"/>
-      </p:par>
-    </p:tnLst>
-  </p:timing>
 </p:sldLayout>
 </file>
 
-<file path=ppt/slideLayouts/slideLayout11.xml><?xml version="1.0" encoding="utf-8"?>
+<file path=ppt/slideLayouts/slideLayout12.xml><?xml version="1.0" encoding="utf-8"?>
 <p:sldLayout xmlns:a="http://schemas.openxmlformats.org/drawingml/2006/main" xmlns:r="http://schemas.openxmlformats.org/officeDocument/2006/relationships" xmlns:p="http://schemas.openxmlformats.org/presentationml/2006/main" type="blank" preserve="1">
   <p:cSld name="Blank">
     <p:spTree>
@@ -1968,17 +2040,10 @@
   <p:clrMapOvr>
     <a:masterClrMapping/>
   </p:clrMapOvr>
-  <p:timing>
-    <p:tnLst>
-      <p:par>
-        <p:cTn id="1" dur="indefinite" restart="never" nodeType="tmRoot"/>
-      </p:par>
-    </p:tnLst>
-  </p:timing>
 </p:sldLayout>
 </file>
 
-<file path=ppt/slideLayouts/slideLayout12.xml><?xml version="1.0" encoding="utf-8"?>
+<file path=ppt/slideLayouts/slideLayout13.xml><?xml version="1.0" encoding="utf-8"?>
 <p:sldLayout xmlns:a="http://schemas.openxmlformats.org/drawingml/2006/main" xmlns:r="http://schemas.openxmlformats.org/officeDocument/2006/relationships" xmlns:p="http://schemas.openxmlformats.org/presentationml/2006/main" type="blank" preserve="1">
   <p:cSld name="1_Blank">
     <p:spTree>
@@ -2005,17 +2070,10 @@
   <p:clrMapOvr>
     <a:masterClrMapping/>
   </p:clrMapOvr>
-  <p:timing>
-    <p:tnLst>
-      <p:par>
-        <p:cTn id="1" dur="indefinite" restart="never" nodeType="tmRoot"/>
-      </p:par>
-    </p:tnLst>
-  </p:timing>
 </p:sldLayout>
 </file>
 
-<file path=ppt/slideLayouts/slideLayout13.xml><?xml version="1.0" encoding="utf-8"?>
+<file path=ppt/slideLayouts/slideLayout14.xml><?xml version="1.0" encoding="utf-8"?>
 <p:sldLayout xmlns:a="http://schemas.openxmlformats.org/drawingml/2006/main" xmlns:r="http://schemas.openxmlformats.org/officeDocument/2006/relationships" xmlns:p="http://schemas.openxmlformats.org/presentationml/2006/main" type="objTx" preserve="1">
   <p:cSld name="Content with Caption">
     <p:spTree>
@@ -2269,17 +2327,10 @@
   <p:clrMapOvr>
     <a:masterClrMapping/>
   </p:clrMapOvr>
-  <p:timing>
-    <p:tnLst>
-      <p:par>
-        <p:cTn id="1" dur="indefinite" restart="never" nodeType="tmRoot"/>
-      </p:par>
-    </p:tnLst>
-  </p:timing>
 </p:sldLayout>
 </file>
 
-<file path=ppt/slideLayouts/slideLayout14.xml><?xml version="1.0" encoding="utf-8"?>
+<file path=ppt/slideLayouts/slideLayout15.xml><?xml version="1.0" encoding="utf-8"?>
 <p:sldLayout xmlns:a="http://schemas.openxmlformats.org/drawingml/2006/main" xmlns:r="http://schemas.openxmlformats.org/officeDocument/2006/relationships" xmlns:p="http://schemas.openxmlformats.org/presentationml/2006/main" type="title" preserve="1">
   <p:cSld name="Title Slide">
     <p:bg>
@@ -2413,17 +2464,10 @@
   <p:clrMapOvr>
     <a:masterClrMapping/>
   </p:clrMapOvr>
-  <p:timing>
-    <p:tnLst>
-      <p:par>
-        <p:cTn id="1" dur="indefinite" restart="never" nodeType="tmRoot"/>
-      </p:par>
-    </p:tnLst>
-  </p:timing>
 </p:sldLayout>
 </file>
 
-<file path=ppt/slideLayouts/slideLayout15.xml><?xml version="1.0" encoding="utf-8"?>
+<file path=ppt/slideLayouts/slideLayout16.xml><?xml version="1.0" encoding="utf-8"?>
 <p:sldLayout xmlns:a="http://schemas.openxmlformats.org/drawingml/2006/main" xmlns:r="http://schemas.openxmlformats.org/officeDocument/2006/relationships" xmlns:p="http://schemas.openxmlformats.org/presentationml/2006/main" type="obj" preserve="1">
   <p:cSld name="Title and Content">
     <p:bg>
@@ -2564,17 +2608,10 @@
   <p:clrMapOvr>
     <a:masterClrMapping/>
   </p:clrMapOvr>
-  <p:timing>
-    <p:tnLst>
-      <p:par>
-        <p:cTn id="1" dur="indefinite" restart="never" nodeType="tmRoot"/>
-      </p:par>
-    </p:tnLst>
-  </p:timing>
 </p:sldLayout>
 </file>
 
-<file path=ppt/slideLayouts/slideLayout16.xml><?xml version="1.0" encoding="utf-8"?>
+<file path=ppt/slideLayouts/slideLayout17.xml><?xml version="1.0" encoding="utf-8"?>
 <p:sldLayout xmlns:a="http://schemas.openxmlformats.org/drawingml/2006/main" xmlns:r="http://schemas.openxmlformats.org/officeDocument/2006/relationships" xmlns:p="http://schemas.openxmlformats.org/presentationml/2006/main" preserve="1" userDrawn="1">
   <p:cSld name="1_Title and Content">
     <p:spTree>
@@ -2752,17 +2789,10 @@
   <p:clrMapOvr>
     <a:masterClrMapping/>
   </p:clrMapOvr>
-  <p:timing>
-    <p:tnLst>
-      <p:par>
-        <p:cTn id="1" dur="indefinite" restart="never" nodeType="tmRoot"/>
-      </p:par>
-    </p:tnLst>
-  </p:timing>
 </p:sldLayout>
 </file>
 
-<file path=ppt/slideLayouts/slideLayout17.xml><?xml version="1.0" encoding="utf-8"?>
+<file path=ppt/slideLayouts/slideLayout18.xml><?xml version="1.0" encoding="utf-8"?>
 <p:sldLayout xmlns:a="http://schemas.openxmlformats.org/drawingml/2006/main" xmlns:r="http://schemas.openxmlformats.org/officeDocument/2006/relationships" xmlns:p="http://schemas.openxmlformats.org/presentationml/2006/main" type="titleOnly" preserve="1">
   <p:cSld name="Title Only">
     <p:bg>
@@ -2851,17 +2881,10 @@
   <p:clrMapOvr>
     <a:masterClrMapping/>
   </p:clrMapOvr>
-  <p:timing>
-    <p:tnLst>
-      <p:par>
-        <p:cTn id="1" dur="indefinite" restart="never" nodeType="tmRoot"/>
-      </p:par>
-    </p:tnLst>
-  </p:timing>
 </p:sldLayout>
 </file>
 
-<file path=ppt/slideLayouts/slideLayout18.xml><?xml version="1.0" encoding="utf-8"?>
+<file path=ppt/slideLayouts/slideLayout19.xml><?xml version="1.0" encoding="utf-8"?>
 <p:sldLayout xmlns:a="http://schemas.openxmlformats.org/drawingml/2006/main" xmlns:r="http://schemas.openxmlformats.org/officeDocument/2006/relationships" xmlns:p="http://schemas.openxmlformats.org/presentationml/2006/main" preserve="1" userDrawn="1">
   <p:cSld name="1_Title Only">
     <p:spTree>
@@ -2971,28 +2994,28 @@
                 <a:gridCol w="2764105">
                   <a:extLst>
                     <a:ext uri="{9D8B030D-6E8A-4147-A177-3AD203B41FA5}">
-                      <a16:colId xmlns:a16="http://schemas.microsoft.com/office/drawing/2014/main" xmlns="" val="20000"/>
+                      <a16:colId xmlns:a16="http://schemas.microsoft.com/office/drawing/2014/main" val="20000"/>
                     </a:ext>
                   </a:extLst>
                 </a:gridCol>
                 <a:gridCol w="2764105">
                   <a:extLst>
                     <a:ext uri="{9D8B030D-6E8A-4147-A177-3AD203B41FA5}">
-                      <a16:colId xmlns:a16="http://schemas.microsoft.com/office/drawing/2014/main" xmlns="" val="20001"/>
+                      <a16:colId xmlns:a16="http://schemas.microsoft.com/office/drawing/2014/main" val="20001"/>
                     </a:ext>
                   </a:extLst>
                 </a:gridCol>
                 <a:gridCol w="2764105">
                   <a:extLst>
                     <a:ext uri="{9D8B030D-6E8A-4147-A177-3AD203B41FA5}">
-                      <a16:colId xmlns:a16="http://schemas.microsoft.com/office/drawing/2014/main" xmlns="" val="20002"/>
+                      <a16:colId xmlns:a16="http://schemas.microsoft.com/office/drawing/2014/main" val="20002"/>
                     </a:ext>
                   </a:extLst>
                 </a:gridCol>
                 <a:gridCol w="2764105">
                   <a:extLst>
                     <a:ext uri="{9D8B030D-6E8A-4147-A177-3AD203B41FA5}">
-                      <a16:colId xmlns:a16="http://schemas.microsoft.com/office/drawing/2014/main" xmlns="" val="20003"/>
+                      <a16:colId xmlns:a16="http://schemas.microsoft.com/office/drawing/2014/main" val="20003"/>
                     </a:ext>
                   </a:extLst>
                 </a:gridCol>
@@ -3156,7 +3179,7 @@
                 </a:tc>
                 <a:extLst>
                   <a:ext uri="{0D108BD9-81ED-4DB2-BD59-A6C34878D82A}">
-                    <a16:rowId xmlns:a16="http://schemas.microsoft.com/office/drawing/2014/main" xmlns="" val="10000"/>
+                    <a16:rowId xmlns:a16="http://schemas.microsoft.com/office/drawing/2014/main" val="10000"/>
                   </a:ext>
                 </a:extLst>
               </a:tr>
@@ -3376,7 +3399,7 @@
                 </a:tc>
                 <a:extLst>
                   <a:ext uri="{0D108BD9-81ED-4DB2-BD59-A6C34878D82A}">
-                    <a16:rowId xmlns:a16="http://schemas.microsoft.com/office/drawing/2014/main" xmlns="" val="10001"/>
+                    <a16:rowId xmlns:a16="http://schemas.microsoft.com/office/drawing/2014/main" val="10001"/>
                   </a:ext>
                 </a:extLst>
               </a:tr>
@@ -3615,7 +3638,7 @@
                 </a:tc>
                 <a:extLst>
                   <a:ext uri="{0D108BD9-81ED-4DB2-BD59-A6C34878D82A}">
-                    <a16:rowId xmlns:a16="http://schemas.microsoft.com/office/drawing/2014/main" xmlns="" val="10002"/>
+                    <a16:rowId xmlns:a16="http://schemas.microsoft.com/office/drawing/2014/main" val="10002"/>
                   </a:ext>
                 </a:extLst>
               </a:tr>
@@ -3854,7 +3877,7 @@
                 </a:tc>
                 <a:extLst>
                   <a:ext uri="{0D108BD9-81ED-4DB2-BD59-A6C34878D82A}">
-                    <a16:rowId xmlns:a16="http://schemas.microsoft.com/office/drawing/2014/main" xmlns="" val="10003"/>
+                    <a16:rowId xmlns:a16="http://schemas.microsoft.com/office/drawing/2014/main" val="10003"/>
                   </a:ext>
                 </a:extLst>
               </a:tr>
@@ -3872,17 +3895,114 @@
   <p:clrMapOvr>
     <a:masterClrMapping/>
   </p:clrMapOvr>
-  <p:timing>
-    <p:tnLst>
-      <p:par>
-        <p:cTn id="1" dur="indefinite" restart="never" nodeType="tmRoot"/>
-      </p:par>
-    </p:tnLst>
-  </p:timing>
 </p:sldLayout>
 </file>
 
-<file path=ppt/slideLayouts/slideLayout19.xml><?xml version="1.0" encoding="utf-8"?>
+<file path=ppt/slideLayouts/slideLayout2.xml><?xml version="1.0" encoding="utf-8"?>
+<p:sldLayout xmlns:a="http://schemas.openxmlformats.org/drawingml/2006/main" xmlns:r="http://schemas.openxmlformats.org/officeDocument/2006/relationships" xmlns:p="http://schemas.openxmlformats.org/presentationml/2006/main" preserve="1" userDrawn="1">
+  <p:cSld name="1_Custom Layout">
+    <p:bg>
+      <p:bgPr>
+        <a:solidFill>
+          <a:srgbClr val="0171B0"/>
+        </a:solidFill>
+        <a:effectLst/>
+      </p:bgPr>
+    </p:bg>
+    <p:spTree>
+      <p:nvGrpSpPr>
+        <p:cNvPr id="1" name=""/>
+        <p:cNvGrpSpPr/>
+        <p:nvPr/>
+      </p:nvGrpSpPr>
+      <p:grpSpPr>
+        <a:xfrm>
+          <a:off x="0" y="0"/>
+          <a:ext cx="0" cy="0"/>
+          <a:chOff x="0" y="0"/>
+          <a:chExt cx="0" cy="0"/>
+        </a:xfrm>
+      </p:grpSpPr>
+      <p:sp>
+        <p:nvSpPr>
+          <p:cNvPr id="4" name="Title 3"/>
+          <p:cNvSpPr>
+            <a:spLocks noGrp="1"/>
+          </p:cNvSpPr>
+          <p:nvPr>
+            <p:ph type="title"/>
+          </p:nvPr>
+        </p:nvSpPr>
+        <p:spPr/>
+        <p:txBody>
+          <a:bodyPr anchor="b"/>
+          <a:lstStyle/>
+          <a:p>
+            <a:r>
+              <a:rPr lang="en-US" smtClean="0"/>
+              <a:t>Click to edit Master title style</a:t>
+            </a:r>
+            <a:endParaRPr lang="en-US"/>
+          </a:p>
+        </p:txBody>
+      </p:sp>
+      <p:sp>
+        <p:nvSpPr>
+          <p:cNvPr id="6" name="Text Placeholder 5"/>
+          <p:cNvSpPr>
+            <a:spLocks noGrp="1"/>
+          </p:cNvSpPr>
+          <p:nvPr>
+            <p:ph type="body" sz="quarter" idx="10" hasCustomPrompt="1"/>
+          </p:nvPr>
+        </p:nvSpPr>
+        <p:spPr>
+          <a:xfrm>
+            <a:off x="6638425" y="5517221"/>
+            <a:ext cx="5013325" cy="1026863"/>
+          </a:xfrm>
+        </p:spPr>
+        <p:txBody>
+          <a:bodyPr/>
+          <a:lstStyle>
+            <a:lvl1pPr>
+              <a:defRPr>
+                <a:solidFill>
+                  <a:srgbClr val="3C454F"/>
+                </a:solidFill>
+              </a:defRPr>
+            </a:lvl1pPr>
+          </a:lstStyle>
+          <a:p>
+            <a:pPr lvl="0"/>
+            <a:r>
+              <a:rPr lang="en-US" dirty="0" smtClean="0"/>
+              <a:t>Presenter Name</a:t>
+            </a:r>
+          </a:p>
+          <a:p>
+            <a:pPr lvl="0"/>
+            <a:r>
+              <a:rPr lang="en-US" dirty="0" smtClean="0"/>
+              <a:t>Title/role</a:t>
+            </a:r>
+          </a:p>
+        </p:txBody>
+      </p:sp>
+    </p:spTree>
+    <p:extLst>
+      <p:ext uri="{BB962C8B-B14F-4D97-AF65-F5344CB8AC3E}">
+        <p14:creationId xmlns:p14="http://schemas.microsoft.com/office/powerpoint/2010/main" val="62634884"/>
+      </p:ext>
+    </p:extLst>
+  </p:cSld>
+  <p:clrMapOvr>
+    <a:masterClrMapping/>
+  </p:clrMapOvr>
+</p:sldLayout>
+</file>
+
+<file path=ppt/slideLayouts/slideLayout20.xml><?xml version="1.0" encoding="utf-8"?>
 <p:sldLayout xmlns:a="http://schemas.openxmlformats.org/drawingml/2006/main" xmlns:r="http://schemas.openxmlformats.org/officeDocument/2006/relationships" xmlns:p="http://schemas.openxmlformats.org/presentationml/2006/main" type="blank" preserve="1">
   <p:cSld name="Blank">
     <p:bg>
@@ -3948,128 +4068,10 @@
   <p:clrMapOvr>
     <a:masterClrMapping/>
   </p:clrMapOvr>
-  <p:timing>
-    <p:tnLst>
-      <p:par>
-        <p:cTn id="1" dur="indefinite" restart="never" nodeType="tmRoot"/>
-      </p:par>
-    </p:tnLst>
-  </p:timing>
 </p:sldLayout>
 </file>
 
-<file path=ppt/slideLayouts/slideLayout2.xml><?xml version="1.0" encoding="utf-8"?>
-<p:sldLayout xmlns:a="http://schemas.openxmlformats.org/drawingml/2006/main" xmlns:r="http://schemas.openxmlformats.org/officeDocument/2006/relationships" xmlns:p="http://schemas.openxmlformats.org/presentationml/2006/main" preserve="1" userDrawn="1">
-  <p:cSld name="1_Custom Layout">
-    <p:bg>
-      <p:bgPr>
-        <a:solidFill>
-          <a:srgbClr val="0171B0"/>
-        </a:solidFill>
-        <a:effectLst/>
-      </p:bgPr>
-    </p:bg>
-    <p:spTree>
-      <p:nvGrpSpPr>
-        <p:cNvPr id="1" name=""/>
-        <p:cNvGrpSpPr/>
-        <p:nvPr/>
-      </p:nvGrpSpPr>
-      <p:grpSpPr>
-        <a:xfrm>
-          <a:off x="0" y="0"/>
-          <a:ext cx="0" cy="0"/>
-          <a:chOff x="0" y="0"/>
-          <a:chExt cx="0" cy="0"/>
-        </a:xfrm>
-      </p:grpSpPr>
-      <p:sp>
-        <p:nvSpPr>
-          <p:cNvPr id="4" name="Title 3"/>
-          <p:cNvSpPr>
-            <a:spLocks noGrp="1"/>
-          </p:cNvSpPr>
-          <p:nvPr>
-            <p:ph type="title"/>
-          </p:nvPr>
-        </p:nvSpPr>
-        <p:spPr/>
-        <p:txBody>
-          <a:bodyPr anchor="b"/>
-          <a:lstStyle/>
-          <a:p>
-            <a:r>
-              <a:rPr lang="en-US" smtClean="0"/>
-              <a:t>Click to edit Master title style</a:t>
-            </a:r>
-            <a:endParaRPr lang="en-US"/>
-          </a:p>
-        </p:txBody>
-      </p:sp>
-      <p:sp>
-        <p:nvSpPr>
-          <p:cNvPr id="6" name="Text Placeholder 5"/>
-          <p:cNvSpPr>
-            <a:spLocks noGrp="1"/>
-          </p:cNvSpPr>
-          <p:nvPr>
-            <p:ph type="body" sz="quarter" idx="10" hasCustomPrompt="1"/>
-          </p:nvPr>
-        </p:nvSpPr>
-        <p:spPr>
-          <a:xfrm>
-            <a:off x="6638425" y="5517221"/>
-            <a:ext cx="5013325" cy="1026863"/>
-          </a:xfrm>
-        </p:spPr>
-        <p:txBody>
-          <a:bodyPr/>
-          <a:lstStyle>
-            <a:lvl1pPr>
-              <a:defRPr>
-                <a:solidFill>
-                  <a:srgbClr val="3C454F"/>
-                </a:solidFill>
-              </a:defRPr>
-            </a:lvl1pPr>
-          </a:lstStyle>
-          <a:p>
-            <a:pPr lvl="0"/>
-            <a:r>
-              <a:rPr lang="en-US" dirty="0" smtClean="0"/>
-              <a:t>Presenter Name</a:t>
-            </a:r>
-          </a:p>
-          <a:p>
-            <a:pPr lvl="0"/>
-            <a:r>
-              <a:rPr lang="en-US" dirty="0" smtClean="0"/>
-              <a:t>Title/role</a:t>
-            </a:r>
-          </a:p>
-        </p:txBody>
-      </p:sp>
-    </p:spTree>
-    <p:extLst>
-      <p:ext uri="{BB962C8B-B14F-4D97-AF65-F5344CB8AC3E}">
-        <p14:creationId xmlns:p14="http://schemas.microsoft.com/office/powerpoint/2010/main" val="62634884"/>
-      </p:ext>
-    </p:extLst>
-  </p:cSld>
-  <p:clrMapOvr>
-    <a:masterClrMapping/>
-  </p:clrMapOvr>
-  <p:timing>
-    <p:tnLst>
-      <p:par>
-        <p:cTn id="1" dur="indefinite" restart="never" nodeType="tmRoot"/>
-      </p:par>
-    </p:tnLst>
-  </p:timing>
-</p:sldLayout>
-</file>
-
-<file path=ppt/slideLayouts/slideLayout20.xml><?xml version="1.0" encoding="utf-8"?>
+<file path=ppt/slideLayouts/slideLayout21.xml><?xml version="1.0" encoding="utf-8"?>
 <p:sldLayout xmlns:a="http://schemas.openxmlformats.org/drawingml/2006/main" xmlns:r="http://schemas.openxmlformats.org/officeDocument/2006/relationships" xmlns:p="http://schemas.openxmlformats.org/presentationml/2006/main" type="blank" preserve="1">
   <p:cSld name="1_Blank">
     <p:bg>
@@ -4104,17 +4106,10 @@
   <p:clrMapOvr>
     <a:masterClrMapping/>
   </p:clrMapOvr>
-  <p:timing>
-    <p:tnLst>
-      <p:par>
-        <p:cTn id="1" dur="indefinite" restart="never" nodeType="tmRoot"/>
-      </p:par>
-    </p:tnLst>
-  </p:timing>
 </p:sldLayout>
 </file>
 
-<file path=ppt/slideLayouts/slideLayout21.xml><?xml version="1.0" encoding="utf-8"?>
+<file path=ppt/slideLayouts/slideLayout22.xml><?xml version="1.0" encoding="utf-8"?>
 <p:sldLayout xmlns:a="http://schemas.openxmlformats.org/drawingml/2006/main" xmlns:r="http://schemas.openxmlformats.org/officeDocument/2006/relationships" xmlns:p="http://schemas.openxmlformats.org/presentationml/2006/main" type="objTx" preserve="1">
   <p:cSld name="Content with Caption">
     <p:bg>
@@ -4376,17 +4371,10 @@
   <p:clrMapOvr>
     <a:masterClrMapping/>
   </p:clrMapOvr>
-  <p:timing>
-    <p:tnLst>
-      <p:par>
-        <p:cTn id="1" dur="indefinite" restart="never" nodeType="tmRoot"/>
-      </p:par>
-    </p:tnLst>
-  </p:timing>
 </p:sldLayout>
 </file>
 
-<file path=ppt/slideLayouts/slideLayout22.xml><?xml version="1.0" encoding="utf-8"?>
+<file path=ppt/slideLayouts/slideLayout23.xml><?xml version="1.0" encoding="utf-8"?>
 <p:sldLayout xmlns:a="http://schemas.openxmlformats.org/drawingml/2006/main" xmlns:r="http://schemas.openxmlformats.org/officeDocument/2006/relationships" xmlns:p="http://schemas.openxmlformats.org/presentationml/2006/main" type="title" preserve="1">
   <p:cSld name="Title Slide">
     <p:bg>
@@ -4520,17 +4508,10 @@
   <p:clrMapOvr>
     <a:masterClrMapping/>
   </p:clrMapOvr>
-  <p:timing>
-    <p:tnLst>
-      <p:par>
-        <p:cTn id="1" dur="indefinite" restart="never" nodeType="tmRoot"/>
-      </p:par>
-    </p:tnLst>
-  </p:timing>
 </p:sldLayout>
 </file>
 
-<file path=ppt/slideLayouts/slideLayout23.xml><?xml version="1.0" encoding="utf-8"?>
+<file path=ppt/slideLayouts/slideLayout24.xml><?xml version="1.0" encoding="utf-8"?>
 <p:sldLayout xmlns:a="http://schemas.openxmlformats.org/drawingml/2006/main" xmlns:r="http://schemas.openxmlformats.org/officeDocument/2006/relationships" xmlns:p="http://schemas.openxmlformats.org/presentationml/2006/main" type="obj" preserve="1">
   <p:cSld name="Title and Content">
     <p:bg>
@@ -4671,17 +4652,10 @@
   <p:clrMapOvr>
     <a:masterClrMapping/>
   </p:clrMapOvr>
-  <p:timing>
-    <p:tnLst>
-      <p:par>
-        <p:cTn id="1" dur="indefinite" restart="never" nodeType="tmRoot"/>
-      </p:par>
-    </p:tnLst>
-  </p:timing>
 </p:sldLayout>
 </file>
 
-<file path=ppt/slideLayouts/slideLayout24.xml><?xml version="1.0" encoding="utf-8"?>
+<file path=ppt/slideLayouts/slideLayout25.xml><?xml version="1.0" encoding="utf-8"?>
 <p:sldLayout xmlns:a="http://schemas.openxmlformats.org/drawingml/2006/main" xmlns:r="http://schemas.openxmlformats.org/officeDocument/2006/relationships" xmlns:p="http://schemas.openxmlformats.org/presentationml/2006/main" preserve="1" userDrawn="1">
   <p:cSld name="1_Title and Content">
     <p:spTree>
@@ -4859,17 +4833,10 @@
   <p:clrMapOvr>
     <a:masterClrMapping/>
   </p:clrMapOvr>
-  <p:timing>
-    <p:tnLst>
-      <p:par>
-        <p:cTn id="1" dur="indefinite" restart="never" nodeType="tmRoot"/>
-      </p:par>
-    </p:tnLst>
-  </p:timing>
 </p:sldLayout>
 </file>
 
-<file path=ppt/slideLayouts/slideLayout25.xml><?xml version="1.0" encoding="utf-8"?>
+<file path=ppt/slideLayouts/slideLayout26.xml><?xml version="1.0" encoding="utf-8"?>
 <p:sldLayout xmlns:a="http://schemas.openxmlformats.org/drawingml/2006/main" xmlns:r="http://schemas.openxmlformats.org/officeDocument/2006/relationships" xmlns:p="http://schemas.openxmlformats.org/presentationml/2006/main" type="titleOnly" preserve="1">
   <p:cSld name="Title Only">
     <p:bg>
@@ -4958,17 +4925,10 @@
   <p:clrMapOvr>
     <a:masterClrMapping/>
   </p:clrMapOvr>
-  <p:timing>
-    <p:tnLst>
-      <p:par>
-        <p:cTn id="1" dur="indefinite" restart="never" nodeType="tmRoot"/>
-      </p:par>
-    </p:tnLst>
-  </p:timing>
 </p:sldLayout>
 </file>
 
-<file path=ppt/slideLayouts/slideLayout26.xml><?xml version="1.0" encoding="utf-8"?>
+<file path=ppt/slideLayouts/slideLayout27.xml><?xml version="1.0" encoding="utf-8"?>
 <p:sldLayout xmlns:a="http://schemas.openxmlformats.org/drawingml/2006/main" xmlns:r="http://schemas.openxmlformats.org/officeDocument/2006/relationships" xmlns:p="http://schemas.openxmlformats.org/presentationml/2006/main" preserve="1" userDrawn="1">
   <p:cSld name="1_Title Only">
     <p:spTree>
@@ -5078,28 +5038,28 @@
                 <a:gridCol w="2764105">
                   <a:extLst>
                     <a:ext uri="{9D8B030D-6E8A-4147-A177-3AD203B41FA5}">
-                      <a16:colId xmlns:a16="http://schemas.microsoft.com/office/drawing/2014/main" xmlns="" val="20000"/>
+                      <a16:colId xmlns:a16="http://schemas.microsoft.com/office/drawing/2014/main" val="20000"/>
                     </a:ext>
                   </a:extLst>
                 </a:gridCol>
                 <a:gridCol w="2764105">
                   <a:extLst>
                     <a:ext uri="{9D8B030D-6E8A-4147-A177-3AD203B41FA5}">
-                      <a16:colId xmlns:a16="http://schemas.microsoft.com/office/drawing/2014/main" xmlns="" val="20001"/>
+                      <a16:colId xmlns:a16="http://schemas.microsoft.com/office/drawing/2014/main" val="20001"/>
                     </a:ext>
                   </a:extLst>
                 </a:gridCol>
                 <a:gridCol w="2764105">
                   <a:extLst>
                     <a:ext uri="{9D8B030D-6E8A-4147-A177-3AD203B41FA5}">
-                      <a16:colId xmlns:a16="http://schemas.microsoft.com/office/drawing/2014/main" xmlns="" val="20002"/>
+                      <a16:colId xmlns:a16="http://schemas.microsoft.com/office/drawing/2014/main" val="20002"/>
                     </a:ext>
                   </a:extLst>
                 </a:gridCol>
                 <a:gridCol w="2764105">
                   <a:extLst>
                     <a:ext uri="{9D8B030D-6E8A-4147-A177-3AD203B41FA5}">
-                      <a16:colId xmlns:a16="http://schemas.microsoft.com/office/drawing/2014/main" xmlns="" val="20003"/>
+                      <a16:colId xmlns:a16="http://schemas.microsoft.com/office/drawing/2014/main" val="20003"/>
                     </a:ext>
                   </a:extLst>
                 </a:gridCol>
@@ -5275,7 +5235,7 @@
                 </a:tc>
                 <a:extLst>
                   <a:ext uri="{0D108BD9-81ED-4DB2-BD59-A6C34878D82A}">
-                    <a16:rowId xmlns:a16="http://schemas.microsoft.com/office/drawing/2014/main" xmlns="" val="10000"/>
+                    <a16:rowId xmlns:a16="http://schemas.microsoft.com/office/drawing/2014/main" val="10000"/>
                   </a:ext>
                 </a:extLst>
               </a:tr>
@@ -5507,7 +5467,7 @@
                 </a:tc>
                 <a:extLst>
                   <a:ext uri="{0D108BD9-81ED-4DB2-BD59-A6C34878D82A}">
-                    <a16:rowId xmlns:a16="http://schemas.microsoft.com/office/drawing/2014/main" xmlns="" val="10001"/>
+                    <a16:rowId xmlns:a16="http://schemas.microsoft.com/office/drawing/2014/main" val="10001"/>
                   </a:ext>
                 </a:extLst>
               </a:tr>
@@ -5766,7 +5726,7 @@
                 </a:tc>
                 <a:extLst>
                   <a:ext uri="{0D108BD9-81ED-4DB2-BD59-A6C34878D82A}">
-                    <a16:rowId xmlns:a16="http://schemas.microsoft.com/office/drawing/2014/main" xmlns="" val="10002"/>
+                    <a16:rowId xmlns:a16="http://schemas.microsoft.com/office/drawing/2014/main" val="10002"/>
                   </a:ext>
                 </a:extLst>
               </a:tr>
@@ -6017,7 +5977,7 @@
                 </a:tc>
                 <a:extLst>
                   <a:ext uri="{0D108BD9-81ED-4DB2-BD59-A6C34878D82A}">
-                    <a16:rowId xmlns:a16="http://schemas.microsoft.com/office/drawing/2014/main" xmlns="" val="10003"/>
+                    <a16:rowId xmlns:a16="http://schemas.microsoft.com/office/drawing/2014/main" val="10003"/>
                   </a:ext>
                 </a:extLst>
               </a:tr>
@@ -6035,17 +5995,10 @@
   <p:clrMapOvr>
     <a:masterClrMapping/>
   </p:clrMapOvr>
-  <p:timing>
-    <p:tnLst>
-      <p:par>
-        <p:cTn id="1" dur="indefinite" restart="never" nodeType="tmRoot"/>
-      </p:par>
-    </p:tnLst>
-  </p:timing>
 </p:sldLayout>
 </file>
 
-<file path=ppt/slideLayouts/slideLayout27.xml><?xml version="1.0" encoding="utf-8"?>
+<file path=ppt/slideLayouts/slideLayout28.xml><?xml version="1.0" encoding="utf-8"?>
 <p:sldLayout xmlns:a="http://schemas.openxmlformats.org/drawingml/2006/main" xmlns:r="http://schemas.openxmlformats.org/officeDocument/2006/relationships" xmlns:p="http://schemas.openxmlformats.org/presentationml/2006/main" type="blank" preserve="1">
   <p:cSld name="Blank">
     <p:bg>
@@ -6111,17 +6064,10 @@
   <p:clrMapOvr>
     <a:masterClrMapping/>
   </p:clrMapOvr>
-  <p:timing>
-    <p:tnLst>
-      <p:par>
-        <p:cTn id="1" dur="indefinite" restart="never" nodeType="tmRoot"/>
-      </p:par>
-    </p:tnLst>
-  </p:timing>
 </p:sldLayout>
 </file>
 
-<file path=ppt/slideLayouts/slideLayout28.xml><?xml version="1.0" encoding="utf-8"?>
+<file path=ppt/slideLayouts/slideLayout29.xml><?xml version="1.0" encoding="utf-8"?>
 <p:sldLayout xmlns:a="http://schemas.openxmlformats.org/drawingml/2006/main" xmlns:r="http://schemas.openxmlformats.org/officeDocument/2006/relationships" xmlns:p="http://schemas.openxmlformats.org/presentationml/2006/main" type="blank" preserve="1">
   <p:cSld name="1_Blank">
     <p:bg>
@@ -6156,17 +6102,114 @@
   <p:clrMapOvr>
     <a:masterClrMapping/>
   </p:clrMapOvr>
-  <p:timing>
-    <p:tnLst>
-      <p:par>
-        <p:cTn id="1" dur="indefinite" restart="never" nodeType="tmRoot"/>
-      </p:par>
-    </p:tnLst>
-  </p:timing>
 </p:sldLayout>
 </file>
 
-<file path=ppt/slideLayouts/slideLayout29.xml><?xml version="1.0" encoding="utf-8"?>
+<file path=ppt/slideLayouts/slideLayout3.xml><?xml version="1.0" encoding="utf-8"?>
+<p:sldLayout xmlns:a="http://schemas.openxmlformats.org/drawingml/2006/main" xmlns:r="http://schemas.openxmlformats.org/officeDocument/2006/relationships" xmlns:p="http://schemas.openxmlformats.org/presentationml/2006/main" preserve="1" userDrawn="1">
+  <p:cSld name="2_Custom Layout">
+    <p:bg>
+      <p:bgPr>
+        <a:solidFill>
+          <a:srgbClr val="1D4380"/>
+        </a:solidFill>
+        <a:effectLst/>
+      </p:bgPr>
+    </p:bg>
+    <p:spTree>
+      <p:nvGrpSpPr>
+        <p:cNvPr id="1" name=""/>
+        <p:cNvGrpSpPr/>
+        <p:nvPr/>
+      </p:nvGrpSpPr>
+      <p:grpSpPr>
+        <a:xfrm>
+          <a:off x="0" y="0"/>
+          <a:ext cx="0" cy="0"/>
+          <a:chOff x="0" y="0"/>
+          <a:chExt cx="0" cy="0"/>
+        </a:xfrm>
+      </p:grpSpPr>
+      <p:sp>
+        <p:nvSpPr>
+          <p:cNvPr id="4" name="Title 3"/>
+          <p:cNvSpPr>
+            <a:spLocks noGrp="1"/>
+          </p:cNvSpPr>
+          <p:nvPr>
+            <p:ph type="title"/>
+          </p:nvPr>
+        </p:nvSpPr>
+        <p:spPr/>
+        <p:txBody>
+          <a:bodyPr anchor="b"/>
+          <a:lstStyle/>
+          <a:p>
+            <a:r>
+              <a:rPr lang="en-US" smtClean="0"/>
+              <a:t>Click to edit Master title style</a:t>
+            </a:r>
+            <a:endParaRPr lang="en-US"/>
+          </a:p>
+        </p:txBody>
+      </p:sp>
+      <p:sp>
+        <p:nvSpPr>
+          <p:cNvPr id="6" name="Text Placeholder 5"/>
+          <p:cNvSpPr>
+            <a:spLocks noGrp="1"/>
+          </p:cNvSpPr>
+          <p:nvPr>
+            <p:ph type="body" sz="quarter" idx="10" hasCustomPrompt="1"/>
+          </p:nvPr>
+        </p:nvSpPr>
+        <p:spPr>
+          <a:xfrm>
+            <a:off x="6638425" y="5517221"/>
+            <a:ext cx="5013325" cy="1026863"/>
+          </a:xfrm>
+        </p:spPr>
+        <p:txBody>
+          <a:bodyPr/>
+          <a:lstStyle>
+            <a:lvl1pPr>
+              <a:defRPr>
+                <a:solidFill>
+                  <a:srgbClr val="289FD7"/>
+                </a:solidFill>
+              </a:defRPr>
+            </a:lvl1pPr>
+          </a:lstStyle>
+          <a:p>
+            <a:pPr lvl="0"/>
+            <a:r>
+              <a:rPr lang="en-US" dirty="0" smtClean="0"/>
+              <a:t>Presenter Name</a:t>
+            </a:r>
+          </a:p>
+          <a:p>
+            <a:pPr lvl="0"/>
+            <a:r>
+              <a:rPr lang="en-US" dirty="0" smtClean="0"/>
+              <a:t>Title/role</a:t>
+            </a:r>
+          </a:p>
+        </p:txBody>
+      </p:sp>
+    </p:spTree>
+    <p:extLst>
+      <p:ext uri="{BB962C8B-B14F-4D97-AF65-F5344CB8AC3E}">
+        <p14:creationId xmlns:p14="http://schemas.microsoft.com/office/powerpoint/2010/main" val="991024635"/>
+      </p:ext>
+    </p:extLst>
+  </p:cSld>
+  <p:clrMapOvr>
+    <a:masterClrMapping/>
+  </p:clrMapOvr>
+</p:sldLayout>
+</file>
+
+<file path=ppt/slideLayouts/slideLayout30.xml><?xml version="1.0" encoding="utf-8"?>
 <p:sldLayout xmlns:a="http://schemas.openxmlformats.org/drawingml/2006/main" xmlns:r="http://schemas.openxmlformats.org/officeDocument/2006/relationships" xmlns:p="http://schemas.openxmlformats.org/presentationml/2006/main" type="objTx" preserve="1">
   <p:cSld name="Content with Caption">
     <p:bg>
@@ -6428,322 +6471,6 @@
   <p:clrMapOvr>
     <a:masterClrMapping/>
   </p:clrMapOvr>
-  <p:timing>
-    <p:tnLst>
-      <p:par>
-        <p:cTn id="1" dur="indefinite" restart="never" nodeType="tmRoot"/>
-      </p:par>
-    </p:tnLst>
-  </p:timing>
-</p:sldLayout>
-</file>
-
-<file path=ppt/slideLayouts/slideLayout3.xml><?xml version="1.0" encoding="utf-8"?>
-<p:sldLayout xmlns:a="http://schemas.openxmlformats.org/drawingml/2006/main" xmlns:r="http://schemas.openxmlformats.org/officeDocument/2006/relationships" xmlns:p="http://schemas.openxmlformats.org/presentationml/2006/main" preserve="1" userDrawn="1">
-  <p:cSld name="2_Custom Layout">
-    <p:bg>
-      <p:bgPr>
-        <a:solidFill>
-          <a:srgbClr val="1D4380"/>
-        </a:solidFill>
-        <a:effectLst/>
-      </p:bgPr>
-    </p:bg>
-    <p:spTree>
-      <p:nvGrpSpPr>
-        <p:cNvPr id="1" name=""/>
-        <p:cNvGrpSpPr/>
-        <p:nvPr/>
-      </p:nvGrpSpPr>
-      <p:grpSpPr>
-        <a:xfrm>
-          <a:off x="0" y="0"/>
-          <a:ext cx="0" cy="0"/>
-          <a:chOff x="0" y="0"/>
-          <a:chExt cx="0" cy="0"/>
-        </a:xfrm>
-      </p:grpSpPr>
-      <p:sp>
-        <p:nvSpPr>
-          <p:cNvPr id="4" name="Title 3"/>
-          <p:cNvSpPr>
-            <a:spLocks noGrp="1"/>
-          </p:cNvSpPr>
-          <p:nvPr>
-            <p:ph type="title"/>
-          </p:nvPr>
-        </p:nvSpPr>
-        <p:spPr/>
-        <p:txBody>
-          <a:bodyPr anchor="b"/>
-          <a:lstStyle/>
-          <a:p>
-            <a:r>
-              <a:rPr lang="en-US" smtClean="0"/>
-              <a:t>Click to edit Master title style</a:t>
-            </a:r>
-            <a:endParaRPr lang="en-US"/>
-          </a:p>
-        </p:txBody>
-      </p:sp>
-      <p:sp>
-        <p:nvSpPr>
-          <p:cNvPr id="6" name="Text Placeholder 5"/>
-          <p:cNvSpPr>
-            <a:spLocks noGrp="1"/>
-          </p:cNvSpPr>
-          <p:nvPr>
-            <p:ph type="body" sz="quarter" idx="10" hasCustomPrompt="1"/>
-          </p:nvPr>
-        </p:nvSpPr>
-        <p:spPr>
-          <a:xfrm>
-            <a:off x="6638425" y="5517221"/>
-            <a:ext cx="5013325" cy="1026863"/>
-          </a:xfrm>
-        </p:spPr>
-        <p:txBody>
-          <a:bodyPr/>
-          <a:lstStyle>
-            <a:lvl1pPr>
-              <a:defRPr>
-                <a:solidFill>
-                  <a:srgbClr val="289FD7"/>
-                </a:solidFill>
-              </a:defRPr>
-            </a:lvl1pPr>
-          </a:lstStyle>
-          <a:p>
-            <a:pPr lvl="0"/>
-            <a:r>
-              <a:rPr lang="en-US" dirty="0" smtClean="0"/>
-              <a:t>Presenter Name</a:t>
-            </a:r>
-          </a:p>
-          <a:p>
-            <a:pPr lvl="0"/>
-            <a:r>
-              <a:rPr lang="en-US" dirty="0" smtClean="0"/>
-              <a:t>Title/role</a:t>
-            </a:r>
-          </a:p>
-        </p:txBody>
-      </p:sp>
-    </p:spTree>
-    <p:extLst>
-      <p:ext uri="{BB962C8B-B14F-4D97-AF65-F5344CB8AC3E}">
-        <p14:creationId xmlns:p14="http://schemas.microsoft.com/office/powerpoint/2010/main" val="991024635"/>
-      </p:ext>
-    </p:extLst>
-  </p:cSld>
-  <p:clrMapOvr>
-    <a:masterClrMapping/>
-  </p:clrMapOvr>
-  <p:timing>
-    <p:tnLst>
-      <p:par>
-        <p:cTn id="1" dur="indefinite" restart="never" nodeType="tmRoot"/>
-      </p:par>
-    </p:tnLst>
-  </p:timing>
-</p:sldLayout>
-</file>
-
-<file path=ppt/slideLayouts/slideLayout30.xml><?xml version="1.0" encoding="utf-8"?>
-<p:sldLayout xmlns:a="http://schemas.openxmlformats.org/drawingml/2006/main" xmlns:r="http://schemas.openxmlformats.org/officeDocument/2006/relationships" xmlns:p="http://schemas.openxmlformats.org/presentationml/2006/main" userDrawn="1">
-  <p:cSld name="1_Logo on Background">
-    <p:bg>
-      <p:bgPr>
-        <a:solidFill>
-          <a:schemeClr val="tx2">
-            <a:lumMod val="50000"/>
-          </a:schemeClr>
-        </a:solidFill>
-        <a:effectLst/>
-      </p:bgPr>
-    </p:bg>
-    <p:spTree>
-      <p:nvGrpSpPr>
-        <p:cNvPr id="1" name=""/>
-        <p:cNvGrpSpPr/>
-        <p:nvPr/>
-      </p:nvGrpSpPr>
-      <p:grpSpPr>
-        <a:xfrm>
-          <a:off x="0" y="0"/>
-          <a:ext cx="0" cy="0"/>
-          <a:chOff x="0" y="0"/>
-          <a:chExt cx="0" cy="0"/>
-        </a:xfrm>
-      </p:grpSpPr>
-      <p:sp>
-        <p:nvSpPr>
-          <p:cNvPr id="3" name="Text Box 3"/>
-          <p:cNvSpPr txBox="1">
-            <a:spLocks noChangeArrowheads="1"/>
-          </p:cNvSpPr>
-          <p:nvPr userDrawn="1"/>
-        </p:nvSpPr>
-        <p:spPr bwMode="blackWhite">
-          <a:xfrm>
-            <a:off x="450202" y="5503176"/>
-            <a:ext cx="8639369" cy="711824"/>
-          </a:xfrm>
-          <a:prstGeom prst="rect">
-            <a:avLst/>
-          </a:prstGeom>
-          <a:noFill/>
-          <a:ln w="12700">
-            <a:noFill/>
-            <a:miter lim="800000"/>
-            <a:headEnd type="none" w="sm" len="sm"/>
-            <a:tailEnd type="none" w="sm" len="sm"/>
-          </a:ln>
-          <a:effectLst/>
-        </p:spPr>
-        <p:txBody>
-          <a:bodyPr vert="horz" wrap="square" lIns="179285" tIns="143428" rIns="179285" bIns="143428" numCol="1" anchor="t" anchorCtr="0" compatLnSpc="1">
-            <a:prstTxWarp prst="textNoShape">
-              <a:avLst/>
-            </a:prstTxWarp>
-            <a:spAutoFit/>
-          </a:bodyPr>
-          <a:lstStyle/>
-          <a:p>
-            <a:pPr defTabSz="913924" eaLnBrk="0" hangingPunct="0"/>
-            <a:r>
-              <a:rPr lang="en-US" sz="686" dirty="0">
-                <a:gradFill>
-                  <a:gsLst>
-                    <a:gs pos="0">
-                      <a:srgbClr val="FFFFFF"/>
-                    </a:gs>
-                    <a:gs pos="100000">
-                      <a:srgbClr val="FFFFFF"/>
-                    </a:gs>
-                  </a:gsLst>
-                  <a:lin ang="5400000" scaled="0"/>
-                </a:gradFill>
-                <a:cs typeface="Segoe UI" pitchFamily="34" charset="0"/>
-              </a:rPr>
-              <a:t>© 2012 Microsoft Corporation. All rights reserved. Microsoft, </a:t>
-            </a:r>
-            <a:r>
-              <a:rPr lang="en-US" sz="686" dirty="0" smtClean="0">
-                <a:gradFill>
-                  <a:gsLst>
-                    <a:gs pos="0">
-                      <a:srgbClr val="FFFFFF"/>
-                    </a:gs>
-                    <a:gs pos="100000">
-                      <a:srgbClr val="FFFFFF"/>
-                    </a:gs>
-                  </a:gsLst>
-                  <a:lin ang="5400000" scaled="0"/>
-                </a:gradFill>
-                <a:cs typeface="Segoe UI" pitchFamily="34" charset="0"/>
-              </a:rPr>
-              <a:t>Microsoft, Microsoft </a:t>
-            </a:r>
-            <a:r>
-              <a:rPr lang="en-US" sz="686" dirty="0">
-                <a:gradFill>
-                  <a:gsLst>
-                    <a:gs pos="0">
-                      <a:srgbClr val="FFFFFF"/>
-                    </a:gs>
-                    <a:gs pos="100000">
-                      <a:srgbClr val="FFFFFF"/>
-                    </a:gs>
-                  </a:gsLst>
-                  <a:lin ang="5400000" scaled="0"/>
-                </a:gradFill>
-                <a:cs typeface="Segoe UI" pitchFamily="34" charset="0"/>
-              </a:rPr>
-              <a:t>Vista and other product names are or may be registered trademarks and/or trademarks in the U.S. and/or other countries.</a:t>
-            </a:r>
-          </a:p>
-          <a:p>
-            <a:pPr defTabSz="913924" eaLnBrk="0" hangingPunct="0"/>
-            <a:r>
-              <a:rPr lang="en-US" sz="686" dirty="0">
-                <a:gradFill>
-                  <a:gsLst>
-                    <a:gs pos="0">
-                      <a:srgbClr val="FFFFFF"/>
-                    </a:gs>
-                    <a:gs pos="100000">
-                      <a:srgbClr val="FFFFFF"/>
-                    </a:gs>
-                  </a:gsLst>
-                  <a:lin ang="5400000" scaled="0"/>
-                </a:gradFill>
-                <a:cs typeface="Segoe UI" pitchFamily="34" charset="0"/>
-              </a:rPr>
-              <a:t>The information herein is for informational purposes only and represents the current view of Microsoft Corporation as of the date of this presentation.  Because Microsoft must respond to changing market conditions, it should not be interpreted to be a commitment on the part of Microsoft, and Microsoft cannot guarantee the accuracy of any information provided after the date of this presentation.  MICROSOFT MAKES NO WARRANTIES, EXPRESS, IMPLIED OR STATUTORY, AS TO THE INFORMATION IN THIS PRESENTATION.</a:t>
-            </a:r>
-          </a:p>
-        </p:txBody>
-      </p:sp>
-      <p:pic>
-        <p:nvPicPr>
-          <p:cNvPr id="4" name="Picture 3"/>
-          <p:cNvPicPr>
-            <a:picLocks noChangeAspect="1"/>
-          </p:cNvPicPr>
-          <p:nvPr userDrawn="1"/>
-        </p:nvPicPr>
-        <p:blipFill>
-          <a:blip r:embed="rId2" cstate="print">
-            <a:extLst>
-              <a:ext uri="{28A0092B-C50C-407E-A947-70E740481C1C}">
-                <a14:useLocalDpi xmlns:a14="http://schemas.microsoft.com/office/drawing/2010/main" val="0"/>
-              </a:ext>
-            </a:extLst>
-          </a:blip>
-          <a:stretch>
-            <a:fillRect/>
-          </a:stretch>
-        </p:blipFill>
-        <p:spPr bwMode="invGray">
-          <a:xfrm>
-            <a:off x="667916" y="4562112"/>
-            <a:ext cx="3223861" cy="690695"/>
-          </a:xfrm>
-          <a:prstGeom prst="rect">
-            <a:avLst/>
-          </a:prstGeom>
-        </p:spPr>
-      </p:pic>
-    </p:spTree>
-    <p:extLst>
-      <p:ext uri="{BB962C8B-B14F-4D97-AF65-F5344CB8AC3E}">
-        <p14:creationId xmlns:p14="http://schemas.microsoft.com/office/powerpoint/2010/main" val="306182361"/>
-      </p:ext>
-    </p:extLst>
-  </p:cSld>
-  <p:clrMapOvr>
-    <a:masterClrMapping/>
-  </p:clrMapOvr>
-  <mc:AlternateContent xmlns:mc="http://schemas.openxmlformats.org/markup-compatibility/2006" xmlns:p14="http://schemas.microsoft.com/office/powerpoint/2010/main">
-    <mc:Choice Requires="p14">
-      <p:transition spd="med" p14:dur="700">
-        <p:fade/>
-      </p:transition>
-    </mc:Choice>
-    <mc:Fallback xmlns="">
-      <p:transition spd="med">
-        <p:fade/>
-      </p:transition>
-    </mc:Fallback>
-  </mc:AlternateContent>
-  <p:timing>
-    <p:tnLst>
-      <p:par>
-        <p:cTn id="1" dur="indefinite" restart="never" nodeType="tmRoot"/>
-      </p:par>
-    </p:tnLst>
-  </p:timing>
 </p:sldLayout>
 </file>
 
@@ -6881,13 +6608,6 @@
   <p:clrMapOvr>
     <a:masterClrMapping/>
   </p:clrMapOvr>
-  <p:timing>
-    <p:tnLst>
-      <p:par>
-        <p:cTn id="1" dur="indefinite" restart="never" nodeType="tmRoot"/>
-      </p:par>
-    </p:tnLst>
-  </p:timing>
 </p:sldLayout>
 </file>
 
@@ -7032,13 +6752,6 @@
   <p:clrMapOvr>
     <a:masterClrMapping/>
   </p:clrMapOvr>
-  <p:timing>
-    <p:tnLst>
-      <p:par>
-        <p:cTn id="1" dur="indefinite" restart="never" nodeType="tmRoot"/>
-      </p:par>
-    </p:tnLst>
-  </p:timing>
 </p:sldLayout>
 </file>
 
@@ -7220,13 +6933,6 @@
   <p:clrMapOvr>
     <a:masterClrMapping/>
   </p:clrMapOvr>
-  <p:timing>
-    <p:tnLst>
-      <p:par>
-        <p:cTn id="1" dur="indefinite" restart="never" nodeType="tmRoot"/>
-      </p:par>
-    </p:tnLst>
-  </p:timing>
 </p:sldLayout>
 </file>
 
@@ -7319,13 +7025,6 @@
   <p:clrMapOvr>
     <a:masterClrMapping/>
   </p:clrMapOvr>
-  <p:timing>
-    <p:tnLst>
-      <p:par>
-        <p:cTn id="1" dur="indefinite" restart="never" nodeType="tmRoot"/>
-      </p:par>
-    </p:tnLst>
-  </p:timing>
 </p:sldLayout>
 </file>
 
@@ -7433,28 +7132,28 @@
                 <a:gridCol w="2764105">
                   <a:extLst>
                     <a:ext uri="{9D8B030D-6E8A-4147-A177-3AD203B41FA5}">
-                      <a16:colId xmlns:a16="http://schemas.microsoft.com/office/drawing/2014/main" xmlns="" val="20000"/>
+                      <a16:colId xmlns:a16="http://schemas.microsoft.com/office/drawing/2014/main" val="20000"/>
                     </a:ext>
                   </a:extLst>
                 </a:gridCol>
                 <a:gridCol w="2764105">
                   <a:extLst>
                     <a:ext uri="{9D8B030D-6E8A-4147-A177-3AD203B41FA5}">
-                      <a16:colId xmlns:a16="http://schemas.microsoft.com/office/drawing/2014/main" xmlns="" val="20001"/>
+                      <a16:colId xmlns:a16="http://schemas.microsoft.com/office/drawing/2014/main" val="20001"/>
                     </a:ext>
                   </a:extLst>
                 </a:gridCol>
                 <a:gridCol w="2764105">
                   <a:extLst>
                     <a:ext uri="{9D8B030D-6E8A-4147-A177-3AD203B41FA5}">
-                      <a16:colId xmlns:a16="http://schemas.microsoft.com/office/drawing/2014/main" xmlns="" val="20002"/>
+                      <a16:colId xmlns:a16="http://schemas.microsoft.com/office/drawing/2014/main" val="20002"/>
                     </a:ext>
                   </a:extLst>
                 </a:gridCol>
                 <a:gridCol w="2764105">
                   <a:extLst>
                     <a:ext uri="{9D8B030D-6E8A-4147-A177-3AD203B41FA5}">
-                      <a16:colId xmlns:a16="http://schemas.microsoft.com/office/drawing/2014/main" xmlns="" val="20003"/>
+                      <a16:colId xmlns:a16="http://schemas.microsoft.com/office/drawing/2014/main" val="20003"/>
                     </a:ext>
                   </a:extLst>
                 </a:gridCol>
@@ -7634,7 +7333,7 @@
                 </a:tc>
                 <a:extLst>
                   <a:ext uri="{0D108BD9-81ED-4DB2-BD59-A6C34878D82A}">
-                    <a16:rowId xmlns:a16="http://schemas.microsoft.com/office/drawing/2014/main" xmlns="" val="10000"/>
+                    <a16:rowId xmlns:a16="http://schemas.microsoft.com/office/drawing/2014/main" val="10000"/>
                   </a:ext>
                 </a:extLst>
               </a:tr>
@@ -7870,7 +7569,7 @@
                 </a:tc>
                 <a:extLst>
                   <a:ext uri="{0D108BD9-81ED-4DB2-BD59-A6C34878D82A}">
-                    <a16:rowId xmlns:a16="http://schemas.microsoft.com/office/drawing/2014/main" xmlns="" val="10001"/>
+                    <a16:rowId xmlns:a16="http://schemas.microsoft.com/office/drawing/2014/main" val="10001"/>
                   </a:ext>
                 </a:extLst>
               </a:tr>
@@ -8125,7 +7824,7 @@
                 </a:tc>
                 <a:extLst>
                   <a:ext uri="{0D108BD9-81ED-4DB2-BD59-A6C34878D82A}">
-                    <a16:rowId xmlns:a16="http://schemas.microsoft.com/office/drawing/2014/main" xmlns="" val="10002"/>
+                    <a16:rowId xmlns:a16="http://schemas.microsoft.com/office/drawing/2014/main" val="10002"/>
                   </a:ext>
                 </a:extLst>
               </a:tr>
@@ -8380,7 +8079,7 @@
                 </a:tc>
                 <a:extLst>
                   <a:ext uri="{0D108BD9-81ED-4DB2-BD59-A6C34878D82A}">
-                    <a16:rowId xmlns:a16="http://schemas.microsoft.com/office/drawing/2014/main" xmlns="" val="10003"/>
+                    <a16:rowId xmlns:a16="http://schemas.microsoft.com/office/drawing/2014/main" val="10003"/>
                   </a:ext>
                 </a:extLst>
               </a:tr>
@@ -8398,13 +8097,6 @@
   <p:clrMapOvr>
     <a:masterClrMapping/>
   </p:clrMapOvr>
-  <p:timing>
-    <p:tnLst>
-      <p:par>
-        <p:cTn id="1" dur="indefinite" restart="never" nodeType="tmRoot"/>
-      </p:par>
-    </p:tnLst>
-  </p:timing>
 </p:sldLayout>
 </file>
 
@@ -8474,13 +8166,6 @@
   <p:clrMapOvr>
     <a:masterClrMapping/>
   </p:clrMapOvr>
-  <p:timing>
-    <p:tnLst>
-      <p:par>
-        <p:cTn id="1" dur="indefinite" restart="never" nodeType="tmRoot"/>
-      </p:par>
-    </p:tnLst>
-  </p:timing>
 </p:sldLayout>
 </file>
 
@@ -8519,13 +8204,6 @@
   <p:clrMapOvr>
     <a:masterClrMapping/>
   </p:clrMapOvr>
-  <p:timing>
-    <p:tnLst>
-      <p:par>
-        <p:cTn id="1" dur="indefinite" restart="never" nodeType="tmRoot"/>
-      </p:par>
-    </p:tnLst>
-  </p:timing>
 </p:sldLayout>
 </file>
 
@@ -8791,13 +8469,6 @@
   <p:clrMapOvr>
     <a:masterClrMapping/>
   </p:clrMapOvr>
-  <p:timing>
-    <p:tnLst>
-      <p:par>
-        <p:cTn id="1" dur="indefinite" restart="never" nodeType="tmRoot"/>
-      </p:par>
-    </p:tnLst>
-  </p:timing>
 </p:sldLayout>
 </file>
 
@@ -8935,13 +8606,6 @@
   <p:clrMapOvr>
     <a:masterClrMapping/>
   </p:clrMapOvr>
-  <p:timing>
-    <p:tnLst>
-      <p:par>
-        <p:cTn id="1" dur="indefinite" restart="never" nodeType="tmRoot"/>
-      </p:par>
-    </p:tnLst>
-  </p:timing>
 </p:sldLayout>
 </file>
 
@@ -9046,13 +8710,6 @@
   <p:clrMapOvr>
     <a:masterClrMapping/>
   </p:clrMapOvr>
-  <p:timing>
-    <p:tnLst>
-      <p:par>
-        <p:cTn id="1" dur="indefinite" restart="never" nodeType="tmRoot"/>
-      </p:par>
-    </p:tnLst>
-  </p:timing>
 </p:sldLayout>
 </file>
 
@@ -9197,13 +8854,6 @@
   <p:clrMapOvr>
     <a:masterClrMapping/>
   </p:clrMapOvr>
-  <p:timing>
-    <p:tnLst>
-      <p:par>
-        <p:cTn id="1" dur="indefinite" restart="never" nodeType="tmRoot"/>
-      </p:par>
-    </p:tnLst>
-  </p:timing>
 </p:sldLayout>
 </file>
 
@@ -9385,13 +9035,6 @@
   <p:clrMapOvr>
     <a:masterClrMapping/>
   </p:clrMapOvr>
-  <p:timing>
-    <p:tnLst>
-      <p:par>
-        <p:cTn id="1" dur="indefinite" restart="never" nodeType="tmRoot"/>
-      </p:par>
-    </p:tnLst>
-  </p:timing>
 </p:sldLayout>
 </file>
 
@@ -9484,13 +9127,6 @@
   <p:clrMapOvr>
     <a:masterClrMapping/>
   </p:clrMapOvr>
-  <p:timing>
-    <p:tnLst>
-      <p:par>
-        <p:cTn id="1" dur="indefinite" restart="never" nodeType="tmRoot"/>
-      </p:par>
-    </p:tnLst>
-  </p:timing>
 </p:sldLayout>
 </file>
 
@@ -9598,28 +9234,28 @@
                 <a:gridCol w="2764105">
                   <a:extLst>
                     <a:ext uri="{9D8B030D-6E8A-4147-A177-3AD203B41FA5}">
-                      <a16:colId xmlns:a16="http://schemas.microsoft.com/office/drawing/2014/main" xmlns="" val="20000"/>
+                      <a16:colId xmlns:a16="http://schemas.microsoft.com/office/drawing/2014/main" val="20000"/>
                     </a:ext>
                   </a:extLst>
                 </a:gridCol>
                 <a:gridCol w="2764105">
                   <a:extLst>
                     <a:ext uri="{9D8B030D-6E8A-4147-A177-3AD203B41FA5}">
-                      <a16:colId xmlns:a16="http://schemas.microsoft.com/office/drawing/2014/main" xmlns="" val="20001"/>
+                      <a16:colId xmlns:a16="http://schemas.microsoft.com/office/drawing/2014/main" val="20001"/>
                     </a:ext>
                   </a:extLst>
                 </a:gridCol>
                 <a:gridCol w="2764105">
                   <a:extLst>
                     <a:ext uri="{9D8B030D-6E8A-4147-A177-3AD203B41FA5}">
-                      <a16:colId xmlns:a16="http://schemas.microsoft.com/office/drawing/2014/main" xmlns="" val="20002"/>
+                      <a16:colId xmlns:a16="http://schemas.microsoft.com/office/drawing/2014/main" val="20002"/>
                     </a:ext>
                   </a:extLst>
                 </a:gridCol>
                 <a:gridCol w="2764105">
                   <a:extLst>
                     <a:ext uri="{9D8B030D-6E8A-4147-A177-3AD203B41FA5}">
-                      <a16:colId xmlns:a16="http://schemas.microsoft.com/office/drawing/2014/main" xmlns="" val="20003"/>
+                      <a16:colId xmlns:a16="http://schemas.microsoft.com/office/drawing/2014/main" val="20003"/>
                     </a:ext>
                   </a:extLst>
                 </a:gridCol>
@@ -9799,7 +9435,7 @@
                 </a:tc>
                 <a:extLst>
                   <a:ext uri="{0D108BD9-81ED-4DB2-BD59-A6C34878D82A}">
-                    <a16:rowId xmlns:a16="http://schemas.microsoft.com/office/drawing/2014/main" xmlns="" val="10000"/>
+                    <a16:rowId xmlns:a16="http://schemas.microsoft.com/office/drawing/2014/main" val="10000"/>
                   </a:ext>
                 </a:extLst>
               </a:tr>
@@ -10035,7 +9671,7 @@
                 </a:tc>
                 <a:extLst>
                   <a:ext uri="{0D108BD9-81ED-4DB2-BD59-A6C34878D82A}">
-                    <a16:rowId xmlns:a16="http://schemas.microsoft.com/office/drawing/2014/main" xmlns="" val="10001"/>
+                    <a16:rowId xmlns:a16="http://schemas.microsoft.com/office/drawing/2014/main" val="10001"/>
                   </a:ext>
                 </a:extLst>
               </a:tr>
@@ -10290,7 +9926,7 @@
                 </a:tc>
                 <a:extLst>
                   <a:ext uri="{0D108BD9-81ED-4DB2-BD59-A6C34878D82A}">
-                    <a16:rowId xmlns:a16="http://schemas.microsoft.com/office/drawing/2014/main" xmlns="" val="10002"/>
+                    <a16:rowId xmlns:a16="http://schemas.microsoft.com/office/drawing/2014/main" val="10002"/>
                   </a:ext>
                 </a:extLst>
               </a:tr>
@@ -10545,7 +10181,7 @@
                 </a:tc>
                 <a:extLst>
                   <a:ext uri="{0D108BD9-81ED-4DB2-BD59-A6C34878D82A}">
-                    <a16:rowId xmlns:a16="http://schemas.microsoft.com/office/drawing/2014/main" xmlns="" val="10003"/>
+                    <a16:rowId xmlns:a16="http://schemas.microsoft.com/office/drawing/2014/main" val="10003"/>
                   </a:ext>
                 </a:extLst>
               </a:tr>
@@ -10563,13 +10199,6 @@
   <p:clrMapOvr>
     <a:masterClrMapping/>
   </p:clrMapOvr>
-  <p:timing>
-    <p:tnLst>
-      <p:par>
-        <p:cTn id="1" dur="indefinite" restart="never" nodeType="tmRoot"/>
-      </p:par>
-    </p:tnLst>
-  </p:timing>
 </p:sldLayout>
 </file>
 
@@ -10639,13 +10268,6 @@
   <p:clrMapOvr>
     <a:masterClrMapping/>
   </p:clrMapOvr>
-  <p:timing>
-    <p:tnLst>
-      <p:par>
-        <p:cTn id="1" dur="indefinite" restart="never" nodeType="tmRoot"/>
-      </p:par>
-    </p:tnLst>
-  </p:timing>
 </p:sldLayout>
 </file>
 
@@ -10684,13 +10306,6 @@
   <p:clrMapOvr>
     <a:masterClrMapping/>
   </p:clrMapOvr>
-  <p:timing>
-    <p:tnLst>
-      <p:par>
-        <p:cTn id="1" dur="indefinite" restart="never" nodeType="tmRoot"/>
-      </p:par>
-    </p:tnLst>
-  </p:timing>
 </p:sldLayout>
 </file>
 
@@ -10956,13 +10571,6 @@
   <p:clrMapOvr>
     <a:masterClrMapping/>
   </p:clrMapOvr>
-  <p:timing>
-    <p:tnLst>
-      <p:par>
-        <p:cTn id="1" dur="indefinite" restart="never" nodeType="tmRoot"/>
-      </p:par>
-    </p:tnLst>
-  </p:timing>
 </p:sldLayout>
 </file>
 
@@ -11100,13 +10708,6 @@
   <p:clrMapOvr>
     <a:masterClrMapping/>
   </p:clrMapOvr>
-  <p:timing>
-    <p:tnLst>
-      <p:par>
-        <p:cTn id="1" dur="indefinite" restart="never" nodeType="tmRoot"/>
-      </p:par>
-    </p:tnLst>
-  </p:timing>
 </p:sldLayout>
 </file>
 
@@ -11251,13 +10852,6 @@
   <p:clrMapOvr>
     <a:masterClrMapping/>
   </p:clrMapOvr>
-  <p:timing>
-    <p:tnLst>
-      <p:par>
-        <p:cTn id="1" dur="indefinite" restart="never" nodeType="tmRoot"/>
-      </p:par>
-    </p:tnLst>
-  </p:timing>
 </p:sldLayout>
 </file>
 
@@ -11439,13 +11033,6 @@
   <p:clrMapOvr>
     <a:masterClrMapping/>
   </p:clrMapOvr>
-  <p:timing>
-    <p:tnLst>
-      <p:par>
-        <p:cTn id="1" dur="indefinite" restart="never" nodeType="tmRoot"/>
-      </p:par>
-    </p:tnLst>
-  </p:timing>
 </p:sldLayout>
 </file>
 
@@ -11558,13 +11145,6 @@
   <p:clrMapOvr>
     <a:masterClrMapping/>
   </p:clrMapOvr>
-  <p:timing>
-    <p:tnLst>
-      <p:par>
-        <p:cTn id="1" dur="indefinite" restart="never" nodeType="tmRoot"/>
-      </p:par>
-    </p:tnLst>
-  </p:timing>
 </p:sldLayout>
 </file>
 
@@ -11657,13 +11237,6 @@
   <p:clrMapOvr>
     <a:masterClrMapping/>
   </p:clrMapOvr>
-  <p:timing>
-    <p:tnLst>
-      <p:par>
-        <p:cTn id="1" dur="indefinite" restart="never" nodeType="tmRoot"/>
-      </p:par>
-    </p:tnLst>
-  </p:timing>
 </p:sldLayout>
 </file>
 
@@ -11733,13 +11306,6 @@
   <p:clrMapOvr>
     <a:masterClrMapping/>
   </p:clrMapOvr>
-  <p:timing>
-    <p:tnLst>
-      <p:par>
-        <p:cTn id="1" dur="indefinite" restart="never" nodeType="tmRoot"/>
-      </p:par>
-    </p:tnLst>
-  </p:timing>
 </p:sldLayout>
 </file>
 
@@ -11778,13 +11344,6 @@
   <p:clrMapOvr>
     <a:masterClrMapping/>
   </p:clrMapOvr>
-  <p:timing>
-    <p:tnLst>
-      <p:par>
-        <p:cTn id="1" dur="indefinite" restart="never" nodeType="tmRoot"/>
-      </p:par>
-    </p:tnLst>
-  </p:timing>
 </p:sldLayout>
 </file>
 
@@ -12050,17 +11609,10 @@
   <p:clrMapOvr>
     <a:masterClrMapping/>
   </p:clrMapOvr>
-  <p:timing>
-    <p:tnLst>
-      <p:par>
-        <p:cTn id="1" dur="indefinite" restart="never" nodeType="tmRoot"/>
-      </p:par>
-    </p:tnLst>
-  </p:timing>
 </p:sldLayout>
 </file>
 
-<file path=ppt/slideLayouts/slideLayout6.xml><?xml version="1.0" encoding="utf-8"?>
+<file path=ppt/slideLayouts/slideLayout54.xml><?xml version="1.0" encoding="utf-8"?>
 <p:sldLayout xmlns:a="http://schemas.openxmlformats.org/drawingml/2006/main" xmlns:r="http://schemas.openxmlformats.org/officeDocument/2006/relationships" xmlns:p="http://schemas.openxmlformats.org/presentationml/2006/main" type="title" preserve="1">
   <p:cSld name="Title Slide">
     <p:spTree>
@@ -12179,24 +11731,17 @@
     </p:spTree>
     <p:extLst>
       <p:ext uri="{BB962C8B-B14F-4D97-AF65-F5344CB8AC3E}">
-        <p14:creationId xmlns:p14="http://schemas.microsoft.com/office/powerpoint/2010/main" val="1878425647"/>
+        <p14:creationId xmlns:p14="http://schemas.microsoft.com/office/powerpoint/2010/main" val="850071121"/>
       </p:ext>
     </p:extLst>
   </p:cSld>
   <p:clrMapOvr>
     <a:masterClrMapping/>
   </p:clrMapOvr>
-  <p:timing>
-    <p:tnLst>
-      <p:par>
-        <p:cTn id="1" dur="indefinite" restart="never" nodeType="tmRoot"/>
-      </p:par>
-    </p:tnLst>
-  </p:timing>
 </p:sldLayout>
 </file>
 
-<file path=ppt/slideLayouts/slideLayout7.xml><?xml version="1.0" encoding="utf-8"?>
+<file path=ppt/slideLayouts/slideLayout55.xml><?xml version="1.0" encoding="utf-8"?>
 <p:sldLayout xmlns:a="http://schemas.openxmlformats.org/drawingml/2006/main" xmlns:r="http://schemas.openxmlformats.org/officeDocument/2006/relationships" xmlns:p="http://schemas.openxmlformats.org/presentationml/2006/main" type="obj" preserve="1">
   <p:cSld name="Title and Content">
     <p:spTree>
@@ -12322,24 +11867,17 @@
     </p:spTree>
     <p:extLst>
       <p:ext uri="{BB962C8B-B14F-4D97-AF65-F5344CB8AC3E}">
-        <p14:creationId xmlns:p14="http://schemas.microsoft.com/office/powerpoint/2010/main" val="3545904454"/>
+        <p14:creationId xmlns:p14="http://schemas.microsoft.com/office/powerpoint/2010/main" val="2279022511"/>
       </p:ext>
     </p:extLst>
   </p:cSld>
   <p:clrMapOvr>
     <a:masterClrMapping/>
   </p:clrMapOvr>
-  <p:timing>
-    <p:tnLst>
-      <p:par>
-        <p:cTn id="1" dur="indefinite" restart="never" nodeType="tmRoot"/>
-      </p:par>
-    </p:tnLst>
-  </p:timing>
 </p:sldLayout>
 </file>
 
-<file path=ppt/slideLayouts/slideLayout8.xml><?xml version="1.0" encoding="utf-8"?>
+<file path=ppt/slideLayouts/slideLayout56.xml><?xml version="1.0" encoding="utf-8"?>
 <p:sldLayout xmlns:a="http://schemas.openxmlformats.org/drawingml/2006/main" xmlns:r="http://schemas.openxmlformats.org/officeDocument/2006/relationships" xmlns:p="http://schemas.openxmlformats.org/presentationml/2006/main" preserve="1" userDrawn="1">
   <p:cSld name="1_Title and Content">
     <p:spTree>
@@ -12510,24 +12048,17 @@
     </p:spTree>
     <p:extLst>
       <p:ext uri="{BB962C8B-B14F-4D97-AF65-F5344CB8AC3E}">
-        <p14:creationId xmlns:p14="http://schemas.microsoft.com/office/powerpoint/2010/main" val="4246363931"/>
+        <p14:creationId xmlns:p14="http://schemas.microsoft.com/office/powerpoint/2010/main" val="2630740842"/>
       </p:ext>
     </p:extLst>
   </p:cSld>
   <p:clrMapOvr>
     <a:masterClrMapping/>
   </p:clrMapOvr>
-  <p:timing>
-    <p:tnLst>
-      <p:par>
-        <p:cTn id="1" dur="indefinite" restart="never" nodeType="tmRoot"/>
-      </p:par>
-    </p:tnLst>
-  </p:timing>
 </p:sldLayout>
 </file>
 
-<file path=ppt/slideLayouts/slideLayout9.xml><?xml version="1.0" encoding="utf-8"?>
+<file path=ppt/slideLayouts/slideLayout57.xml><?xml version="1.0" encoding="utf-8"?>
 <p:sldLayout xmlns:a="http://schemas.openxmlformats.org/drawingml/2006/main" xmlns:r="http://schemas.openxmlformats.org/officeDocument/2006/relationships" xmlns:p="http://schemas.openxmlformats.org/presentationml/2006/main" type="titleOnly" preserve="1">
   <p:cSld name="Title Only">
     <p:spTree>
@@ -12601,20 +12132,4120 @@
     </p:spTree>
     <p:extLst>
       <p:ext uri="{BB962C8B-B14F-4D97-AF65-F5344CB8AC3E}">
-        <p14:creationId xmlns:p14="http://schemas.microsoft.com/office/powerpoint/2010/main" val="1784561578"/>
+        <p14:creationId xmlns:p14="http://schemas.microsoft.com/office/powerpoint/2010/main" val="2699348993"/>
       </p:ext>
     </p:extLst>
   </p:cSld>
   <p:clrMapOvr>
     <a:masterClrMapping/>
   </p:clrMapOvr>
-  <p:timing>
-    <p:tnLst>
-      <p:par>
-        <p:cTn id="1" dur="indefinite" restart="never" nodeType="tmRoot"/>
-      </p:par>
-    </p:tnLst>
-  </p:timing>
+</p:sldLayout>
+</file>
+
+<file path=ppt/slideLayouts/slideLayout58.xml><?xml version="1.0" encoding="utf-8"?>
+<p:sldLayout xmlns:a="http://schemas.openxmlformats.org/drawingml/2006/main" xmlns:r="http://schemas.openxmlformats.org/officeDocument/2006/relationships" xmlns:p="http://schemas.openxmlformats.org/presentationml/2006/main" preserve="1" userDrawn="1">
+  <p:cSld name="1_Title Only">
+    <p:spTree>
+      <p:nvGrpSpPr>
+        <p:cNvPr id="1" name=""/>
+        <p:cNvGrpSpPr/>
+        <p:nvPr/>
+      </p:nvGrpSpPr>
+      <p:grpSpPr>
+        <a:xfrm>
+          <a:off x="0" y="0"/>
+          <a:ext cx="0" cy="0"/>
+          <a:chOff x="0" y="0"/>
+          <a:chExt cx="0" cy="0"/>
+        </a:xfrm>
+      </p:grpSpPr>
+      <p:sp>
+        <p:nvSpPr>
+          <p:cNvPr id="2" name="Title 1"/>
+          <p:cNvSpPr>
+            <a:spLocks noGrp="1"/>
+          </p:cNvSpPr>
+          <p:nvPr>
+            <p:ph type="title"/>
+          </p:nvPr>
+        </p:nvSpPr>
+        <p:spPr>
+          <a:xfrm>
+            <a:off x="560798" y="416497"/>
+            <a:ext cx="11079822" cy="922110"/>
+          </a:xfrm>
+        </p:spPr>
+        <p:txBody>
+          <a:bodyPr>
+            <a:normAutofit/>
+          </a:bodyPr>
+          <a:lstStyle>
+            <a:lvl1pPr>
+              <a:defRPr sz="4400"/>
+            </a:lvl1pPr>
+          </a:lstStyle>
+          <a:p>
+            <a:r>
+              <a:rPr lang="en-US" smtClean="0"/>
+              <a:t>Click to edit Master title style</a:t>
+            </a:r>
+            <a:endParaRPr lang="en-US"/>
+          </a:p>
+        </p:txBody>
+      </p:sp>
+      <p:sp>
+        <p:nvSpPr>
+          <p:cNvPr id="5" name="Slide Number Placeholder 4"/>
+          <p:cNvSpPr>
+            <a:spLocks noGrp="1"/>
+          </p:cNvSpPr>
+          <p:nvPr>
+            <p:ph type="sldNum" sz="quarter" idx="12"/>
+          </p:nvPr>
+        </p:nvSpPr>
+        <p:spPr>
+          <a:xfrm>
+            <a:off x="8897420" y="6256216"/>
+            <a:ext cx="2743200" cy="365125"/>
+          </a:xfrm>
+          <a:prstGeom prst="rect">
+            <a:avLst/>
+          </a:prstGeom>
+        </p:spPr>
+        <p:txBody>
+          <a:bodyPr/>
+          <a:lstStyle/>
+          <a:p>
+            <a:fld id="{0A164282-434E-41D4-9582-783D542A7B68}" type="slidenum">
+              <a:rPr lang="en-US" smtClean="0"/>
+              <a:t>‹#›</a:t>
+            </a:fld>
+            <a:endParaRPr lang="en-US"/>
+          </a:p>
+        </p:txBody>
+      </p:sp>
+      <p:graphicFrame>
+        <p:nvGraphicFramePr>
+          <p:cNvPr id="6" name="Table 5"/>
+          <p:cNvGraphicFramePr>
+            <a:graphicFrameLocks noGrp="1"/>
+          </p:cNvGraphicFramePr>
+          <p:nvPr userDrawn="1">
+            <p:extLst/>
+          </p:nvPr>
+        </p:nvGraphicFramePr>
+        <p:xfrm>
+          <a:off x="584200" y="1476596"/>
+          <a:ext cx="11056420" cy="4320392"/>
+        </p:xfrm>
+        <a:graphic>
+          <a:graphicData uri="http://schemas.openxmlformats.org/drawingml/2006/table">
+            <a:tbl>
+              <a:tblPr firstRow="1" bandRow="1">
+                <a:tableStyleId>{5C22544A-7EE6-4342-B048-85BDC9FD1C3A}</a:tableStyleId>
+              </a:tblPr>
+              <a:tblGrid>
+                <a:gridCol w="2764105">
+                  <a:extLst>
+                    <a:ext uri="{9D8B030D-6E8A-4147-A177-3AD203B41FA5}">
+                      <a16:colId xmlns:a16="http://schemas.microsoft.com/office/drawing/2014/main" val="20000"/>
+                    </a:ext>
+                  </a:extLst>
+                </a:gridCol>
+                <a:gridCol w="2764105">
+                  <a:extLst>
+                    <a:ext uri="{9D8B030D-6E8A-4147-A177-3AD203B41FA5}">
+                      <a16:colId xmlns:a16="http://schemas.microsoft.com/office/drawing/2014/main" val="20001"/>
+                    </a:ext>
+                  </a:extLst>
+                </a:gridCol>
+                <a:gridCol w="2764105">
+                  <a:extLst>
+                    <a:ext uri="{9D8B030D-6E8A-4147-A177-3AD203B41FA5}">
+                      <a16:colId xmlns:a16="http://schemas.microsoft.com/office/drawing/2014/main" val="20002"/>
+                    </a:ext>
+                  </a:extLst>
+                </a:gridCol>
+                <a:gridCol w="2764105">
+                  <a:extLst>
+                    <a:ext uri="{9D8B030D-6E8A-4147-A177-3AD203B41FA5}">
+                      <a16:colId xmlns:a16="http://schemas.microsoft.com/office/drawing/2014/main" val="20003"/>
+                    </a:ext>
+                  </a:extLst>
+                </a:gridCol>
+              </a:tblGrid>
+              <a:tr h="644435">
+                <a:tc>
+                  <a:txBody>
+                    <a:bodyPr/>
+                    <a:lstStyle/>
+                    <a:p>
+                      <a:r>
+                        <a:rPr lang="en-US" sz="2000" dirty="0" smtClean="0">
+                          <a:solidFill>
+                            <a:schemeClr val="bg1"/>
+                          </a:solidFill>
+                        </a:rPr>
+                        <a:t>Heading</a:t>
+                      </a:r>
+                      <a:endParaRPr lang="en-US" sz="2000" dirty="0">
+                        <a:solidFill>
+                          <a:schemeClr val="bg1"/>
+                        </a:solidFill>
+                      </a:endParaRPr>
+                    </a:p>
+                  </a:txBody>
+                  <a:tcPr marL="137160" marR="137160" marT="137160" marB="137160" anchor="ctr">
+                    <a:lnL w="12700" cmpd="sng">
+                      <a:noFill/>
+                    </a:lnL>
+                    <a:lnR w="12700" cmpd="sng">
+                      <a:noFill/>
+                    </a:lnR>
+                    <a:lnT w="12700" cmpd="sng">
+                      <a:noFill/>
+                    </a:lnT>
+                    <a:lnB w="38100" cmpd="sng">
+                      <a:noFill/>
+                    </a:lnB>
+                    <a:lnTlToBr w="12700" cmpd="sng">
+                      <a:noFill/>
+                      <a:prstDash val="solid"/>
+                    </a:lnTlToBr>
+                    <a:lnBlToTr w="12700" cmpd="sng">
+                      <a:noFill/>
+                      <a:prstDash val="solid"/>
+                    </a:lnBlToTr>
+                  </a:tcPr>
+                </a:tc>
+                <a:tc>
+                  <a:txBody>
+                    <a:bodyPr/>
+                    <a:lstStyle/>
+                    <a:p>
+                      <a:r>
+                        <a:rPr lang="en-US" sz="2000" dirty="0" smtClean="0">
+                          <a:solidFill>
+                            <a:schemeClr val="bg1"/>
+                          </a:solidFill>
+                        </a:rPr>
+                        <a:t>Heading</a:t>
+                      </a:r>
+                      <a:endParaRPr lang="en-US" sz="2000" dirty="0">
+                        <a:solidFill>
+                          <a:schemeClr val="bg1"/>
+                        </a:solidFill>
+                      </a:endParaRPr>
+                    </a:p>
+                  </a:txBody>
+                  <a:tcPr marL="137160" marR="137160" marT="137160" marB="137160" anchor="ctr">
+                    <a:lnL w="12700" cmpd="sng">
+                      <a:noFill/>
+                    </a:lnL>
+                    <a:lnR w="12700" cmpd="sng">
+                      <a:noFill/>
+                    </a:lnR>
+                    <a:lnT w="12700" cmpd="sng">
+                      <a:noFill/>
+                    </a:lnT>
+                    <a:lnB w="38100" cmpd="sng">
+                      <a:noFill/>
+                    </a:lnB>
+                    <a:lnTlToBr w="12700" cmpd="sng">
+                      <a:noFill/>
+                      <a:prstDash val="solid"/>
+                    </a:lnTlToBr>
+                    <a:lnBlToTr w="12700" cmpd="sng">
+                      <a:noFill/>
+                      <a:prstDash val="solid"/>
+                    </a:lnBlToTr>
+                  </a:tcPr>
+                </a:tc>
+                <a:tc>
+                  <a:txBody>
+                    <a:bodyPr/>
+                    <a:lstStyle/>
+                    <a:p>
+                      <a:r>
+                        <a:rPr lang="en-US" sz="2000" dirty="0" smtClean="0">
+                          <a:solidFill>
+                            <a:schemeClr val="bg1"/>
+                          </a:solidFill>
+                        </a:rPr>
+                        <a:t>Heading</a:t>
+                      </a:r>
+                      <a:endParaRPr lang="en-US" sz="2000" dirty="0">
+                        <a:solidFill>
+                          <a:schemeClr val="bg1"/>
+                        </a:solidFill>
+                      </a:endParaRPr>
+                    </a:p>
+                  </a:txBody>
+                  <a:tcPr marL="137160" marR="137160" marT="137160" marB="137160" anchor="ctr">
+                    <a:lnL w="12700" cmpd="sng">
+                      <a:noFill/>
+                    </a:lnL>
+                    <a:lnR w="12700" cmpd="sng">
+                      <a:noFill/>
+                    </a:lnR>
+                    <a:lnT w="12700" cmpd="sng">
+                      <a:noFill/>
+                    </a:lnT>
+                    <a:lnB w="38100" cmpd="sng">
+                      <a:noFill/>
+                    </a:lnB>
+                    <a:lnTlToBr w="12700" cmpd="sng">
+                      <a:noFill/>
+                      <a:prstDash val="solid"/>
+                    </a:lnTlToBr>
+                    <a:lnBlToTr w="12700" cmpd="sng">
+                      <a:noFill/>
+                      <a:prstDash val="solid"/>
+                    </a:lnBlToTr>
+                  </a:tcPr>
+                </a:tc>
+                <a:tc>
+                  <a:txBody>
+                    <a:bodyPr/>
+                    <a:lstStyle/>
+                    <a:p>
+                      <a:r>
+                        <a:rPr lang="en-US" sz="2000" dirty="0" smtClean="0">
+                          <a:solidFill>
+                            <a:schemeClr val="bg1"/>
+                          </a:solidFill>
+                        </a:rPr>
+                        <a:t>Heading</a:t>
+                      </a:r>
+                      <a:endParaRPr lang="en-US" sz="2000" dirty="0">
+                        <a:solidFill>
+                          <a:schemeClr val="bg1"/>
+                        </a:solidFill>
+                      </a:endParaRPr>
+                    </a:p>
+                  </a:txBody>
+                  <a:tcPr marL="137160" marR="137160" marT="137160" marB="137160" anchor="ctr">
+                    <a:lnL w="12700" cmpd="sng">
+                      <a:noFill/>
+                    </a:lnL>
+                    <a:lnR w="12700" cmpd="sng">
+                      <a:noFill/>
+                    </a:lnR>
+                    <a:lnT w="12700" cmpd="sng">
+                      <a:noFill/>
+                    </a:lnT>
+                    <a:lnB w="38100" cmpd="sng">
+                      <a:noFill/>
+                    </a:lnB>
+                    <a:lnTlToBr w="12700" cmpd="sng">
+                      <a:noFill/>
+                      <a:prstDash val="solid"/>
+                    </a:lnTlToBr>
+                    <a:lnBlToTr w="12700" cmpd="sng">
+                      <a:noFill/>
+                      <a:prstDash val="solid"/>
+                    </a:lnBlToTr>
+                  </a:tcPr>
+                </a:tc>
+                <a:extLst>
+                  <a:ext uri="{0D108BD9-81ED-4DB2-BD59-A6C34878D82A}">
+                    <a16:rowId xmlns:a16="http://schemas.microsoft.com/office/drawing/2014/main" val="10000"/>
+                  </a:ext>
+                </a:extLst>
+              </a:tr>
+              <a:tr h="1225319">
+                <a:tc>
+                  <a:txBody>
+                    <a:bodyPr/>
+                    <a:lstStyle/>
+                    <a:p>
+                      <a:r>
+                        <a:rPr lang="en-US" sz="1600" dirty="0" smtClean="0">
+                          <a:solidFill>
+                            <a:srgbClr val="3C454F"/>
+                          </a:solidFill>
+                        </a:rPr>
+                        <a:t>Content</a:t>
+                      </a:r>
+                      <a:endParaRPr lang="en-US" sz="1600" dirty="0">
+                        <a:solidFill>
+                          <a:srgbClr val="3C454F"/>
+                        </a:solidFill>
+                      </a:endParaRPr>
+                    </a:p>
+                  </a:txBody>
+                  <a:tcPr marL="137160" marR="137160" marT="137160" marB="137160">
+                    <a:lnL w="12700" cmpd="sng">
+                      <a:noFill/>
+                    </a:lnL>
+                    <a:lnR w="12700" cmpd="sng">
+                      <a:noFill/>
+                    </a:lnR>
+                    <a:lnT w="38100" cmpd="sng">
+                      <a:noFill/>
+                    </a:lnT>
+                    <a:lnB w="12700" cmpd="sng">
+                      <a:noFill/>
+                    </a:lnB>
+                    <a:lnTlToBr w="12700" cmpd="sng">
+                      <a:noFill/>
+                      <a:prstDash val="solid"/>
+                    </a:lnTlToBr>
+                    <a:lnBlToTr w="12700" cmpd="sng">
+                      <a:noFill/>
+                      <a:prstDash val="solid"/>
+                    </a:lnBlToTr>
+                  </a:tcPr>
+                </a:tc>
+                <a:tc>
+                  <a:txBody>
+                    <a:bodyPr/>
+                    <a:lstStyle/>
+                    <a:p>
+                      <a:pPr marL="0" marR="0" indent="0" algn="l" defTabSz="914400" rtl="0" eaLnBrk="1" fontAlgn="auto" latinLnBrk="0" hangingPunct="1">
+                        <a:lnSpc>
+                          <a:spcPct val="100000"/>
+                        </a:lnSpc>
+                        <a:spcBef>
+                          <a:spcPts val="0"/>
+                        </a:spcBef>
+                        <a:spcAft>
+                          <a:spcPts val="0"/>
+                        </a:spcAft>
+                        <a:buClrTx/>
+                        <a:buSzTx/>
+                        <a:buFontTx/>
+                        <a:buNone/>
+                        <a:tabLst/>
+                        <a:defRPr/>
+                      </a:pPr>
+                      <a:r>
+                        <a:rPr lang="en-US" sz="1600" dirty="0" smtClean="0">
+                          <a:solidFill>
+                            <a:srgbClr val="3C454F"/>
+                          </a:solidFill>
+                        </a:rPr>
+                        <a:t>Content</a:t>
+                      </a:r>
+                    </a:p>
+                    <a:p>
+                      <a:endParaRPr lang="en-US" sz="1600" dirty="0">
+                        <a:solidFill>
+                          <a:srgbClr val="3C454F"/>
+                        </a:solidFill>
+                      </a:endParaRPr>
+                    </a:p>
+                  </a:txBody>
+                  <a:tcPr marL="137160" marR="137160" marT="137160" marB="137160">
+                    <a:lnL w="12700" cmpd="sng">
+                      <a:noFill/>
+                    </a:lnL>
+                    <a:lnR w="12700" cmpd="sng">
+                      <a:noFill/>
+                    </a:lnR>
+                    <a:lnT w="38100" cmpd="sng">
+                      <a:noFill/>
+                    </a:lnT>
+                    <a:lnB w="12700" cmpd="sng">
+                      <a:noFill/>
+                    </a:lnB>
+                    <a:lnTlToBr w="12700" cmpd="sng">
+                      <a:noFill/>
+                      <a:prstDash val="solid"/>
+                    </a:lnTlToBr>
+                    <a:lnBlToTr w="12700" cmpd="sng">
+                      <a:noFill/>
+                      <a:prstDash val="solid"/>
+                    </a:lnBlToTr>
+                  </a:tcPr>
+                </a:tc>
+                <a:tc>
+                  <a:txBody>
+                    <a:bodyPr/>
+                    <a:lstStyle/>
+                    <a:p>
+                      <a:pPr marL="0" marR="0" indent="0" algn="l" defTabSz="914400" rtl="0" eaLnBrk="1" fontAlgn="auto" latinLnBrk="0" hangingPunct="1">
+                        <a:lnSpc>
+                          <a:spcPct val="100000"/>
+                        </a:lnSpc>
+                        <a:spcBef>
+                          <a:spcPts val="0"/>
+                        </a:spcBef>
+                        <a:spcAft>
+                          <a:spcPts val="0"/>
+                        </a:spcAft>
+                        <a:buClrTx/>
+                        <a:buSzTx/>
+                        <a:buFontTx/>
+                        <a:buNone/>
+                        <a:tabLst/>
+                        <a:defRPr/>
+                      </a:pPr>
+                      <a:r>
+                        <a:rPr lang="en-US" sz="1600" dirty="0" smtClean="0">
+                          <a:solidFill>
+                            <a:srgbClr val="3C454F"/>
+                          </a:solidFill>
+                        </a:rPr>
+                        <a:t>Content</a:t>
+                      </a:r>
+                    </a:p>
+                    <a:p>
+                      <a:endParaRPr lang="en-US" sz="1600" dirty="0">
+                        <a:solidFill>
+                          <a:srgbClr val="3C454F"/>
+                        </a:solidFill>
+                      </a:endParaRPr>
+                    </a:p>
+                  </a:txBody>
+                  <a:tcPr marL="137160" marR="137160" marT="137160" marB="137160">
+                    <a:lnL w="12700" cmpd="sng">
+                      <a:noFill/>
+                    </a:lnL>
+                    <a:lnR w="12700" cmpd="sng">
+                      <a:noFill/>
+                    </a:lnR>
+                    <a:lnT w="38100" cmpd="sng">
+                      <a:noFill/>
+                    </a:lnT>
+                    <a:lnB w="12700" cmpd="sng">
+                      <a:noFill/>
+                    </a:lnB>
+                    <a:lnTlToBr w="12700" cmpd="sng">
+                      <a:noFill/>
+                      <a:prstDash val="solid"/>
+                    </a:lnTlToBr>
+                    <a:lnBlToTr w="12700" cmpd="sng">
+                      <a:noFill/>
+                      <a:prstDash val="solid"/>
+                    </a:lnBlToTr>
+                  </a:tcPr>
+                </a:tc>
+                <a:tc>
+                  <a:txBody>
+                    <a:bodyPr/>
+                    <a:lstStyle/>
+                    <a:p>
+                      <a:pPr marL="0" marR="0" indent="0" algn="l" defTabSz="914400" rtl="0" eaLnBrk="1" fontAlgn="auto" latinLnBrk="0" hangingPunct="1">
+                        <a:lnSpc>
+                          <a:spcPct val="100000"/>
+                        </a:lnSpc>
+                        <a:spcBef>
+                          <a:spcPts val="0"/>
+                        </a:spcBef>
+                        <a:spcAft>
+                          <a:spcPts val="0"/>
+                        </a:spcAft>
+                        <a:buClrTx/>
+                        <a:buSzTx/>
+                        <a:buFontTx/>
+                        <a:buNone/>
+                        <a:tabLst/>
+                        <a:defRPr/>
+                      </a:pPr>
+                      <a:r>
+                        <a:rPr lang="en-US" sz="1600" dirty="0" smtClean="0">
+                          <a:solidFill>
+                            <a:srgbClr val="3C454F"/>
+                          </a:solidFill>
+                        </a:rPr>
+                        <a:t>Content</a:t>
+                      </a:r>
+                    </a:p>
+                    <a:p>
+                      <a:endParaRPr lang="en-US" sz="1600" dirty="0">
+                        <a:solidFill>
+                          <a:srgbClr val="3C454F"/>
+                        </a:solidFill>
+                      </a:endParaRPr>
+                    </a:p>
+                  </a:txBody>
+                  <a:tcPr marL="137160" marR="137160" marT="137160" marB="137160">
+                    <a:lnL w="12700" cmpd="sng">
+                      <a:noFill/>
+                    </a:lnL>
+                    <a:lnR w="12700" cmpd="sng">
+                      <a:noFill/>
+                    </a:lnR>
+                    <a:lnT w="38100" cmpd="sng">
+                      <a:noFill/>
+                    </a:lnT>
+                    <a:lnB w="12700" cmpd="sng">
+                      <a:noFill/>
+                    </a:lnB>
+                    <a:lnTlToBr w="12700" cmpd="sng">
+                      <a:noFill/>
+                      <a:prstDash val="solid"/>
+                    </a:lnTlToBr>
+                    <a:lnBlToTr w="12700" cmpd="sng">
+                      <a:noFill/>
+                      <a:prstDash val="solid"/>
+                    </a:lnBlToTr>
+                  </a:tcPr>
+                </a:tc>
+                <a:extLst>
+                  <a:ext uri="{0D108BD9-81ED-4DB2-BD59-A6C34878D82A}">
+                    <a16:rowId xmlns:a16="http://schemas.microsoft.com/office/drawing/2014/main" val="10001"/>
+                  </a:ext>
+                </a:extLst>
+              </a:tr>
+              <a:tr h="1225319">
+                <a:tc>
+                  <a:txBody>
+                    <a:bodyPr/>
+                    <a:lstStyle/>
+                    <a:p>
+                      <a:pPr marL="0" marR="0" indent="0" algn="l" defTabSz="914400" rtl="0" eaLnBrk="1" fontAlgn="auto" latinLnBrk="0" hangingPunct="1">
+                        <a:lnSpc>
+                          <a:spcPct val="100000"/>
+                        </a:lnSpc>
+                        <a:spcBef>
+                          <a:spcPts val="0"/>
+                        </a:spcBef>
+                        <a:spcAft>
+                          <a:spcPts val="0"/>
+                        </a:spcAft>
+                        <a:buClrTx/>
+                        <a:buSzTx/>
+                        <a:buFontTx/>
+                        <a:buNone/>
+                        <a:tabLst/>
+                        <a:defRPr/>
+                      </a:pPr>
+                      <a:r>
+                        <a:rPr lang="en-US" sz="1600" dirty="0" smtClean="0">
+                          <a:solidFill>
+                            <a:srgbClr val="3C454F"/>
+                          </a:solidFill>
+                        </a:rPr>
+                        <a:t>Content</a:t>
+                      </a:r>
+                    </a:p>
+                    <a:p>
+                      <a:endParaRPr lang="en-US" sz="1600" dirty="0">
+                        <a:solidFill>
+                          <a:srgbClr val="3C454F"/>
+                        </a:solidFill>
+                      </a:endParaRPr>
+                    </a:p>
+                  </a:txBody>
+                  <a:tcPr marL="137160" marR="137160" marT="137160" marB="137160">
+                    <a:lnL w="12700" cmpd="sng">
+                      <a:noFill/>
+                    </a:lnL>
+                    <a:lnR w="12700" cmpd="sng">
+                      <a:noFill/>
+                    </a:lnR>
+                    <a:lnT w="12700" cmpd="sng">
+                      <a:noFill/>
+                    </a:lnT>
+                    <a:lnB w="12700" cmpd="sng">
+                      <a:noFill/>
+                    </a:lnB>
+                    <a:lnTlToBr w="12700" cmpd="sng">
+                      <a:noFill/>
+                      <a:prstDash val="solid"/>
+                    </a:lnTlToBr>
+                    <a:lnBlToTr w="12700" cmpd="sng">
+                      <a:noFill/>
+                      <a:prstDash val="solid"/>
+                    </a:lnBlToTr>
+                  </a:tcPr>
+                </a:tc>
+                <a:tc>
+                  <a:txBody>
+                    <a:bodyPr/>
+                    <a:lstStyle/>
+                    <a:p>
+                      <a:pPr marL="0" marR="0" indent="0" algn="l" defTabSz="914400" rtl="0" eaLnBrk="1" fontAlgn="auto" latinLnBrk="0" hangingPunct="1">
+                        <a:lnSpc>
+                          <a:spcPct val="100000"/>
+                        </a:lnSpc>
+                        <a:spcBef>
+                          <a:spcPts val="0"/>
+                        </a:spcBef>
+                        <a:spcAft>
+                          <a:spcPts val="0"/>
+                        </a:spcAft>
+                        <a:buClrTx/>
+                        <a:buSzTx/>
+                        <a:buFontTx/>
+                        <a:buNone/>
+                        <a:tabLst/>
+                        <a:defRPr/>
+                      </a:pPr>
+                      <a:r>
+                        <a:rPr lang="en-US" sz="1600" dirty="0" smtClean="0">
+                          <a:solidFill>
+                            <a:srgbClr val="3C454F"/>
+                          </a:solidFill>
+                        </a:rPr>
+                        <a:t>Content</a:t>
+                      </a:r>
+                    </a:p>
+                    <a:p>
+                      <a:endParaRPr lang="en-US" sz="1600" dirty="0">
+                        <a:solidFill>
+                          <a:srgbClr val="3C454F"/>
+                        </a:solidFill>
+                      </a:endParaRPr>
+                    </a:p>
+                  </a:txBody>
+                  <a:tcPr marL="137160" marR="137160" marT="137160" marB="137160">
+                    <a:lnL w="12700" cmpd="sng">
+                      <a:noFill/>
+                    </a:lnL>
+                    <a:lnR w="12700" cmpd="sng">
+                      <a:noFill/>
+                    </a:lnR>
+                    <a:lnT w="12700" cmpd="sng">
+                      <a:noFill/>
+                    </a:lnT>
+                    <a:lnB w="12700" cmpd="sng">
+                      <a:noFill/>
+                    </a:lnB>
+                    <a:lnTlToBr w="12700" cmpd="sng">
+                      <a:noFill/>
+                      <a:prstDash val="solid"/>
+                    </a:lnTlToBr>
+                    <a:lnBlToTr w="12700" cmpd="sng">
+                      <a:noFill/>
+                      <a:prstDash val="solid"/>
+                    </a:lnBlToTr>
+                  </a:tcPr>
+                </a:tc>
+                <a:tc>
+                  <a:txBody>
+                    <a:bodyPr/>
+                    <a:lstStyle/>
+                    <a:p>
+                      <a:pPr marL="0" marR="0" indent="0" algn="l" defTabSz="914400" rtl="0" eaLnBrk="1" fontAlgn="auto" latinLnBrk="0" hangingPunct="1">
+                        <a:lnSpc>
+                          <a:spcPct val="100000"/>
+                        </a:lnSpc>
+                        <a:spcBef>
+                          <a:spcPts val="0"/>
+                        </a:spcBef>
+                        <a:spcAft>
+                          <a:spcPts val="0"/>
+                        </a:spcAft>
+                        <a:buClrTx/>
+                        <a:buSzTx/>
+                        <a:buFontTx/>
+                        <a:buNone/>
+                        <a:tabLst/>
+                        <a:defRPr/>
+                      </a:pPr>
+                      <a:r>
+                        <a:rPr lang="en-US" sz="1600" dirty="0" smtClean="0">
+                          <a:solidFill>
+                            <a:srgbClr val="3C454F"/>
+                          </a:solidFill>
+                        </a:rPr>
+                        <a:t>Content</a:t>
+                      </a:r>
+                    </a:p>
+                    <a:p>
+                      <a:endParaRPr lang="en-US" sz="1600" dirty="0">
+                        <a:solidFill>
+                          <a:srgbClr val="3C454F"/>
+                        </a:solidFill>
+                      </a:endParaRPr>
+                    </a:p>
+                  </a:txBody>
+                  <a:tcPr marL="137160" marR="137160" marT="137160" marB="137160">
+                    <a:lnL w="12700" cmpd="sng">
+                      <a:noFill/>
+                    </a:lnL>
+                    <a:lnR w="12700" cmpd="sng">
+                      <a:noFill/>
+                    </a:lnR>
+                    <a:lnT w="12700" cmpd="sng">
+                      <a:noFill/>
+                    </a:lnT>
+                    <a:lnB w="12700" cmpd="sng">
+                      <a:noFill/>
+                    </a:lnB>
+                    <a:lnTlToBr w="12700" cmpd="sng">
+                      <a:noFill/>
+                      <a:prstDash val="solid"/>
+                    </a:lnTlToBr>
+                    <a:lnBlToTr w="12700" cmpd="sng">
+                      <a:noFill/>
+                      <a:prstDash val="solid"/>
+                    </a:lnBlToTr>
+                  </a:tcPr>
+                </a:tc>
+                <a:tc>
+                  <a:txBody>
+                    <a:bodyPr/>
+                    <a:lstStyle/>
+                    <a:p>
+                      <a:pPr marL="0" marR="0" indent="0" algn="l" defTabSz="914400" rtl="0" eaLnBrk="1" fontAlgn="auto" latinLnBrk="0" hangingPunct="1">
+                        <a:lnSpc>
+                          <a:spcPct val="100000"/>
+                        </a:lnSpc>
+                        <a:spcBef>
+                          <a:spcPts val="0"/>
+                        </a:spcBef>
+                        <a:spcAft>
+                          <a:spcPts val="0"/>
+                        </a:spcAft>
+                        <a:buClrTx/>
+                        <a:buSzTx/>
+                        <a:buFontTx/>
+                        <a:buNone/>
+                        <a:tabLst/>
+                        <a:defRPr/>
+                      </a:pPr>
+                      <a:r>
+                        <a:rPr lang="en-US" sz="1600" dirty="0" smtClean="0">
+                          <a:solidFill>
+                            <a:srgbClr val="3C454F"/>
+                          </a:solidFill>
+                        </a:rPr>
+                        <a:t>Content</a:t>
+                      </a:r>
+                    </a:p>
+                    <a:p>
+                      <a:endParaRPr lang="en-US" sz="1600" dirty="0">
+                        <a:solidFill>
+                          <a:srgbClr val="3C454F"/>
+                        </a:solidFill>
+                      </a:endParaRPr>
+                    </a:p>
+                  </a:txBody>
+                  <a:tcPr marL="137160" marR="137160" marT="137160" marB="137160">
+                    <a:lnL w="12700" cmpd="sng">
+                      <a:noFill/>
+                    </a:lnL>
+                    <a:lnR w="12700" cmpd="sng">
+                      <a:noFill/>
+                    </a:lnR>
+                    <a:lnT w="12700" cmpd="sng">
+                      <a:noFill/>
+                    </a:lnT>
+                    <a:lnB w="12700" cmpd="sng">
+                      <a:noFill/>
+                    </a:lnB>
+                    <a:lnTlToBr w="12700" cmpd="sng">
+                      <a:noFill/>
+                      <a:prstDash val="solid"/>
+                    </a:lnTlToBr>
+                    <a:lnBlToTr w="12700" cmpd="sng">
+                      <a:noFill/>
+                      <a:prstDash val="solid"/>
+                    </a:lnBlToTr>
+                  </a:tcPr>
+                </a:tc>
+                <a:extLst>
+                  <a:ext uri="{0D108BD9-81ED-4DB2-BD59-A6C34878D82A}">
+                    <a16:rowId xmlns:a16="http://schemas.microsoft.com/office/drawing/2014/main" val="10002"/>
+                  </a:ext>
+                </a:extLst>
+              </a:tr>
+              <a:tr h="1225319">
+                <a:tc>
+                  <a:txBody>
+                    <a:bodyPr/>
+                    <a:lstStyle/>
+                    <a:p>
+                      <a:pPr marL="0" marR="0" indent="0" algn="l" defTabSz="914400" rtl="0" eaLnBrk="1" fontAlgn="auto" latinLnBrk="0" hangingPunct="1">
+                        <a:lnSpc>
+                          <a:spcPct val="100000"/>
+                        </a:lnSpc>
+                        <a:spcBef>
+                          <a:spcPts val="0"/>
+                        </a:spcBef>
+                        <a:spcAft>
+                          <a:spcPts val="0"/>
+                        </a:spcAft>
+                        <a:buClrTx/>
+                        <a:buSzTx/>
+                        <a:buFontTx/>
+                        <a:buNone/>
+                        <a:tabLst/>
+                        <a:defRPr/>
+                      </a:pPr>
+                      <a:r>
+                        <a:rPr lang="en-US" sz="1600" dirty="0" smtClean="0">
+                          <a:solidFill>
+                            <a:srgbClr val="3C454F"/>
+                          </a:solidFill>
+                        </a:rPr>
+                        <a:t>Content</a:t>
+                      </a:r>
+                    </a:p>
+                    <a:p>
+                      <a:endParaRPr lang="en-US" sz="1600" dirty="0">
+                        <a:solidFill>
+                          <a:srgbClr val="3C454F"/>
+                        </a:solidFill>
+                      </a:endParaRPr>
+                    </a:p>
+                  </a:txBody>
+                  <a:tcPr marL="137160" marR="137160" marT="137160" marB="137160">
+                    <a:lnL w="12700" cmpd="sng">
+                      <a:noFill/>
+                    </a:lnL>
+                    <a:lnR w="12700" cmpd="sng">
+                      <a:noFill/>
+                    </a:lnR>
+                    <a:lnT w="12700" cmpd="sng">
+                      <a:noFill/>
+                    </a:lnT>
+                    <a:lnB w="12700" cmpd="sng">
+                      <a:noFill/>
+                    </a:lnB>
+                    <a:lnTlToBr w="12700" cmpd="sng">
+                      <a:noFill/>
+                      <a:prstDash val="solid"/>
+                    </a:lnTlToBr>
+                    <a:lnBlToTr w="12700" cmpd="sng">
+                      <a:noFill/>
+                      <a:prstDash val="solid"/>
+                    </a:lnBlToTr>
+                  </a:tcPr>
+                </a:tc>
+                <a:tc>
+                  <a:txBody>
+                    <a:bodyPr/>
+                    <a:lstStyle/>
+                    <a:p>
+                      <a:pPr marL="0" marR="0" indent="0" algn="l" defTabSz="914400" rtl="0" eaLnBrk="1" fontAlgn="auto" latinLnBrk="0" hangingPunct="1">
+                        <a:lnSpc>
+                          <a:spcPct val="100000"/>
+                        </a:lnSpc>
+                        <a:spcBef>
+                          <a:spcPts val="0"/>
+                        </a:spcBef>
+                        <a:spcAft>
+                          <a:spcPts val="0"/>
+                        </a:spcAft>
+                        <a:buClrTx/>
+                        <a:buSzTx/>
+                        <a:buFontTx/>
+                        <a:buNone/>
+                        <a:tabLst/>
+                        <a:defRPr/>
+                      </a:pPr>
+                      <a:r>
+                        <a:rPr lang="en-US" sz="1600" dirty="0" smtClean="0">
+                          <a:solidFill>
+                            <a:srgbClr val="3C454F"/>
+                          </a:solidFill>
+                        </a:rPr>
+                        <a:t>Content</a:t>
+                      </a:r>
+                    </a:p>
+                    <a:p>
+                      <a:endParaRPr lang="en-US" sz="1600" dirty="0">
+                        <a:solidFill>
+                          <a:srgbClr val="3C454F"/>
+                        </a:solidFill>
+                      </a:endParaRPr>
+                    </a:p>
+                  </a:txBody>
+                  <a:tcPr marL="137160" marR="137160" marT="137160" marB="137160">
+                    <a:lnL w="12700" cmpd="sng">
+                      <a:noFill/>
+                    </a:lnL>
+                    <a:lnR w="12700" cmpd="sng">
+                      <a:noFill/>
+                    </a:lnR>
+                    <a:lnT w="12700" cmpd="sng">
+                      <a:noFill/>
+                    </a:lnT>
+                    <a:lnB w="12700" cmpd="sng">
+                      <a:noFill/>
+                    </a:lnB>
+                    <a:lnTlToBr w="12700" cmpd="sng">
+                      <a:noFill/>
+                      <a:prstDash val="solid"/>
+                    </a:lnTlToBr>
+                    <a:lnBlToTr w="12700" cmpd="sng">
+                      <a:noFill/>
+                      <a:prstDash val="solid"/>
+                    </a:lnBlToTr>
+                  </a:tcPr>
+                </a:tc>
+                <a:tc>
+                  <a:txBody>
+                    <a:bodyPr/>
+                    <a:lstStyle/>
+                    <a:p>
+                      <a:pPr marL="0" marR="0" indent="0" algn="l" defTabSz="914400" rtl="0" eaLnBrk="1" fontAlgn="auto" latinLnBrk="0" hangingPunct="1">
+                        <a:lnSpc>
+                          <a:spcPct val="100000"/>
+                        </a:lnSpc>
+                        <a:spcBef>
+                          <a:spcPts val="0"/>
+                        </a:spcBef>
+                        <a:spcAft>
+                          <a:spcPts val="0"/>
+                        </a:spcAft>
+                        <a:buClrTx/>
+                        <a:buSzTx/>
+                        <a:buFontTx/>
+                        <a:buNone/>
+                        <a:tabLst/>
+                        <a:defRPr/>
+                      </a:pPr>
+                      <a:r>
+                        <a:rPr lang="en-US" sz="1600" dirty="0" smtClean="0">
+                          <a:solidFill>
+                            <a:srgbClr val="3C454F"/>
+                          </a:solidFill>
+                        </a:rPr>
+                        <a:t>Content</a:t>
+                      </a:r>
+                    </a:p>
+                    <a:p>
+                      <a:endParaRPr lang="en-US" sz="1600" dirty="0">
+                        <a:solidFill>
+                          <a:srgbClr val="3C454F"/>
+                        </a:solidFill>
+                      </a:endParaRPr>
+                    </a:p>
+                  </a:txBody>
+                  <a:tcPr marL="137160" marR="137160" marT="137160" marB="137160">
+                    <a:lnL w="12700" cmpd="sng">
+                      <a:noFill/>
+                    </a:lnL>
+                    <a:lnR w="12700" cmpd="sng">
+                      <a:noFill/>
+                    </a:lnR>
+                    <a:lnT w="12700" cmpd="sng">
+                      <a:noFill/>
+                    </a:lnT>
+                    <a:lnB w="12700" cmpd="sng">
+                      <a:noFill/>
+                    </a:lnB>
+                    <a:lnTlToBr w="12700" cmpd="sng">
+                      <a:noFill/>
+                      <a:prstDash val="solid"/>
+                    </a:lnTlToBr>
+                    <a:lnBlToTr w="12700" cmpd="sng">
+                      <a:noFill/>
+                      <a:prstDash val="solid"/>
+                    </a:lnBlToTr>
+                  </a:tcPr>
+                </a:tc>
+                <a:tc>
+                  <a:txBody>
+                    <a:bodyPr/>
+                    <a:lstStyle/>
+                    <a:p>
+                      <a:pPr marL="0" marR="0" indent="0" algn="l" defTabSz="914400" rtl="0" eaLnBrk="1" fontAlgn="auto" latinLnBrk="0" hangingPunct="1">
+                        <a:lnSpc>
+                          <a:spcPct val="100000"/>
+                        </a:lnSpc>
+                        <a:spcBef>
+                          <a:spcPts val="0"/>
+                        </a:spcBef>
+                        <a:spcAft>
+                          <a:spcPts val="0"/>
+                        </a:spcAft>
+                        <a:buClrTx/>
+                        <a:buSzTx/>
+                        <a:buFontTx/>
+                        <a:buNone/>
+                        <a:tabLst/>
+                        <a:defRPr/>
+                      </a:pPr>
+                      <a:r>
+                        <a:rPr lang="en-US" sz="1600" dirty="0" smtClean="0">
+                          <a:solidFill>
+                            <a:srgbClr val="3C454F"/>
+                          </a:solidFill>
+                        </a:rPr>
+                        <a:t>Content</a:t>
+                      </a:r>
+                    </a:p>
+                    <a:p>
+                      <a:endParaRPr lang="en-US" sz="1600" dirty="0">
+                        <a:solidFill>
+                          <a:srgbClr val="3C454F"/>
+                        </a:solidFill>
+                      </a:endParaRPr>
+                    </a:p>
+                  </a:txBody>
+                  <a:tcPr marL="137160" marR="137160" marT="137160" marB="137160">
+                    <a:lnL w="12700" cmpd="sng">
+                      <a:noFill/>
+                    </a:lnL>
+                    <a:lnR w="12700" cmpd="sng">
+                      <a:noFill/>
+                    </a:lnR>
+                    <a:lnT w="12700" cmpd="sng">
+                      <a:noFill/>
+                    </a:lnT>
+                    <a:lnB w="12700" cmpd="sng">
+                      <a:noFill/>
+                    </a:lnB>
+                    <a:lnTlToBr w="12700" cmpd="sng">
+                      <a:noFill/>
+                      <a:prstDash val="solid"/>
+                    </a:lnTlToBr>
+                    <a:lnBlToTr w="12700" cmpd="sng">
+                      <a:noFill/>
+                      <a:prstDash val="solid"/>
+                    </a:lnBlToTr>
+                  </a:tcPr>
+                </a:tc>
+                <a:extLst>
+                  <a:ext uri="{0D108BD9-81ED-4DB2-BD59-A6C34878D82A}">
+                    <a16:rowId xmlns:a16="http://schemas.microsoft.com/office/drawing/2014/main" val="10003"/>
+                  </a:ext>
+                </a:extLst>
+              </a:tr>
+            </a:tbl>
+          </a:graphicData>
+        </a:graphic>
+      </p:graphicFrame>
+    </p:spTree>
+    <p:extLst>
+      <p:ext uri="{BB962C8B-B14F-4D97-AF65-F5344CB8AC3E}">
+        <p14:creationId xmlns:p14="http://schemas.microsoft.com/office/powerpoint/2010/main" val="880648310"/>
+      </p:ext>
+    </p:extLst>
+  </p:cSld>
+  <p:clrMapOvr>
+    <a:masterClrMapping/>
+  </p:clrMapOvr>
+</p:sldLayout>
+</file>
+
+<file path=ppt/slideLayouts/slideLayout59.xml><?xml version="1.0" encoding="utf-8"?>
+<p:sldLayout xmlns:a="http://schemas.openxmlformats.org/drawingml/2006/main" xmlns:r="http://schemas.openxmlformats.org/officeDocument/2006/relationships" xmlns:p="http://schemas.openxmlformats.org/presentationml/2006/main" type="blank" preserve="1">
+  <p:cSld name="Blank">
+    <p:spTree>
+      <p:nvGrpSpPr>
+        <p:cNvPr id="1" name=""/>
+        <p:cNvGrpSpPr/>
+        <p:nvPr/>
+      </p:nvGrpSpPr>
+      <p:grpSpPr>
+        <a:xfrm>
+          <a:off x="0" y="0"/>
+          <a:ext cx="0" cy="0"/>
+          <a:chOff x="0" y="0"/>
+          <a:chExt cx="0" cy="0"/>
+        </a:xfrm>
+      </p:grpSpPr>
+      <p:sp>
+        <p:nvSpPr>
+          <p:cNvPr id="4" name="Slide Number Placeholder 3"/>
+          <p:cNvSpPr>
+            <a:spLocks noGrp="1"/>
+          </p:cNvSpPr>
+          <p:nvPr>
+            <p:ph type="sldNum" sz="quarter" idx="12"/>
+          </p:nvPr>
+        </p:nvSpPr>
+        <p:spPr>
+          <a:xfrm>
+            <a:off x="8903414" y="6256216"/>
+            <a:ext cx="2743200" cy="365125"/>
+          </a:xfrm>
+          <a:prstGeom prst="rect">
+            <a:avLst/>
+          </a:prstGeom>
+        </p:spPr>
+        <p:txBody>
+          <a:bodyPr/>
+          <a:lstStyle/>
+          <a:p>
+            <a:fld id="{0A164282-434E-41D4-9582-783D542A7B68}" type="slidenum">
+              <a:rPr lang="en-US" smtClean="0"/>
+              <a:t>‹#›</a:t>
+            </a:fld>
+            <a:endParaRPr lang="en-US"/>
+          </a:p>
+        </p:txBody>
+      </p:sp>
+    </p:spTree>
+    <p:extLst>
+      <p:ext uri="{BB962C8B-B14F-4D97-AF65-F5344CB8AC3E}">
+        <p14:creationId xmlns:p14="http://schemas.microsoft.com/office/powerpoint/2010/main" val="4101557535"/>
+      </p:ext>
+    </p:extLst>
+  </p:cSld>
+  <p:clrMapOvr>
+    <a:masterClrMapping/>
+  </p:clrMapOvr>
+</p:sldLayout>
+</file>
+
+<file path=ppt/slideLayouts/slideLayout6.xml><?xml version="1.0" encoding="utf-8"?>
+<p:sldLayout xmlns:a="http://schemas.openxmlformats.org/drawingml/2006/main" xmlns:r="http://schemas.openxmlformats.org/officeDocument/2006/relationships" xmlns:p="http://schemas.openxmlformats.org/presentationml/2006/main" userDrawn="1">
+  <p:cSld name="5_Custom Layout">
+    <p:spTree>
+      <p:nvGrpSpPr>
+        <p:cNvPr id="1" name=""/>
+        <p:cNvGrpSpPr/>
+        <p:nvPr/>
+      </p:nvGrpSpPr>
+      <p:grpSpPr>
+        <a:xfrm>
+          <a:off x="0" y="0"/>
+          <a:ext cx="0" cy="0"/>
+          <a:chOff x="0" y="0"/>
+          <a:chExt cx="0" cy="0"/>
+        </a:xfrm>
+      </p:grpSpPr>
+      <p:pic>
+        <p:nvPicPr>
+          <p:cNvPr id="6" name="Picture 5"/>
+          <p:cNvPicPr>
+            <a:picLocks noChangeAspect="1"/>
+          </p:cNvPicPr>
+          <p:nvPr userDrawn="1"/>
+        </p:nvPicPr>
+        <p:blipFill>
+          <a:blip r:embed="rId2">
+            <a:extLst>
+              <a:ext uri="{28A0092B-C50C-407E-A947-70E740481C1C}">
+                <a14:useLocalDpi xmlns:a14="http://schemas.microsoft.com/office/drawing/2010/main" val="0"/>
+              </a:ext>
+            </a:extLst>
+          </a:blip>
+          <a:stretch>
+            <a:fillRect/>
+          </a:stretch>
+        </p:blipFill>
+        <p:spPr>
+          <a:xfrm>
+            <a:off x="0" y="0"/>
+            <a:ext cx="12192000" cy="6858000"/>
+          </a:xfrm>
+          <a:prstGeom prst="rect">
+            <a:avLst/>
+          </a:prstGeom>
+        </p:spPr>
+      </p:pic>
+      <p:pic>
+        <p:nvPicPr>
+          <p:cNvPr id="7" name="Picture 6"/>
+          <p:cNvPicPr>
+            <a:picLocks noChangeAspect="1"/>
+          </p:cNvPicPr>
+          <p:nvPr userDrawn="1"/>
+        </p:nvPicPr>
+        <p:blipFill rotWithShape="1">
+          <a:blip r:embed="rId3"/>
+          <a:srcRect l="12341" r="14783"/>
+          <a:stretch/>
+        </p:blipFill>
+        <p:spPr>
+          <a:xfrm>
+            <a:off x="-26126" y="3598819"/>
+            <a:ext cx="12226835" cy="3761558"/>
+          </a:xfrm>
+          <a:prstGeom prst="rect">
+            <a:avLst/>
+          </a:prstGeom>
+        </p:spPr>
+      </p:pic>
+      <p:pic>
+        <p:nvPicPr>
+          <p:cNvPr id="8" name="Picture 7"/>
+          <p:cNvPicPr>
+            <a:picLocks noChangeAspect="1"/>
+          </p:cNvPicPr>
+          <p:nvPr userDrawn="1"/>
+        </p:nvPicPr>
+        <p:blipFill>
+          <a:blip r:embed="rId4" cstate="print">
+            <a:extLst>
+              <a:ext uri="{28A0092B-C50C-407E-A947-70E740481C1C}">
+                <a14:useLocalDpi xmlns:a14="http://schemas.microsoft.com/office/drawing/2010/main" val="0"/>
+              </a:ext>
+            </a:extLst>
+          </a:blip>
+          <a:stretch>
+            <a:fillRect/>
+          </a:stretch>
+        </p:blipFill>
+        <p:spPr>
+          <a:xfrm flipH="1">
+            <a:off x="10911839" y="5017448"/>
+            <a:ext cx="735979" cy="925314"/>
+          </a:xfrm>
+          <a:prstGeom prst="rect">
+            <a:avLst/>
+          </a:prstGeom>
+        </p:spPr>
+      </p:pic>
+      <p:pic>
+        <p:nvPicPr>
+          <p:cNvPr id="9" name="Picture 8"/>
+          <p:cNvPicPr>
+            <a:picLocks noChangeAspect="1"/>
+          </p:cNvPicPr>
+          <p:nvPr userDrawn="1"/>
+        </p:nvPicPr>
+        <p:blipFill>
+          <a:blip r:embed="rId5" cstate="print">
+            <a:extLst>
+              <a:ext uri="{28A0092B-C50C-407E-A947-70E740481C1C}">
+                <a14:useLocalDpi xmlns:a14="http://schemas.microsoft.com/office/drawing/2010/main" val="0"/>
+              </a:ext>
+            </a:extLst>
+          </a:blip>
+          <a:stretch>
+            <a:fillRect/>
+          </a:stretch>
+        </p:blipFill>
+        <p:spPr>
+          <a:xfrm>
+            <a:off x="10164033" y="4778395"/>
+            <a:ext cx="947270" cy="923976"/>
+          </a:xfrm>
+          <a:prstGeom prst="rect">
+            <a:avLst/>
+          </a:prstGeom>
+        </p:spPr>
+      </p:pic>
+    </p:spTree>
+    <p:extLst>
+      <p:ext uri="{BB962C8B-B14F-4D97-AF65-F5344CB8AC3E}">
+        <p14:creationId xmlns:p14="http://schemas.microsoft.com/office/powerpoint/2010/main" val="1057116014"/>
+      </p:ext>
+    </p:extLst>
+  </p:cSld>
+  <p:clrMapOvr>
+    <a:masterClrMapping/>
+  </p:clrMapOvr>
+</p:sldLayout>
+</file>
+
+<file path=ppt/slideLayouts/slideLayout60.xml><?xml version="1.0" encoding="utf-8"?>
+<p:sldLayout xmlns:a="http://schemas.openxmlformats.org/drawingml/2006/main" xmlns:r="http://schemas.openxmlformats.org/officeDocument/2006/relationships" xmlns:p="http://schemas.openxmlformats.org/presentationml/2006/main" type="blank" preserve="1">
+  <p:cSld name="1_Blank">
+    <p:spTree>
+      <p:nvGrpSpPr>
+        <p:cNvPr id="1" name=""/>
+        <p:cNvGrpSpPr/>
+        <p:nvPr/>
+      </p:nvGrpSpPr>
+      <p:grpSpPr>
+        <a:xfrm>
+          <a:off x="0" y="0"/>
+          <a:ext cx="0" cy="0"/>
+          <a:chOff x="0" y="0"/>
+          <a:chExt cx="0" cy="0"/>
+        </a:xfrm>
+      </p:grpSpPr>
+    </p:spTree>
+    <p:extLst>
+      <p:ext uri="{BB962C8B-B14F-4D97-AF65-F5344CB8AC3E}">
+        <p14:creationId xmlns:p14="http://schemas.microsoft.com/office/powerpoint/2010/main" val="706169552"/>
+      </p:ext>
+    </p:extLst>
+  </p:cSld>
+  <p:clrMapOvr>
+    <a:masterClrMapping/>
+  </p:clrMapOvr>
+</p:sldLayout>
+</file>
+
+<file path=ppt/slideLayouts/slideLayout61.xml><?xml version="1.0" encoding="utf-8"?>
+<p:sldLayout xmlns:a="http://schemas.openxmlformats.org/drawingml/2006/main" xmlns:r="http://schemas.openxmlformats.org/officeDocument/2006/relationships" xmlns:p="http://schemas.openxmlformats.org/presentationml/2006/main" type="objTx" preserve="1">
+  <p:cSld name="Content with Caption">
+    <p:spTree>
+      <p:nvGrpSpPr>
+        <p:cNvPr id="1" name=""/>
+        <p:cNvGrpSpPr/>
+        <p:nvPr/>
+      </p:nvGrpSpPr>
+      <p:grpSpPr>
+        <a:xfrm>
+          <a:off x="0" y="0"/>
+          <a:ext cx="0" cy="0"/>
+          <a:chOff x="0" y="0"/>
+          <a:chExt cx="0" cy="0"/>
+        </a:xfrm>
+      </p:grpSpPr>
+      <p:sp>
+        <p:nvSpPr>
+          <p:cNvPr id="2" name="Title 1"/>
+          <p:cNvSpPr>
+            <a:spLocks noGrp="1"/>
+          </p:cNvSpPr>
+          <p:nvPr>
+            <p:ph type="title"/>
+          </p:nvPr>
+        </p:nvSpPr>
+        <p:spPr>
+          <a:xfrm>
+            <a:off x="560798" y="457199"/>
+            <a:ext cx="4211227" cy="1936679"/>
+          </a:xfrm>
+        </p:spPr>
+        <p:txBody>
+          <a:bodyPr anchor="b">
+            <a:noAutofit/>
+          </a:bodyPr>
+          <a:lstStyle>
+            <a:lvl1pPr>
+              <a:defRPr sz="4000"/>
+            </a:lvl1pPr>
+          </a:lstStyle>
+          <a:p>
+            <a:r>
+              <a:rPr lang="en-US" smtClean="0"/>
+              <a:t>Click to edit Master title style</a:t>
+            </a:r>
+            <a:endParaRPr lang="en-US"/>
+          </a:p>
+        </p:txBody>
+      </p:sp>
+      <p:sp>
+        <p:nvSpPr>
+          <p:cNvPr id="3" name="Content Placeholder 2"/>
+          <p:cNvSpPr>
+            <a:spLocks noGrp="1"/>
+          </p:cNvSpPr>
+          <p:nvPr>
+            <p:ph idx="1"/>
+          </p:nvPr>
+        </p:nvSpPr>
+        <p:spPr>
+          <a:xfrm>
+            <a:off x="5183188" y="987425"/>
+            <a:ext cx="6457432" cy="4873625"/>
+          </a:xfrm>
+        </p:spPr>
+        <p:txBody>
+          <a:bodyPr/>
+          <a:lstStyle>
+            <a:lvl1pPr>
+              <a:defRPr sz="3200">
+                <a:latin typeface="+mj-lt"/>
+              </a:defRPr>
+            </a:lvl1pPr>
+            <a:lvl2pPr>
+              <a:defRPr sz="2800">
+                <a:latin typeface="+mj-lt"/>
+              </a:defRPr>
+            </a:lvl2pPr>
+            <a:lvl3pPr>
+              <a:defRPr sz="2400">
+                <a:latin typeface="+mj-lt"/>
+              </a:defRPr>
+            </a:lvl3pPr>
+            <a:lvl4pPr>
+              <a:defRPr sz="2000">
+                <a:latin typeface="+mj-lt"/>
+              </a:defRPr>
+            </a:lvl4pPr>
+            <a:lvl5pPr>
+              <a:defRPr sz="2000">
+                <a:latin typeface="+mj-lt"/>
+              </a:defRPr>
+            </a:lvl5pPr>
+            <a:lvl6pPr>
+              <a:defRPr sz="2000"/>
+            </a:lvl6pPr>
+            <a:lvl7pPr>
+              <a:defRPr sz="2000"/>
+            </a:lvl7pPr>
+            <a:lvl8pPr>
+              <a:defRPr sz="2000"/>
+            </a:lvl8pPr>
+            <a:lvl9pPr>
+              <a:defRPr sz="2000"/>
+            </a:lvl9pPr>
+          </a:lstStyle>
+          <a:p>
+            <a:pPr lvl="0"/>
+            <a:r>
+              <a:rPr lang="en-US" smtClean="0"/>
+              <a:t>Click to edit Master text styles</a:t>
+            </a:r>
+          </a:p>
+          <a:p>
+            <a:pPr lvl="1"/>
+            <a:r>
+              <a:rPr lang="en-US" smtClean="0"/>
+              <a:t>Second level</a:t>
+            </a:r>
+          </a:p>
+          <a:p>
+            <a:pPr lvl="2"/>
+            <a:r>
+              <a:rPr lang="en-US" smtClean="0"/>
+              <a:t>Third level</a:t>
+            </a:r>
+          </a:p>
+          <a:p>
+            <a:pPr lvl="3"/>
+            <a:r>
+              <a:rPr lang="en-US" smtClean="0"/>
+              <a:t>Fourth level</a:t>
+            </a:r>
+          </a:p>
+          <a:p>
+            <a:pPr lvl="4"/>
+            <a:r>
+              <a:rPr lang="en-US" smtClean="0"/>
+              <a:t>Fifth level</a:t>
+            </a:r>
+            <a:endParaRPr lang="en-US"/>
+          </a:p>
+        </p:txBody>
+      </p:sp>
+      <p:sp>
+        <p:nvSpPr>
+          <p:cNvPr id="4" name="Text Placeholder 3"/>
+          <p:cNvSpPr>
+            <a:spLocks noGrp="1"/>
+          </p:cNvSpPr>
+          <p:nvPr>
+            <p:ph type="body" sz="half" idx="2"/>
+          </p:nvPr>
+        </p:nvSpPr>
+        <p:spPr>
+          <a:xfrm>
+            <a:off x="560798" y="2604070"/>
+            <a:ext cx="4211227" cy="3264917"/>
+          </a:xfrm>
+        </p:spPr>
+        <p:txBody>
+          <a:bodyPr>
+            <a:normAutofit/>
+          </a:bodyPr>
+          <a:lstStyle>
+            <a:lvl1pPr marL="0" indent="0">
+              <a:buNone/>
+              <a:defRPr sz="2000"/>
+            </a:lvl1pPr>
+            <a:lvl2pPr marL="457200" indent="0">
+              <a:buNone/>
+              <a:defRPr sz="1400"/>
+            </a:lvl2pPr>
+            <a:lvl3pPr marL="914400" indent="0">
+              <a:buNone/>
+              <a:defRPr sz="1200"/>
+            </a:lvl3pPr>
+            <a:lvl4pPr marL="1371600" indent="0">
+              <a:buNone/>
+              <a:defRPr sz="1000"/>
+            </a:lvl4pPr>
+            <a:lvl5pPr marL="1828800" indent="0">
+              <a:buNone/>
+              <a:defRPr sz="1000"/>
+            </a:lvl5pPr>
+            <a:lvl6pPr marL="2286000" indent="0">
+              <a:buNone/>
+              <a:defRPr sz="1000"/>
+            </a:lvl6pPr>
+            <a:lvl7pPr marL="2743200" indent="0">
+              <a:buNone/>
+              <a:defRPr sz="1000"/>
+            </a:lvl7pPr>
+            <a:lvl8pPr marL="3200400" indent="0">
+              <a:buNone/>
+              <a:defRPr sz="1000"/>
+            </a:lvl8pPr>
+            <a:lvl9pPr marL="3657600" indent="0">
+              <a:buNone/>
+              <a:defRPr sz="1000"/>
+            </a:lvl9pPr>
+          </a:lstStyle>
+          <a:p>
+            <a:pPr lvl="0"/>
+            <a:r>
+              <a:rPr lang="en-US" dirty="0" smtClean="0"/>
+              <a:t>Click to edit Master text styles</a:t>
+            </a:r>
+          </a:p>
+        </p:txBody>
+      </p:sp>
+      <p:sp>
+        <p:nvSpPr>
+          <p:cNvPr id="7" name="Slide Number Placeholder 6"/>
+          <p:cNvSpPr>
+            <a:spLocks noGrp="1"/>
+          </p:cNvSpPr>
+          <p:nvPr>
+            <p:ph type="sldNum" sz="quarter" idx="12"/>
+          </p:nvPr>
+        </p:nvSpPr>
+        <p:spPr>
+          <a:xfrm>
+            <a:off x="8897420" y="6256216"/>
+            <a:ext cx="2743200" cy="365125"/>
+          </a:xfrm>
+          <a:prstGeom prst="rect">
+            <a:avLst/>
+          </a:prstGeom>
+        </p:spPr>
+        <p:txBody>
+          <a:bodyPr/>
+          <a:lstStyle/>
+          <a:p>
+            <a:fld id="{0A164282-434E-41D4-9582-783D542A7B68}" type="slidenum">
+              <a:rPr lang="en-US" smtClean="0"/>
+              <a:t>‹#›</a:t>
+            </a:fld>
+            <a:endParaRPr lang="en-US"/>
+          </a:p>
+        </p:txBody>
+      </p:sp>
+    </p:spTree>
+    <p:extLst>
+      <p:ext uri="{BB962C8B-B14F-4D97-AF65-F5344CB8AC3E}">
+        <p14:creationId xmlns:p14="http://schemas.microsoft.com/office/powerpoint/2010/main" val="1993324992"/>
+      </p:ext>
+    </p:extLst>
+  </p:cSld>
+  <p:clrMapOvr>
+    <a:masterClrMapping/>
+  </p:clrMapOvr>
+</p:sldLayout>
+</file>
+
+<file path=ppt/slideLayouts/slideLayout62.xml><?xml version="1.0" encoding="utf-8"?>
+<p:sldLayout xmlns:a="http://schemas.openxmlformats.org/drawingml/2006/main" xmlns:r="http://schemas.openxmlformats.org/officeDocument/2006/relationships" xmlns:p="http://schemas.openxmlformats.org/presentationml/2006/main" userDrawn="1">
+  <p:cSld name="1_Logo on Background">
+    <p:bg>
+      <p:bgPr>
+        <a:solidFill>
+          <a:schemeClr val="tx1">
+            <a:lumMod val="60000"/>
+            <a:lumOff val="40000"/>
+          </a:schemeClr>
+        </a:solidFill>
+        <a:effectLst/>
+      </p:bgPr>
+    </p:bg>
+    <p:spTree>
+      <p:nvGrpSpPr>
+        <p:cNvPr id="1" name=""/>
+        <p:cNvGrpSpPr/>
+        <p:nvPr/>
+      </p:nvGrpSpPr>
+      <p:grpSpPr>
+        <a:xfrm>
+          <a:off x="0" y="0"/>
+          <a:ext cx="0" cy="0"/>
+          <a:chOff x="0" y="0"/>
+          <a:chExt cx="0" cy="0"/>
+        </a:xfrm>
+      </p:grpSpPr>
+      <p:pic>
+        <p:nvPicPr>
+          <p:cNvPr id="6" name="Picture 5"/>
+          <p:cNvPicPr>
+            <a:picLocks noChangeAspect="1"/>
+          </p:cNvPicPr>
+          <p:nvPr userDrawn="1"/>
+        </p:nvPicPr>
+        <p:blipFill rotWithShape="1">
+          <a:blip r:embed="rId2"/>
+          <a:srcRect l="18401" r="13953" b="6064"/>
+          <a:stretch/>
+        </p:blipFill>
+        <p:spPr>
+          <a:xfrm>
+            <a:off x="-27709" y="3033966"/>
+            <a:ext cx="12219709" cy="3865597"/>
+          </a:xfrm>
+          <a:prstGeom prst="rect">
+            <a:avLst/>
+          </a:prstGeom>
+        </p:spPr>
+      </p:pic>
+      <p:pic>
+        <p:nvPicPr>
+          <p:cNvPr id="7" name="Picture 6"/>
+          <p:cNvPicPr>
+            <a:picLocks noChangeAspect="1"/>
+          </p:cNvPicPr>
+          <p:nvPr userDrawn="1"/>
+        </p:nvPicPr>
+        <p:blipFill rotWithShape="1">
+          <a:blip r:embed="rId2"/>
+          <a:srcRect l="18401" r="13953" b="6064"/>
+          <a:stretch/>
+        </p:blipFill>
+        <p:spPr>
+          <a:xfrm>
+            <a:off x="-27709" y="3033966"/>
+            <a:ext cx="12219709" cy="3865597"/>
+          </a:xfrm>
+          <a:prstGeom prst="rect">
+            <a:avLst/>
+          </a:prstGeom>
+        </p:spPr>
+      </p:pic>
+      <p:pic>
+        <p:nvPicPr>
+          <p:cNvPr id="8" name="Picture 7"/>
+          <p:cNvPicPr>
+            <a:picLocks noChangeAspect="1"/>
+          </p:cNvPicPr>
+          <p:nvPr userDrawn="1"/>
+        </p:nvPicPr>
+        <p:blipFill>
+          <a:blip r:embed="rId3"/>
+          <a:stretch>
+            <a:fillRect/>
+          </a:stretch>
+        </p:blipFill>
+        <p:spPr>
+          <a:xfrm>
+            <a:off x="9851688" y="5532552"/>
+            <a:ext cx="2470462" cy="1025683"/>
+          </a:xfrm>
+          <a:prstGeom prst="rect">
+            <a:avLst/>
+          </a:prstGeom>
+        </p:spPr>
+      </p:pic>
+      <p:pic>
+        <p:nvPicPr>
+          <p:cNvPr id="9" name="Picture 8"/>
+          <p:cNvPicPr>
+            <a:picLocks noChangeAspect="1"/>
+          </p:cNvPicPr>
+          <p:nvPr userDrawn="1"/>
+        </p:nvPicPr>
+        <p:blipFill>
+          <a:blip r:embed="rId4" cstate="print">
+            <a:extLst>
+              <a:ext uri="{28A0092B-C50C-407E-A947-70E740481C1C}">
+                <a14:useLocalDpi xmlns:a14="http://schemas.microsoft.com/office/drawing/2010/main" val="0"/>
+              </a:ext>
+            </a:extLst>
+          </a:blip>
+          <a:stretch>
+            <a:fillRect/>
+          </a:stretch>
+        </p:blipFill>
+        <p:spPr>
+          <a:xfrm flipH="1">
+            <a:off x="10911839" y="4847629"/>
+            <a:ext cx="735979" cy="925314"/>
+          </a:xfrm>
+          <a:prstGeom prst="rect">
+            <a:avLst/>
+          </a:prstGeom>
+        </p:spPr>
+      </p:pic>
+      <p:pic>
+        <p:nvPicPr>
+          <p:cNvPr id="10" name="Picture 9"/>
+          <p:cNvPicPr>
+            <a:picLocks noChangeAspect="1"/>
+          </p:cNvPicPr>
+          <p:nvPr userDrawn="1"/>
+        </p:nvPicPr>
+        <p:blipFill>
+          <a:blip r:embed="rId5" cstate="print">
+            <a:extLst>
+              <a:ext uri="{28A0092B-C50C-407E-A947-70E740481C1C}">
+                <a14:useLocalDpi xmlns:a14="http://schemas.microsoft.com/office/drawing/2010/main" val="0"/>
+              </a:ext>
+            </a:extLst>
+          </a:blip>
+          <a:stretch>
+            <a:fillRect/>
+          </a:stretch>
+        </p:blipFill>
+        <p:spPr>
+          <a:xfrm>
+            <a:off x="10164033" y="4608576"/>
+            <a:ext cx="947270" cy="923976"/>
+          </a:xfrm>
+          <a:prstGeom prst="rect">
+            <a:avLst/>
+          </a:prstGeom>
+        </p:spPr>
+      </p:pic>
+      <p:pic>
+        <p:nvPicPr>
+          <p:cNvPr id="11" name="Picture 10"/>
+          <p:cNvPicPr>
+            <a:picLocks noChangeAspect="1"/>
+          </p:cNvPicPr>
+          <p:nvPr userDrawn="1"/>
+        </p:nvPicPr>
+        <p:blipFill>
+          <a:blip r:embed="rId6" cstate="print">
+            <a:extLst>
+              <a:ext uri="{28A0092B-C50C-407E-A947-70E740481C1C}">
+                <a14:useLocalDpi xmlns:a14="http://schemas.microsoft.com/office/drawing/2010/main" val="0"/>
+              </a:ext>
+            </a:extLst>
+          </a:blip>
+          <a:stretch>
+            <a:fillRect/>
+          </a:stretch>
+        </p:blipFill>
+        <p:spPr>
+          <a:xfrm>
+            <a:off x="4211461" y="2311884"/>
+            <a:ext cx="3769076" cy="1386430"/>
+          </a:xfrm>
+          <a:prstGeom prst="rect">
+            <a:avLst/>
+          </a:prstGeom>
+        </p:spPr>
+      </p:pic>
+    </p:spTree>
+    <p:extLst>
+      <p:ext uri="{BB962C8B-B14F-4D97-AF65-F5344CB8AC3E}">
+        <p14:creationId xmlns:p14="http://schemas.microsoft.com/office/powerpoint/2010/main" val="3548515730"/>
+      </p:ext>
+    </p:extLst>
+  </p:cSld>
+  <p:clrMapOvr>
+    <a:masterClrMapping/>
+  </p:clrMapOvr>
+  <mc:AlternateContent xmlns:mc="http://schemas.openxmlformats.org/markup-compatibility/2006" xmlns:p14="http://schemas.microsoft.com/office/powerpoint/2010/main">
+    <mc:Choice Requires="p14">
+      <p:transition spd="med" p14:dur="700">
+        <p:fade/>
+      </p:transition>
+    </mc:Choice>
+    <mc:Fallback xmlns="">
+      <p:transition spd="med">
+        <p:fade/>
+      </p:transition>
+    </mc:Fallback>
+  </mc:AlternateContent>
+</p:sldLayout>
+</file>
+
+<file path=ppt/slideLayouts/slideLayout63.xml><?xml version="1.0" encoding="utf-8"?>
+<p:sldLayout xmlns:a="http://schemas.openxmlformats.org/drawingml/2006/main" xmlns:r="http://schemas.openxmlformats.org/officeDocument/2006/relationships" xmlns:p="http://schemas.openxmlformats.org/presentationml/2006/main" userDrawn="1">
+  <p:cSld name="2_Title and Content">
+    <p:spTree>
+      <p:nvGrpSpPr>
+        <p:cNvPr id="1" name=""/>
+        <p:cNvGrpSpPr/>
+        <p:nvPr/>
+      </p:nvGrpSpPr>
+      <p:grpSpPr>
+        <a:xfrm>
+          <a:off x="0" y="0"/>
+          <a:ext cx="0" cy="0"/>
+          <a:chOff x="0" y="0"/>
+          <a:chExt cx="0" cy="0"/>
+        </a:xfrm>
+      </p:grpSpPr>
+      <p:sp>
+        <p:nvSpPr>
+          <p:cNvPr id="2" name="Title 1"/>
+          <p:cNvSpPr>
+            <a:spLocks noGrp="1"/>
+          </p:cNvSpPr>
+          <p:nvPr>
+            <p:ph type="title"/>
+          </p:nvPr>
+        </p:nvSpPr>
+        <p:spPr>
+          <a:xfrm>
+            <a:off x="519248" y="228601"/>
+            <a:ext cx="11151917" cy="747897"/>
+          </a:xfrm>
+        </p:spPr>
+        <p:txBody>
+          <a:bodyPr/>
+          <a:lstStyle>
+            <a:lvl1pPr>
+              <a:defRPr sz="5400"/>
+            </a:lvl1pPr>
+          </a:lstStyle>
+          <a:p>
+            <a:r>
+              <a:rPr lang="en-US" smtClean="0"/>
+              <a:t>Click to edit Master title style</a:t>
+            </a:r>
+            <a:endParaRPr lang="en-US" dirty="0"/>
+          </a:p>
+        </p:txBody>
+      </p:sp>
+      <p:sp>
+        <p:nvSpPr>
+          <p:cNvPr id="5" name="Text Placeholder 4"/>
+          <p:cNvSpPr>
+            <a:spLocks noGrp="1"/>
+          </p:cNvSpPr>
+          <p:nvPr>
+            <p:ph type="body" sz="quarter" idx="10"/>
+          </p:nvPr>
+        </p:nvSpPr>
+        <p:spPr>
+          <a:xfrm>
+            <a:off x="519248" y="1447800"/>
+            <a:ext cx="11151917" cy="946413"/>
+          </a:xfrm>
+        </p:spPr>
+        <p:txBody>
+          <a:bodyPr/>
+          <a:lstStyle>
+            <a:lvl1pPr marL="3175" indent="0">
+              <a:spcBef>
+                <a:spcPts val="0"/>
+              </a:spcBef>
+              <a:spcAft>
+                <a:spcPts val="900"/>
+              </a:spcAft>
+              <a:buSzPct val="80000"/>
+              <a:buFont typeface="Arial" pitchFamily="34" charset="0"/>
+              <a:buNone/>
+              <a:defRPr sz="4000" spc="-100" baseline="0">
+                <a:gradFill>
+                  <a:gsLst>
+                    <a:gs pos="0">
+                      <a:srgbClr val="595959"/>
+                    </a:gs>
+                    <a:gs pos="86000">
+                      <a:srgbClr val="595959"/>
+                    </a:gs>
+                  </a:gsLst>
+                  <a:lin ang="5400000" scaled="0"/>
+                </a:gradFill>
+                <a:latin typeface="Segoe UI Light" pitchFamily="34" charset="0"/>
+              </a:defRPr>
+            </a:lvl1pPr>
+            <a:lvl2pPr marL="3175" indent="0">
+              <a:spcBef>
+                <a:spcPts val="0"/>
+              </a:spcBef>
+              <a:buSzPct val="80000"/>
+              <a:buFont typeface="Arial" pitchFamily="34" charset="0"/>
+              <a:buNone/>
+              <a:defRPr sz="2000" spc="-50" baseline="0">
+                <a:gradFill>
+                  <a:gsLst>
+                    <a:gs pos="0">
+                      <a:srgbClr val="595959"/>
+                    </a:gs>
+                    <a:gs pos="86000">
+                      <a:srgbClr val="595959"/>
+                    </a:gs>
+                  </a:gsLst>
+                  <a:lin ang="5400000" scaled="0"/>
+                </a:gradFill>
+              </a:defRPr>
+            </a:lvl2pPr>
+            <a:lvl3pPr marL="1258888" indent="-403225">
+              <a:buSzPct val="80000"/>
+              <a:buFontTx/>
+              <a:buBlip>
+                <a:blip r:embed="rId2"/>
+              </a:buBlip>
+              <a:defRPr>
+                <a:gradFill>
+                  <a:gsLst>
+                    <a:gs pos="0">
+                      <a:schemeClr val="tx1">
+                        <a:lumMod val="90000"/>
+                        <a:lumOff val="10000"/>
+                      </a:schemeClr>
+                    </a:gs>
+                    <a:gs pos="86000">
+                      <a:schemeClr val="tx1">
+                        <a:lumMod val="90000"/>
+                        <a:lumOff val="10000"/>
+                      </a:schemeClr>
+                    </a:gs>
+                  </a:gsLst>
+                  <a:lin ang="5400000" scaled="0"/>
+                </a:gradFill>
+              </a:defRPr>
+            </a:lvl3pPr>
+            <a:lvl4pPr marL="1604963" indent="-346075">
+              <a:buSzPct val="80000"/>
+              <a:buFontTx/>
+              <a:buBlip>
+                <a:blip r:embed="rId2"/>
+              </a:buBlip>
+              <a:defRPr>
+                <a:gradFill>
+                  <a:gsLst>
+                    <a:gs pos="0">
+                      <a:schemeClr val="tx1">
+                        <a:lumMod val="90000"/>
+                        <a:lumOff val="10000"/>
+                      </a:schemeClr>
+                    </a:gs>
+                    <a:gs pos="86000">
+                      <a:schemeClr val="tx1">
+                        <a:lumMod val="90000"/>
+                        <a:lumOff val="10000"/>
+                      </a:schemeClr>
+                    </a:gs>
+                  </a:gsLst>
+                  <a:lin ang="5400000" scaled="0"/>
+                </a:gradFill>
+              </a:defRPr>
+            </a:lvl4pPr>
+            <a:lvl5pPr marL="1941513" indent="-336550">
+              <a:buSzPct val="80000"/>
+              <a:buFontTx/>
+              <a:buBlip>
+                <a:blip r:embed="rId2"/>
+              </a:buBlip>
+              <a:defRPr>
+                <a:gradFill>
+                  <a:gsLst>
+                    <a:gs pos="0">
+                      <a:schemeClr val="tx1">
+                        <a:lumMod val="90000"/>
+                        <a:lumOff val="10000"/>
+                      </a:schemeClr>
+                    </a:gs>
+                    <a:gs pos="86000">
+                      <a:schemeClr val="tx1">
+                        <a:lumMod val="90000"/>
+                        <a:lumOff val="10000"/>
+                      </a:schemeClr>
+                    </a:gs>
+                  </a:gsLst>
+                  <a:lin ang="5400000" scaled="0"/>
+                </a:gradFill>
+              </a:defRPr>
+            </a:lvl5pPr>
+          </a:lstStyle>
+          <a:p>
+            <a:pPr lvl="0"/>
+            <a:r>
+              <a:rPr lang="en-US" smtClean="0"/>
+              <a:t>Click to edit Master text styles</a:t>
+            </a:r>
+          </a:p>
+          <a:p>
+            <a:pPr lvl="1"/>
+            <a:r>
+              <a:rPr lang="en-US" smtClean="0"/>
+              <a:t>Second level</a:t>
+            </a:r>
+          </a:p>
+        </p:txBody>
+      </p:sp>
+    </p:spTree>
+    <p:extLst>
+      <p:ext uri="{BB962C8B-B14F-4D97-AF65-F5344CB8AC3E}">
+        <p14:creationId xmlns:p14="http://schemas.microsoft.com/office/powerpoint/2010/main" val="1581147891"/>
+      </p:ext>
+    </p:extLst>
+  </p:cSld>
+  <p:clrMapOvr>
+    <a:masterClrMapping/>
+  </p:clrMapOvr>
+  <p:transition>
+    <p:fade/>
+  </p:transition>
+</p:sldLayout>
+</file>
+
+<file path=ppt/slideLayouts/slideLayout64.xml><?xml version="1.0" encoding="utf-8"?>
+<p:sldLayout xmlns:a="http://schemas.openxmlformats.org/drawingml/2006/main" xmlns:r="http://schemas.openxmlformats.org/officeDocument/2006/relationships" xmlns:p="http://schemas.openxmlformats.org/presentationml/2006/main" userDrawn="1">
+  <p:cSld name="3_Title and Content">
+    <p:spTree>
+      <p:nvGrpSpPr>
+        <p:cNvPr id="1" name=""/>
+        <p:cNvGrpSpPr/>
+        <p:nvPr/>
+      </p:nvGrpSpPr>
+      <p:grpSpPr>
+        <a:xfrm>
+          <a:off x="0" y="0"/>
+          <a:ext cx="0" cy="0"/>
+          <a:chOff x="0" y="0"/>
+          <a:chExt cx="0" cy="0"/>
+        </a:xfrm>
+      </p:grpSpPr>
+      <p:sp>
+        <p:nvSpPr>
+          <p:cNvPr id="2" name="Title 1"/>
+          <p:cNvSpPr>
+            <a:spLocks noGrp="1"/>
+          </p:cNvSpPr>
+          <p:nvPr>
+            <p:ph type="title"/>
+          </p:nvPr>
+        </p:nvSpPr>
+        <p:spPr>
+          <a:xfrm>
+            <a:off x="519248" y="228601"/>
+            <a:ext cx="11151917" cy="747897"/>
+          </a:xfrm>
+        </p:spPr>
+        <p:txBody>
+          <a:bodyPr/>
+          <a:lstStyle>
+            <a:lvl1pPr>
+              <a:defRPr sz="5400"/>
+            </a:lvl1pPr>
+          </a:lstStyle>
+          <a:p>
+            <a:r>
+              <a:rPr lang="en-US" smtClean="0"/>
+              <a:t>Click to edit Master title style</a:t>
+            </a:r>
+            <a:endParaRPr lang="en-US" dirty="0"/>
+          </a:p>
+        </p:txBody>
+      </p:sp>
+      <p:sp>
+        <p:nvSpPr>
+          <p:cNvPr id="5" name="Text Placeholder 4"/>
+          <p:cNvSpPr>
+            <a:spLocks noGrp="1"/>
+          </p:cNvSpPr>
+          <p:nvPr>
+            <p:ph type="body" sz="quarter" idx="10"/>
+          </p:nvPr>
+        </p:nvSpPr>
+        <p:spPr>
+          <a:xfrm>
+            <a:off x="519248" y="1447800"/>
+            <a:ext cx="11151917" cy="946413"/>
+          </a:xfrm>
+        </p:spPr>
+        <p:txBody>
+          <a:bodyPr/>
+          <a:lstStyle>
+            <a:lvl1pPr marL="3175" indent="0">
+              <a:spcBef>
+                <a:spcPts val="0"/>
+              </a:spcBef>
+              <a:spcAft>
+                <a:spcPts val="900"/>
+              </a:spcAft>
+              <a:buSzPct val="80000"/>
+              <a:buFont typeface="Arial" pitchFamily="34" charset="0"/>
+              <a:buNone/>
+              <a:defRPr sz="4000" spc="-100" baseline="0">
+                <a:gradFill>
+                  <a:gsLst>
+                    <a:gs pos="0">
+                      <a:srgbClr val="595959"/>
+                    </a:gs>
+                    <a:gs pos="86000">
+                      <a:srgbClr val="595959"/>
+                    </a:gs>
+                  </a:gsLst>
+                  <a:lin ang="5400000" scaled="0"/>
+                </a:gradFill>
+                <a:latin typeface="Segoe UI Light" pitchFamily="34" charset="0"/>
+              </a:defRPr>
+            </a:lvl1pPr>
+            <a:lvl2pPr marL="3175" indent="0">
+              <a:spcBef>
+                <a:spcPts val="0"/>
+              </a:spcBef>
+              <a:buSzPct val="80000"/>
+              <a:buFont typeface="Arial" pitchFamily="34" charset="0"/>
+              <a:buNone/>
+              <a:defRPr sz="2000" spc="-50" baseline="0">
+                <a:gradFill>
+                  <a:gsLst>
+                    <a:gs pos="0">
+                      <a:srgbClr val="595959"/>
+                    </a:gs>
+                    <a:gs pos="86000">
+                      <a:srgbClr val="595959"/>
+                    </a:gs>
+                  </a:gsLst>
+                  <a:lin ang="5400000" scaled="0"/>
+                </a:gradFill>
+              </a:defRPr>
+            </a:lvl2pPr>
+            <a:lvl3pPr marL="1258888" indent="-403225">
+              <a:buSzPct val="80000"/>
+              <a:buFontTx/>
+              <a:buBlip>
+                <a:blip r:embed="rId2"/>
+              </a:buBlip>
+              <a:defRPr>
+                <a:gradFill>
+                  <a:gsLst>
+                    <a:gs pos="0">
+                      <a:schemeClr val="tx1">
+                        <a:lumMod val="90000"/>
+                        <a:lumOff val="10000"/>
+                      </a:schemeClr>
+                    </a:gs>
+                    <a:gs pos="86000">
+                      <a:schemeClr val="tx1">
+                        <a:lumMod val="90000"/>
+                        <a:lumOff val="10000"/>
+                      </a:schemeClr>
+                    </a:gs>
+                  </a:gsLst>
+                  <a:lin ang="5400000" scaled="0"/>
+                </a:gradFill>
+              </a:defRPr>
+            </a:lvl3pPr>
+            <a:lvl4pPr marL="1604963" indent="-346075">
+              <a:buSzPct val="80000"/>
+              <a:buFontTx/>
+              <a:buBlip>
+                <a:blip r:embed="rId2"/>
+              </a:buBlip>
+              <a:defRPr>
+                <a:gradFill>
+                  <a:gsLst>
+                    <a:gs pos="0">
+                      <a:schemeClr val="tx1">
+                        <a:lumMod val="90000"/>
+                        <a:lumOff val="10000"/>
+                      </a:schemeClr>
+                    </a:gs>
+                    <a:gs pos="86000">
+                      <a:schemeClr val="tx1">
+                        <a:lumMod val="90000"/>
+                        <a:lumOff val="10000"/>
+                      </a:schemeClr>
+                    </a:gs>
+                  </a:gsLst>
+                  <a:lin ang="5400000" scaled="0"/>
+                </a:gradFill>
+              </a:defRPr>
+            </a:lvl4pPr>
+            <a:lvl5pPr marL="1941513" indent="-336550">
+              <a:buSzPct val="80000"/>
+              <a:buFontTx/>
+              <a:buBlip>
+                <a:blip r:embed="rId2"/>
+              </a:buBlip>
+              <a:defRPr>
+                <a:gradFill>
+                  <a:gsLst>
+                    <a:gs pos="0">
+                      <a:schemeClr val="tx1">
+                        <a:lumMod val="90000"/>
+                        <a:lumOff val="10000"/>
+                      </a:schemeClr>
+                    </a:gs>
+                    <a:gs pos="86000">
+                      <a:schemeClr val="tx1">
+                        <a:lumMod val="90000"/>
+                        <a:lumOff val="10000"/>
+                      </a:schemeClr>
+                    </a:gs>
+                  </a:gsLst>
+                  <a:lin ang="5400000" scaled="0"/>
+                </a:gradFill>
+              </a:defRPr>
+            </a:lvl5pPr>
+          </a:lstStyle>
+          <a:p>
+            <a:pPr lvl="0"/>
+            <a:r>
+              <a:rPr lang="en-US" smtClean="0"/>
+              <a:t>Click to edit Master text styles</a:t>
+            </a:r>
+          </a:p>
+          <a:p>
+            <a:pPr lvl="1"/>
+            <a:r>
+              <a:rPr lang="en-US" smtClean="0"/>
+              <a:t>Second level</a:t>
+            </a:r>
+          </a:p>
+        </p:txBody>
+      </p:sp>
+    </p:spTree>
+    <p:extLst>
+      <p:ext uri="{BB962C8B-B14F-4D97-AF65-F5344CB8AC3E}">
+        <p14:creationId xmlns:p14="http://schemas.microsoft.com/office/powerpoint/2010/main" val="2896132980"/>
+      </p:ext>
+    </p:extLst>
+  </p:cSld>
+  <p:clrMapOvr>
+    <a:masterClrMapping/>
+  </p:clrMapOvr>
+  <p:transition>
+    <p:fade/>
+  </p:transition>
+</p:sldLayout>
+</file>
+
+<file path=ppt/slideLayouts/slideLayout65.xml><?xml version="1.0" encoding="utf-8"?>
+<p:sldLayout xmlns:a="http://schemas.openxmlformats.org/drawingml/2006/main" xmlns:r="http://schemas.openxmlformats.org/officeDocument/2006/relationships" xmlns:p="http://schemas.openxmlformats.org/presentationml/2006/main" userDrawn="1">
+  <p:cSld name="4_Title and Content">
+    <p:spTree>
+      <p:nvGrpSpPr>
+        <p:cNvPr id="1" name=""/>
+        <p:cNvGrpSpPr/>
+        <p:nvPr/>
+      </p:nvGrpSpPr>
+      <p:grpSpPr>
+        <a:xfrm>
+          <a:off x="0" y="0"/>
+          <a:ext cx="0" cy="0"/>
+          <a:chOff x="0" y="0"/>
+          <a:chExt cx="0" cy="0"/>
+        </a:xfrm>
+      </p:grpSpPr>
+      <p:sp>
+        <p:nvSpPr>
+          <p:cNvPr id="2" name="Title 1"/>
+          <p:cNvSpPr>
+            <a:spLocks noGrp="1"/>
+          </p:cNvSpPr>
+          <p:nvPr>
+            <p:ph type="title"/>
+          </p:nvPr>
+        </p:nvSpPr>
+        <p:spPr>
+          <a:xfrm>
+            <a:off x="519248" y="228601"/>
+            <a:ext cx="11151917" cy="747897"/>
+          </a:xfrm>
+        </p:spPr>
+        <p:txBody>
+          <a:bodyPr/>
+          <a:lstStyle>
+            <a:lvl1pPr>
+              <a:defRPr sz="5400"/>
+            </a:lvl1pPr>
+          </a:lstStyle>
+          <a:p>
+            <a:r>
+              <a:rPr lang="en-US" smtClean="0"/>
+              <a:t>Click to edit Master title style</a:t>
+            </a:r>
+            <a:endParaRPr lang="en-US" dirty="0"/>
+          </a:p>
+        </p:txBody>
+      </p:sp>
+      <p:sp>
+        <p:nvSpPr>
+          <p:cNvPr id="5" name="Text Placeholder 4"/>
+          <p:cNvSpPr>
+            <a:spLocks noGrp="1"/>
+          </p:cNvSpPr>
+          <p:nvPr>
+            <p:ph type="body" sz="quarter" idx="10"/>
+          </p:nvPr>
+        </p:nvSpPr>
+        <p:spPr>
+          <a:xfrm>
+            <a:off x="519248" y="1447800"/>
+            <a:ext cx="11151917" cy="946413"/>
+          </a:xfrm>
+        </p:spPr>
+        <p:txBody>
+          <a:bodyPr/>
+          <a:lstStyle>
+            <a:lvl1pPr marL="3175" indent="0">
+              <a:spcBef>
+                <a:spcPts val="0"/>
+              </a:spcBef>
+              <a:spcAft>
+                <a:spcPts val="900"/>
+              </a:spcAft>
+              <a:buSzPct val="80000"/>
+              <a:buFont typeface="Arial" pitchFamily="34" charset="0"/>
+              <a:buNone/>
+              <a:defRPr sz="4000" spc="-100" baseline="0">
+                <a:gradFill>
+                  <a:gsLst>
+                    <a:gs pos="0">
+                      <a:srgbClr val="595959"/>
+                    </a:gs>
+                    <a:gs pos="86000">
+                      <a:srgbClr val="595959"/>
+                    </a:gs>
+                  </a:gsLst>
+                  <a:lin ang="5400000" scaled="0"/>
+                </a:gradFill>
+                <a:latin typeface="Segoe UI Light" pitchFamily="34" charset="0"/>
+              </a:defRPr>
+            </a:lvl1pPr>
+            <a:lvl2pPr marL="3175" indent="0">
+              <a:spcBef>
+                <a:spcPts val="0"/>
+              </a:spcBef>
+              <a:buSzPct val="80000"/>
+              <a:buFont typeface="Arial" pitchFamily="34" charset="0"/>
+              <a:buNone/>
+              <a:defRPr sz="2000" spc="-50" baseline="0">
+                <a:gradFill>
+                  <a:gsLst>
+                    <a:gs pos="0">
+                      <a:srgbClr val="595959"/>
+                    </a:gs>
+                    <a:gs pos="86000">
+                      <a:srgbClr val="595959"/>
+                    </a:gs>
+                  </a:gsLst>
+                  <a:lin ang="5400000" scaled="0"/>
+                </a:gradFill>
+              </a:defRPr>
+            </a:lvl2pPr>
+            <a:lvl3pPr marL="1258888" indent="-403225">
+              <a:buSzPct val="80000"/>
+              <a:buFontTx/>
+              <a:buBlip>
+                <a:blip r:embed="rId2"/>
+              </a:buBlip>
+              <a:defRPr>
+                <a:gradFill>
+                  <a:gsLst>
+                    <a:gs pos="0">
+                      <a:schemeClr val="tx1">
+                        <a:lumMod val="90000"/>
+                        <a:lumOff val="10000"/>
+                      </a:schemeClr>
+                    </a:gs>
+                    <a:gs pos="86000">
+                      <a:schemeClr val="tx1">
+                        <a:lumMod val="90000"/>
+                        <a:lumOff val="10000"/>
+                      </a:schemeClr>
+                    </a:gs>
+                  </a:gsLst>
+                  <a:lin ang="5400000" scaled="0"/>
+                </a:gradFill>
+              </a:defRPr>
+            </a:lvl3pPr>
+            <a:lvl4pPr marL="1604963" indent="-346075">
+              <a:buSzPct val="80000"/>
+              <a:buFontTx/>
+              <a:buBlip>
+                <a:blip r:embed="rId2"/>
+              </a:buBlip>
+              <a:defRPr>
+                <a:gradFill>
+                  <a:gsLst>
+                    <a:gs pos="0">
+                      <a:schemeClr val="tx1">
+                        <a:lumMod val="90000"/>
+                        <a:lumOff val="10000"/>
+                      </a:schemeClr>
+                    </a:gs>
+                    <a:gs pos="86000">
+                      <a:schemeClr val="tx1">
+                        <a:lumMod val="90000"/>
+                        <a:lumOff val="10000"/>
+                      </a:schemeClr>
+                    </a:gs>
+                  </a:gsLst>
+                  <a:lin ang="5400000" scaled="0"/>
+                </a:gradFill>
+              </a:defRPr>
+            </a:lvl4pPr>
+            <a:lvl5pPr marL="1941513" indent="-336550">
+              <a:buSzPct val="80000"/>
+              <a:buFontTx/>
+              <a:buBlip>
+                <a:blip r:embed="rId2"/>
+              </a:buBlip>
+              <a:defRPr>
+                <a:gradFill>
+                  <a:gsLst>
+                    <a:gs pos="0">
+                      <a:schemeClr val="tx1">
+                        <a:lumMod val="90000"/>
+                        <a:lumOff val="10000"/>
+                      </a:schemeClr>
+                    </a:gs>
+                    <a:gs pos="86000">
+                      <a:schemeClr val="tx1">
+                        <a:lumMod val="90000"/>
+                        <a:lumOff val="10000"/>
+                      </a:schemeClr>
+                    </a:gs>
+                  </a:gsLst>
+                  <a:lin ang="5400000" scaled="0"/>
+                </a:gradFill>
+              </a:defRPr>
+            </a:lvl5pPr>
+          </a:lstStyle>
+          <a:p>
+            <a:pPr lvl="0"/>
+            <a:r>
+              <a:rPr lang="en-US" smtClean="0"/>
+              <a:t>Click to edit Master text styles</a:t>
+            </a:r>
+          </a:p>
+          <a:p>
+            <a:pPr lvl="1"/>
+            <a:r>
+              <a:rPr lang="en-US" smtClean="0"/>
+              <a:t>Second level</a:t>
+            </a:r>
+          </a:p>
+        </p:txBody>
+      </p:sp>
+    </p:spTree>
+    <p:extLst>
+      <p:ext uri="{BB962C8B-B14F-4D97-AF65-F5344CB8AC3E}">
+        <p14:creationId xmlns:p14="http://schemas.microsoft.com/office/powerpoint/2010/main" val="761534793"/>
+      </p:ext>
+    </p:extLst>
+  </p:cSld>
+  <p:clrMapOvr>
+    <a:masterClrMapping/>
+  </p:clrMapOvr>
+  <p:transition>
+    <p:fade/>
+  </p:transition>
+</p:sldLayout>
+</file>
+
+<file path=ppt/slideLayouts/slideLayout66.xml><?xml version="1.0" encoding="utf-8"?>
+<p:sldLayout xmlns:a="http://schemas.openxmlformats.org/drawingml/2006/main" xmlns:r="http://schemas.openxmlformats.org/officeDocument/2006/relationships" xmlns:p="http://schemas.openxmlformats.org/presentationml/2006/main" userDrawn="1">
+  <p:cSld name="7_Title and Content">
+    <p:spTree>
+      <p:nvGrpSpPr>
+        <p:cNvPr id="1" name=""/>
+        <p:cNvGrpSpPr/>
+        <p:nvPr/>
+      </p:nvGrpSpPr>
+      <p:grpSpPr>
+        <a:xfrm>
+          <a:off x="0" y="0"/>
+          <a:ext cx="0" cy="0"/>
+          <a:chOff x="0" y="0"/>
+          <a:chExt cx="0" cy="0"/>
+        </a:xfrm>
+      </p:grpSpPr>
+      <p:sp>
+        <p:nvSpPr>
+          <p:cNvPr id="2" name="Title 1"/>
+          <p:cNvSpPr>
+            <a:spLocks noGrp="1"/>
+          </p:cNvSpPr>
+          <p:nvPr>
+            <p:ph type="title"/>
+          </p:nvPr>
+        </p:nvSpPr>
+        <p:spPr>
+          <a:xfrm>
+            <a:off x="519248" y="228601"/>
+            <a:ext cx="11151917" cy="747897"/>
+          </a:xfrm>
+        </p:spPr>
+        <p:txBody>
+          <a:bodyPr/>
+          <a:lstStyle>
+            <a:lvl1pPr>
+              <a:defRPr sz="5400"/>
+            </a:lvl1pPr>
+          </a:lstStyle>
+          <a:p>
+            <a:r>
+              <a:rPr lang="en-US" smtClean="0"/>
+              <a:t>Click to edit Master title style</a:t>
+            </a:r>
+            <a:endParaRPr lang="en-US" dirty="0"/>
+          </a:p>
+        </p:txBody>
+      </p:sp>
+      <p:sp>
+        <p:nvSpPr>
+          <p:cNvPr id="5" name="Text Placeholder 4"/>
+          <p:cNvSpPr>
+            <a:spLocks noGrp="1"/>
+          </p:cNvSpPr>
+          <p:nvPr>
+            <p:ph type="body" sz="quarter" idx="10"/>
+          </p:nvPr>
+        </p:nvSpPr>
+        <p:spPr>
+          <a:xfrm>
+            <a:off x="519248" y="1447800"/>
+            <a:ext cx="11151917" cy="946413"/>
+          </a:xfrm>
+        </p:spPr>
+        <p:txBody>
+          <a:bodyPr/>
+          <a:lstStyle>
+            <a:lvl1pPr marL="3175" indent="0">
+              <a:spcBef>
+                <a:spcPts val="0"/>
+              </a:spcBef>
+              <a:spcAft>
+                <a:spcPts val="900"/>
+              </a:spcAft>
+              <a:buSzPct val="80000"/>
+              <a:buFont typeface="Arial" pitchFamily="34" charset="0"/>
+              <a:buNone/>
+              <a:defRPr sz="4000" spc="-100" baseline="0">
+                <a:gradFill>
+                  <a:gsLst>
+                    <a:gs pos="0">
+                      <a:srgbClr val="595959"/>
+                    </a:gs>
+                    <a:gs pos="86000">
+                      <a:srgbClr val="595959"/>
+                    </a:gs>
+                  </a:gsLst>
+                  <a:lin ang="5400000" scaled="0"/>
+                </a:gradFill>
+                <a:latin typeface="Segoe UI Light" pitchFamily="34" charset="0"/>
+              </a:defRPr>
+            </a:lvl1pPr>
+            <a:lvl2pPr marL="3175" indent="0">
+              <a:spcBef>
+                <a:spcPts val="0"/>
+              </a:spcBef>
+              <a:buSzPct val="80000"/>
+              <a:buFont typeface="Arial" pitchFamily="34" charset="0"/>
+              <a:buNone/>
+              <a:defRPr sz="2000" spc="-50" baseline="0">
+                <a:gradFill>
+                  <a:gsLst>
+                    <a:gs pos="0">
+                      <a:srgbClr val="595959"/>
+                    </a:gs>
+                    <a:gs pos="86000">
+                      <a:srgbClr val="595959"/>
+                    </a:gs>
+                  </a:gsLst>
+                  <a:lin ang="5400000" scaled="0"/>
+                </a:gradFill>
+              </a:defRPr>
+            </a:lvl2pPr>
+            <a:lvl3pPr marL="1258888" indent="-403225">
+              <a:buSzPct val="80000"/>
+              <a:buFontTx/>
+              <a:buBlip>
+                <a:blip r:embed="rId2"/>
+              </a:buBlip>
+              <a:defRPr>
+                <a:gradFill>
+                  <a:gsLst>
+                    <a:gs pos="0">
+                      <a:schemeClr val="tx1">
+                        <a:lumMod val="90000"/>
+                        <a:lumOff val="10000"/>
+                      </a:schemeClr>
+                    </a:gs>
+                    <a:gs pos="86000">
+                      <a:schemeClr val="tx1">
+                        <a:lumMod val="90000"/>
+                        <a:lumOff val="10000"/>
+                      </a:schemeClr>
+                    </a:gs>
+                  </a:gsLst>
+                  <a:lin ang="5400000" scaled="0"/>
+                </a:gradFill>
+              </a:defRPr>
+            </a:lvl3pPr>
+            <a:lvl4pPr marL="1604963" indent="-346075">
+              <a:buSzPct val="80000"/>
+              <a:buFontTx/>
+              <a:buBlip>
+                <a:blip r:embed="rId2"/>
+              </a:buBlip>
+              <a:defRPr>
+                <a:gradFill>
+                  <a:gsLst>
+                    <a:gs pos="0">
+                      <a:schemeClr val="tx1">
+                        <a:lumMod val="90000"/>
+                        <a:lumOff val="10000"/>
+                      </a:schemeClr>
+                    </a:gs>
+                    <a:gs pos="86000">
+                      <a:schemeClr val="tx1">
+                        <a:lumMod val="90000"/>
+                        <a:lumOff val="10000"/>
+                      </a:schemeClr>
+                    </a:gs>
+                  </a:gsLst>
+                  <a:lin ang="5400000" scaled="0"/>
+                </a:gradFill>
+              </a:defRPr>
+            </a:lvl4pPr>
+            <a:lvl5pPr marL="1941513" indent="-336550">
+              <a:buSzPct val="80000"/>
+              <a:buFontTx/>
+              <a:buBlip>
+                <a:blip r:embed="rId2"/>
+              </a:buBlip>
+              <a:defRPr>
+                <a:gradFill>
+                  <a:gsLst>
+                    <a:gs pos="0">
+                      <a:schemeClr val="tx1">
+                        <a:lumMod val="90000"/>
+                        <a:lumOff val="10000"/>
+                      </a:schemeClr>
+                    </a:gs>
+                    <a:gs pos="86000">
+                      <a:schemeClr val="tx1">
+                        <a:lumMod val="90000"/>
+                        <a:lumOff val="10000"/>
+                      </a:schemeClr>
+                    </a:gs>
+                  </a:gsLst>
+                  <a:lin ang="5400000" scaled="0"/>
+                </a:gradFill>
+              </a:defRPr>
+            </a:lvl5pPr>
+          </a:lstStyle>
+          <a:p>
+            <a:pPr lvl="0"/>
+            <a:r>
+              <a:rPr lang="en-US" smtClean="0"/>
+              <a:t>Click to edit Master text styles</a:t>
+            </a:r>
+          </a:p>
+          <a:p>
+            <a:pPr lvl="1"/>
+            <a:r>
+              <a:rPr lang="en-US" smtClean="0"/>
+              <a:t>Second level</a:t>
+            </a:r>
+          </a:p>
+        </p:txBody>
+      </p:sp>
+    </p:spTree>
+    <p:extLst>
+      <p:ext uri="{BB962C8B-B14F-4D97-AF65-F5344CB8AC3E}">
+        <p14:creationId xmlns:p14="http://schemas.microsoft.com/office/powerpoint/2010/main" val="2656002016"/>
+      </p:ext>
+    </p:extLst>
+  </p:cSld>
+  <p:clrMapOvr>
+    <a:masterClrMapping/>
+  </p:clrMapOvr>
+  <p:transition>
+    <p:fade/>
+  </p:transition>
+</p:sldLayout>
+</file>
+
+<file path=ppt/slideLayouts/slideLayout67.xml><?xml version="1.0" encoding="utf-8"?>
+<p:sldLayout xmlns:a="http://schemas.openxmlformats.org/drawingml/2006/main" xmlns:r="http://schemas.openxmlformats.org/officeDocument/2006/relationships" xmlns:p="http://schemas.openxmlformats.org/presentationml/2006/main" showMasterSp="0" userDrawn="1">
+  <p:cSld name="1_Demo, Video etc. &quot;special&quot; slides">
+    <p:bg>
+      <p:bgPr>
+        <a:solidFill>
+          <a:schemeClr val="accent1">
+            <a:alpha val="99000"/>
+          </a:schemeClr>
+        </a:solidFill>
+        <a:effectLst/>
+      </p:bgPr>
+    </p:bg>
+    <p:spTree>
+      <p:nvGrpSpPr>
+        <p:cNvPr id="1" name=""/>
+        <p:cNvGrpSpPr/>
+        <p:nvPr/>
+      </p:nvGrpSpPr>
+      <p:grpSpPr>
+        <a:xfrm>
+          <a:off x="0" y="0"/>
+          <a:ext cx="0" cy="0"/>
+          <a:chOff x="0" y="0"/>
+          <a:chExt cx="0" cy="0"/>
+        </a:xfrm>
+      </p:grpSpPr>
+      <p:sp>
+        <p:nvSpPr>
+          <p:cNvPr id="2" name="Title 1"/>
+          <p:cNvSpPr>
+            <a:spLocks noGrp="1"/>
+          </p:cNvSpPr>
+          <p:nvPr>
+            <p:ph type="ctrTitle"/>
+          </p:nvPr>
+        </p:nvSpPr>
+        <p:spPr>
+          <a:xfrm>
+            <a:off x="1889617" y="1447800"/>
+            <a:ext cx="4206383" cy="1523494"/>
+          </a:xfrm>
+        </p:spPr>
+        <p:txBody>
+          <a:bodyPr anchor="ctr" anchorCtr="0">
+            <a:noAutofit/>
+          </a:bodyPr>
+          <a:lstStyle>
+            <a:lvl1pPr>
+              <a:lnSpc>
+                <a:spcPct val="90000"/>
+              </a:lnSpc>
+              <a:defRPr sz="4800" baseline="0">
+                <a:solidFill>
+                  <a:schemeClr val="bg1">
+                    <a:alpha val="98000"/>
+                  </a:schemeClr>
+                </a:solidFill>
+              </a:defRPr>
+            </a:lvl1pPr>
+          </a:lstStyle>
+          <a:p>
+            <a:r>
+              <a:rPr lang="en-US" smtClean="0"/>
+              <a:t>Click to edit Master title style</a:t>
+            </a:r>
+            <a:endParaRPr lang="en-US" dirty="0"/>
+          </a:p>
+        </p:txBody>
+      </p:sp>
+      <p:sp>
+        <p:nvSpPr>
+          <p:cNvPr id="3" name="Subtitle 2"/>
+          <p:cNvSpPr>
+            <a:spLocks noGrp="1"/>
+          </p:cNvSpPr>
+          <p:nvPr>
+            <p:ph type="subTitle" idx="1"/>
+          </p:nvPr>
+        </p:nvSpPr>
+        <p:spPr>
+          <a:xfrm>
+            <a:off x="1889617" y="5630473"/>
+            <a:ext cx="4206384" cy="461665"/>
+          </a:xfrm>
+        </p:spPr>
+        <p:txBody>
+          <a:bodyPr>
+            <a:noAutofit/>
+          </a:bodyPr>
+          <a:lstStyle>
+            <a:lvl1pPr marL="0" indent="0" algn="l" defTabSz="914363" rtl="0" eaLnBrk="1" latinLnBrk="0" hangingPunct="1">
+              <a:lnSpc>
+                <a:spcPct val="90000"/>
+              </a:lnSpc>
+              <a:spcBef>
+                <a:spcPts val="0"/>
+              </a:spcBef>
+              <a:buSzPct val="80000"/>
+              <a:buFont typeface="Arial" pitchFamily="34" charset="0"/>
+              <a:buNone/>
+              <a:defRPr lang="en-US" sz="2400" kern="1200" dirty="0">
+                <a:solidFill>
+                  <a:schemeClr val="bg1">
+                    <a:alpha val="99000"/>
+                  </a:schemeClr>
+                </a:solidFill>
+                <a:latin typeface="+mn-lt"/>
+                <a:ea typeface="+mn-ea"/>
+                <a:cs typeface="+mn-cs"/>
+              </a:defRPr>
+            </a:lvl1pPr>
+            <a:lvl2pPr marL="457182" indent="0" algn="ctr">
+              <a:buNone/>
+              <a:defRPr>
+                <a:solidFill>
+                  <a:schemeClr val="tx1">
+                    <a:tint val="75000"/>
+                  </a:schemeClr>
+                </a:solidFill>
+              </a:defRPr>
+            </a:lvl2pPr>
+            <a:lvl3pPr marL="914363" indent="0" algn="ctr">
+              <a:buNone/>
+              <a:defRPr>
+                <a:solidFill>
+                  <a:schemeClr val="tx1">
+                    <a:tint val="75000"/>
+                  </a:schemeClr>
+                </a:solidFill>
+              </a:defRPr>
+            </a:lvl3pPr>
+            <a:lvl4pPr marL="1371545" indent="0" algn="ctr">
+              <a:buNone/>
+              <a:defRPr>
+                <a:solidFill>
+                  <a:schemeClr val="tx1">
+                    <a:tint val="75000"/>
+                  </a:schemeClr>
+                </a:solidFill>
+              </a:defRPr>
+            </a:lvl4pPr>
+            <a:lvl5pPr marL="1828727" indent="0" algn="ctr">
+              <a:buNone/>
+              <a:defRPr>
+                <a:solidFill>
+                  <a:schemeClr val="tx1">
+                    <a:tint val="75000"/>
+                  </a:schemeClr>
+                </a:solidFill>
+              </a:defRPr>
+            </a:lvl5pPr>
+            <a:lvl6pPr marL="2285909" indent="0" algn="ctr">
+              <a:buNone/>
+              <a:defRPr>
+                <a:solidFill>
+                  <a:schemeClr val="tx1">
+                    <a:tint val="75000"/>
+                  </a:schemeClr>
+                </a:solidFill>
+              </a:defRPr>
+            </a:lvl6pPr>
+            <a:lvl7pPr marL="2743090" indent="0" algn="ctr">
+              <a:buNone/>
+              <a:defRPr>
+                <a:solidFill>
+                  <a:schemeClr val="tx1">
+                    <a:tint val="75000"/>
+                  </a:schemeClr>
+                </a:solidFill>
+              </a:defRPr>
+            </a:lvl7pPr>
+            <a:lvl8pPr marL="3200272" indent="0" algn="ctr">
+              <a:buNone/>
+              <a:defRPr>
+                <a:solidFill>
+                  <a:schemeClr val="tx1">
+                    <a:tint val="75000"/>
+                  </a:schemeClr>
+                </a:solidFill>
+              </a:defRPr>
+            </a:lvl8pPr>
+            <a:lvl9pPr marL="3657454" indent="0" algn="ctr">
+              <a:buNone/>
+              <a:defRPr>
+                <a:solidFill>
+                  <a:schemeClr val="tx1">
+                    <a:tint val="75000"/>
+                  </a:schemeClr>
+                </a:solidFill>
+              </a:defRPr>
+            </a:lvl9pPr>
+          </a:lstStyle>
+          <a:p>
+            <a:r>
+              <a:rPr lang="en-US" smtClean="0"/>
+              <a:t>Click to edit Master subtitle style</a:t>
+            </a:r>
+            <a:endParaRPr lang="en-US" dirty="0"/>
+          </a:p>
+        </p:txBody>
+      </p:sp>
+      <p:sp>
+        <p:nvSpPr>
+          <p:cNvPr id="7" name="Text Placeholder 6"/>
+          <p:cNvSpPr>
+            <a:spLocks noGrp="1"/>
+          </p:cNvSpPr>
+          <p:nvPr>
+            <p:ph type="body" sz="quarter" idx="10" hasCustomPrompt="1"/>
+          </p:nvPr>
+        </p:nvSpPr>
+        <p:spPr>
+          <a:xfrm>
+            <a:off x="1889617" y="4160520"/>
+            <a:ext cx="8874849" cy="1274538"/>
+          </a:xfrm>
+        </p:spPr>
+        <p:txBody>
+          <a:bodyPr anchor="t" anchorCtr="0">
+            <a:noAutofit/>
+            <a:scene3d>
+              <a:camera prst="orthographicFront"/>
+              <a:lightRig rig="flat" dir="t"/>
+            </a:scene3d>
+            <a:sp3d>
+              <a:contourClr>
+                <a:schemeClr val="bg2"/>
+              </a:contourClr>
+            </a:sp3d>
+          </a:bodyPr>
+          <a:lstStyle>
+            <a:lvl1pPr marL="0" indent="0" algn="l">
+              <a:buFont typeface="Arial" pitchFamily="34" charset="0"/>
+              <a:buNone/>
+              <a:defRPr kumimoji="0" lang="en-US" sz="6600" b="0" i="0" u="none" strike="noStrike" kern="1200" cap="none" spc="-642" normalizeH="0" baseline="0" noProof="0" dirty="0" smtClean="0">
+                <a:ln w="11430"/>
+                <a:solidFill>
+                  <a:schemeClr val="accent1">
+                    <a:lumMod val="40000"/>
+                    <a:lumOff val="60000"/>
+                    <a:alpha val="99000"/>
+                  </a:schemeClr>
+                </a:solidFill>
+                <a:effectLst/>
+                <a:uLnTx/>
+                <a:uFillTx/>
+                <a:latin typeface="Segoe UI Light" pitchFamily="34" charset="0"/>
+                <a:ea typeface="+mn-ea"/>
+                <a:cs typeface="+mn-cs"/>
+              </a:defRPr>
+            </a:lvl1pPr>
+          </a:lstStyle>
+          <a:p>
+            <a:pPr lvl="0"/>
+            <a:r>
+              <a:rPr lang="en-US" dirty="0" smtClean="0"/>
+              <a:t>click to…</a:t>
+            </a:r>
+          </a:p>
+        </p:txBody>
+      </p:sp>
+      <p:grpSp>
+        <p:nvGrpSpPr>
+          <p:cNvPr id="9" name="Group 8"/>
+          <p:cNvGrpSpPr/>
+          <p:nvPr userDrawn="1"/>
+        </p:nvGrpSpPr>
+        <p:grpSpPr>
+          <a:xfrm>
+            <a:off x="7715394" y="2136047"/>
+            <a:ext cx="3500039" cy="2114058"/>
+            <a:chOff x="1411369" y="3975421"/>
+            <a:chExt cx="1714604" cy="1035908"/>
+          </a:xfrm>
+        </p:grpSpPr>
+        <p:sp>
+          <p:nvSpPr>
+            <p:cNvPr id="12" name="Freeform 6"/>
+            <p:cNvSpPr>
+              <a:spLocks/>
+            </p:cNvSpPr>
+            <p:nvPr userDrawn="1"/>
+          </p:nvSpPr>
+          <p:spPr bwMode="auto">
+            <a:xfrm>
+              <a:off x="1900471" y="3975421"/>
+              <a:ext cx="1225502" cy="656717"/>
+            </a:xfrm>
+            <a:custGeom>
+              <a:avLst/>
+              <a:gdLst>
+                <a:gd name="T0" fmla="*/ 138 w 189"/>
+                <a:gd name="T1" fmla="*/ 0 h 101"/>
+                <a:gd name="T2" fmla="*/ 94 w 189"/>
+                <a:gd name="T3" fmla="*/ 26 h 101"/>
+                <a:gd name="T4" fmla="*/ 75 w 189"/>
+                <a:gd name="T5" fmla="*/ 21 h 101"/>
+                <a:gd name="T6" fmla="*/ 40 w 189"/>
+                <a:gd name="T7" fmla="*/ 42 h 101"/>
+                <a:gd name="T8" fmla="*/ 29 w 189"/>
+                <a:gd name="T9" fmla="*/ 40 h 101"/>
+                <a:gd name="T10" fmla="*/ 0 w 189"/>
+                <a:gd name="T11" fmla="*/ 64 h 101"/>
+                <a:gd name="T12" fmla="*/ 11 w 189"/>
+                <a:gd name="T13" fmla="*/ 62 h 101"/>
+                <a:gd name="T14" fmla="*/ 30 w 189"/>
+                <a:gd name="T15" fmla="*/ 66 h 101"/>
+                <a:gd name="T16" fmla="*/ 82 w 189"/>
+                <a:gd name="T17" fmla="*/ 39 h 101"/>
+                <a:gd name="T18" fmla="*/ 145 w 189"/>
+                <a:gd name="T19" fmla="*/ 101 h 101"/>
+                <a:gd name="T20" fmla="*/ 189 w 189"/>
+                <a:gd name="T21" fmla="*/ 51 h 101"/>
+                <a:gd name="T22" fmla="*/ 138 w 189"/>
+                <a:gd name="T23" fmla="*/ 0 h 101"/>
+              </a:gdLst>
+              <a:ahLst/>
+              <a:cxnLst>
+                <a:cxn ang="0">
+                  <a:pos x="T0" y="T1"/>
+                </a:cxn>
+                <a:cxn ang="0">
+                  <a:pos x="T2" y="T3"/>
+                </a:cxn>
+                <a:cxn ang="0">
+                  <a:pos x="T4" y="T5"/>
+                </a:cxn>
+                <a:cxn ang="0">
+                  <a:pos x="T6" y="T7"/>
+                </a:cxn>
+                <a:cxn ang="0">
+                  <a:pos x="T8" y="T9"/>
+                </a:cxn>
+                <a:cxn ang="0">
+                  <a:pos x="T10" y="T11"/>
+                </a:cxn>
+                <a:cxn ang="0">
+                  <a:pos x="T12" y="T13"/>
+                </a:cxn>
+                <a:cxn ang="0">
+                  <a:pos x="T14" y="T15"/>
+                </a:cxn>
+                <a:cxn ang="0">
+                  <a:pos x="T16" y="T17"/>
+                </a:cxn>
+                <a:cxn ang="0">
+                  <a:pos x="T18" y="T19"/>
+                </a:cxn>
+                <a:cxn ang="0">
+                  <a:pos x="T20" y="T21"/>
+                </a:cxn>
+                <a:cxn ang="0">
+                  <a:pos x="T22" y="T23"/>
+                </a:cxn>
+              </a:cxnLst>
+              <a:rect l="0" t="0" r="r" b="b"/>
+              <a:pathLst>
+                <a:path w="189" h="101">
+                  <a:moveTo>
+                    <a:pt x="138" y="0"/>
+                  </a:moveTo>
+                  <a:cubicBezTo>
+                    <a:pt x="119" y="0"/>
+                    <a:pt x="103" y="10"/>
+                    <a:pt x="94" y="26"/>
+                  </a:cubicBezTo>
+                  <a:cubicBezTo>
+                    <a:pt x="89" y="23"/>
+                    <a:pt x="82" y="21"/>
+                    <a:pt x="75" y="21"/>
+                  </a:cubicBezTo>
+                  <a:cubicBezTo>
+                    <a:pt x="60" y="21"/>
+                    <a:pt x="46" y="30"/>
+                    <a:pt x="40" y="42"/>
+                  </a:cubicBezTo>
+                  <a:cubicBezTo>
+                    <a:pt x="36" y="41"/>
+                    <a:pt x="33" y="40"/>
+                    <a:pt x="29" y="40"/>
+                  </a:cubicBezTo>
+                  <a:cubicBezTo>
+                    <a:pt x="15" y="40"/>
+                    <a:pt x="3" y="50"/>
+                    <a:pt x="0" y="64"/>
+                  </a:cubicBezTo>
+                  <a:cubicBezTo>
+                    <a:pt x="3" y="63"/>
+                    <a:pt x="7" y="62"/>
+                    <a:pt x="11" y="62"/>
+                  </a:cubicBezTo>
+                  <a:cubicBezTo>
+                    <a:pt x="17" y="62"/>
+                    <a:pt x="24" y="64"/>
+                    <a:pt x="30" y="66"/>
+                  </a:cubicBezTo>
+                  <a:cubicBezTo>
+                    <a:pt x="42" y="49"/>
+                    <a:pt x="61" y="39"/>
+                    <a:pt x="82" y="39"/>
+                  </a:cubicBezTo>
+                  <a:cubicBezTo>
+                    <a:pt x="117" y="39"/>
+                    <a:pt x="145" y="67"/>
+                    <a:pt x="145" y="101"/>
+                  </a:cubicBezTo>
+                  <a:cubicBezTo>
+                    <a:pt x="170" y="98"/>
+                    <a:pt x="189" y="77"/>
+                    <a:pt x="189" y="51"/>
+                  </a:cubicBezTo>
+                  <a:cubicBezTo>
+                    <a:pt x="189" y="22"/>
+                    <a:pt x="167" y="0"/>
+                    <a:pt x="138" y="0"/>
+                  </a:cubicBezTo>
+                  <a:close/>
+                </a:path>
+              </a:pathLst>
+            </a:custGeom>
+            <a:solidFill>
+              <a:schemeClr val="bg1"/>
+            </a:solidFill>
+            <a:ln>
+              <a:noFill/>
+            </a:ln>
+          </p:spPr>
+          <p:txBody>
+            <a:bodyPr vert="horz" wrap="square" lIns="91440" tIns="45720" rIns="91440" bIns="45720" numCol="1" anchor="t" anchorCtr="0" compatLnSpc="1">
+              <a:prstTxWarp prst="textNoShape">
+                <a:avLst/>
+              </a:prstTxWarp>
+            </a:bodyPr>
+            <a:lstStyle/>
+            <a:p>
+              <a:endParaRPr lang="en-US" sz="1800"/>
+            </a:p>
+          </p:txBody>
+        </p:sp>
+        <p:sp>
+          <p:nvSpPr>
+            <p:cNvPr id="15" name="Freeform 7"/>
+            <p:cNvSpPr>
+              <a:spLocks/>
+            </p:cNvSpPr>
+            <p:nvPr userDrawn="1"/>
+          </p:nvSpPr>
+          <p:spPr bwMode="auto">
+            <a:xfrm>
+              <a:off x="1411369" y="4269433"/>
+              <a:ext cx="1390368" cy="741896"/>
+            </a:xfrm>
+            <a:custGeom>
+              <a:avLst/>
+              <a:gdLst>
+                <a:gd name="T0" fmla="*/ 157 w 214"/>
+                <a:gd name="T1" fmla="*/ 0 h 114"/>
+                <a:gd name="T2" fmla="*/ 107 w 214"/>
+                <a:gd name="T3" fmla="*/ 29 h 114"/>
+                <a:gd name="T4" fmla="*/ 86 w 214"/>
+                <a:gd name="T5" fmla="*/ 23 h 114"/>
+                <a:gd name="T6" fmla="*/ 46 w 214"/>
+                <a:gd name="T7" fmla="*/ 48 h 114"/>
+                <a:gd name="T8" fmla="*/ 34 w 214"/>
+                <a:gd name="T9" fmla="*/ 45 h 114"/>
+                <a:gd name="T10" fmla="*/ 0 w 214"/>
+                <a:gd name="T11" fmla="*/ 80 h 114"/>
+                <a:gd name="T12" fmla="*/ 34 w 214"/>
+                <a:gd name="T13" fmla="*/ 114 h 114"/>
+                <a:gd name="T14" fmla="*/ 86 w 214"/>
+                <a:gd name="T15" fmla="*/ 114 h 114"/>
+                <a:gd name="T16" fmla="*/ 157 w 214"/>
+                <a:gd name="T17" fmla="*/ 114 h 114"/>
+                <a:gd name="T18" fmla="*/ 214 w 214"/>
+                <a:gd name="T19" fmla="*/ 57 h 114"/>
+                <a:gd name="T20" fmla="*/ 157 w 214"/>
+                <a:gd name="T21" fmla="*/ 0 h 114"/>
+              </a:gdLst>
+              <a:ahLst/>
+              <a:cxnLst>
+                <a:cxn ang="0">
+                  <a:pos x="T0" y="T1"/>
+                </a:cxn>
+                <a:cxn ang="0">
+                  <a:pos x="T2" y="T3"/>
+                </a:cxn>
+                <a:cxn ang="0">
+                  <a:pos x="T4" y="T5"/>
+                </a:cxn>
+                <a:cxn ang="0">
+                  <a:pos x="T6" y="T7"/>
+                </a:cxn>
+                <a:cxn ang="0">
+                  <a:pos x="T8" y="T9"/>
+                </a:cxn>
+                <a:cxn ang="0">
+                  <a:pos x="T10" y="T11"/>
+                </a:cxn>
+                <a:cxn ang="0">
+                  <a:pos x="T12" y="T13"/>
+                </a:cxn>
+                <a:cxn ang="0">
+                  <a:pos x="T14" y="T15"/>
+                </a:cxn>
+                <a:cxn ang="0">
+                  <a:pos x="T16" y="T17"/>
+                </a:cxn>
+                <a:cxn ang="0">
+                  <a:pos x="T18" y="T19"/>
+                </a:cxn>
+                <a:cxn ang="0">
+                  <a:pos x="T20" y="T21"/>
+                </a:cxn>
+              </a:cxnLst>
+              <a:rect l="0" t="0" r="r" b="b"/>
+              <a:pathLst>
+                <a:path w="214" h="114">
+                  <a:moveTo>
+                    <a:pt x="157" y="0"/>
+                  </a:moveTo>
+                  <a:cubicBezTo>
+                    <a:pt x="136" y="0"/>
+                    <a:pt x="117" y="11"/>
+                    <a:pt x="107" y="29"/>
+                  </a:cubicBezTo>
+                  <a:cubicBezTo>
+                    <a:pt x="101" y="25"/>
+                    <a:pt x="94" y="23"/>
+                    <a:pt x="86" y="23"/>
+                  </a:cubicBezTo>
+                  <a:cubicBezTo>
+                    <a:pt x="69" y="23"/>
+                    <a:pt x="54" y="33"/>
+                    <a:pt x="46" y="48"/>
+                  </a:cubicBezTo>
+                  <a:cubicBezTo>
+                    <a:pt x="42" y="46"/>
+                    <a:pt x="38" y="45"/>
+                    <a:pt x="34" y="45"/>
+                  </a:cubicBezTo>
+                  <a:cubicBezTo>
+                    <a:pt x="15" y="45"/>
+                    <a:pt x="0" y="61"/>
+                    <a:pt x="0" y="80"/>
+                  </a:cubicBezTo>
+                  <a:cubicBezTo>
+                    <a:pt x="0" y="99"/>
+                    <a:pt x="15" y="114"/>
+                    <a:pt x="34" y="114"/>
+                  </a:cubicBezTo>
+                  <a:cubicBezTo>
+                    <a:pt x="86" y="114"/>
+                    <a:pt x="86" y="114"/>
+                    <a:pt x="86" y="114"/>
+                  </a:cubicBezTo>
+                  <a:cubicBezTo>
+                    <a:pt x="157" y="114"/>
+                    <a:pt x="157" y="114"/>
+                    <a:pt x="157" y="114"/>
+                  </a:cubicBezTo>
+                  <a:cubicBezTo>
+                    <a:pt x="189" y="114"/>
+                    <a:pt x="214" y="89"/>
+                    <a:pt x="214" y="57"/>
+                  </a:cubicBezTo>
+                  <a:cubicBezTo>
+                    <a:pt x="214" y="25"/>
+                    <a:pt x="189" y="0"/>
+                    <a:pt x="157" y="0"/>
+                  </a:cubicBezTo>
+                  <a:close/>
+                </a:path>
+              </a:pathLst>
+            </a:custGeom>
+            <a:solidFill>
+              <a:schemeClr val="bg1"/>
+            </a:solidFill>
+            <a:ln>
+              <a:noFill/>
+            </a:ln>
+          </p:spPr>
+          <p:txBody>
+            <a:bodyPr vert="horz" wrap="square" lIns="91440" tIns="45720" rIns="91440" bIns="45720" numCol="1" anchor="t" anchorCtr="0" compatLnSpc="1">
+              <a:prstTxWarp prst="textNoShape">
+                <a:avLst/>
+              </a:prstTxWarp>
+            </a:bodyPr>
+            <a:lstStyle/>
+            <a:p>
+              <a:endParaRPr lang="en-US" sz="1800"/>
+            </a:p>
+          </p:txBody>
+        </p:sp>
+      </p:grpSp>
+    </p:spTree>
+    <p:extLst>
+      <p:ext uri="{BB962C8B-B14F-4D97-AF65-F5344CB8AC3E}">
+        <p14:creationId xmlns:p14="http://schemas.microsoft.com/office/powerpoint/2010/main" val="3651413330"/>
+      </p:ext>
+    </p:extLst>
+  </p:cSld>
+  <p:clrMapOvr>
+    <a:masterClrMapping/>
+  </p:clrMapOvr>
+  <p:transition>
+    <p:fade/>
+  </p:transition>
+</p:sldLayout>
+</file>
+
+<file path=ppt/slideLayouts/slideLayout68.xml><?xml version="1.0" encoding="utf-8"?>
+<p:sldLayout xmlns:a="http://schemas.openxmlformats.org/drawingml/2006/main" xmlns:r="http://schemas.openxmlformats.org/officeDocument/2006/relationships" xmlns:p="http://schemas.openxmlformats.org/presentationml/2006/main" userDrawn="1">
+  <p:cSld name="11_Title and Content">
+    <p:spTree>
+      <p:nvGrpSpPr>
+        <p:cNvPr id="1" name=""/>
+        <p:cNvGrpSpPr/>
+        <p:nvPr/>
+      </p:nvGrpSpPr>
+      <p:grpSpPr>
+        <a:xfrm>
+          <a:off x="0" y="0"/>
+          <a:ext cx="0" cy="0"/>
+          <a:chOff x="0" y="0"/>
+          <a:chExt cx="0" cy="0"/>
+        </a:xfrm>
+      </p:grpSpPr>
+      <p:sp>
+        <p:nvSpPr>
+          <p:cNvPr id="2" name="Title 1"/>
+          <p:cNvSpPr>
+            <a:spLocks noGrp="1"/>
+          </p:cNvSpPr>
+          <p:nvPr>
+            <p:ph type="title"/>
+          </p:nvPr>
+        </p:nvSpPr>
+        <p:spPr>
+          <a:xfrm>
+            <a:off x="519248" y="228601"/>
+            <a:ext cx="11151917" cy="747897"/>
+          </a:xfrm>
+        </p:spPr>
+        <p:txBody>
+          <a:bodyPr/>
+          <a:lstStyle>
+            <a:lvl1pPr>
+              <a:defRPr sz="5400"/>
+            </a:lvl1pPr>
+          </a:lstStyle>
+          <a:p>
+            <a:r>
+              <a:rPr lang="en-US" smtClean="0"/>
+              <a:t>Click to edit Master title style</a:t>
+            </a:r>
+            <a:endParaRPr lang="en-US" dirty="0"/>
+          </a:p>
+        </p:txBody>
+      </p:sp>
+      <p:sp>
+        <p:nvSpPr>
+          <p:cNvPr id="5" name="Text Placeholder 4"/>
+          <p:cNvSpPr>
+            <a:spLocks noGrp="1"/>
+          </p:cNvSpPr>
+          <p:nvPr>
+            <p:ph type="body" sz="quarter" idx="10"/>
+          </p:nvPr>
+        </p:nvSpPr>
+        <p:spPr>
+          <a:xfrm>
+            <a:off x="519248" y="1447800"/>
+            <a:ext cx="11151917" cy="946413"/>
+          </a:xfrm>
+        </p:spPr>
+        <p:txBody>
+          <a:bodyPr/>
+          <a:lstStyle>
+            <a:lvl1pPr marL="3175" indent="0">
+              <a:spcBef>
+                <a:spcPts val="0"/>
+              </a:spcBef>
+              <a:spcAft>
+                <a:spcPts val="900"/>
+              </a:spcAft>
+              <a:buSzPct val="80000"/>
+              <a:buFont typeface="Arial" pitchFamily="34" charset="0"/>
+              <a:buNone/>
+              <a:defRPr sz="4000" spc="-100" baseline="0">
+                <a:gradFill>
+                  <a:gsLst>
+                    <a:gs pos="0">
+                      <a:srgbClr val="595959"/>
+                    </a:gs>
+                    <a:gs pos="86000">
+                      <a:srgbClr val="595959"/>
+                    </a:gs>
+                  </a:gsLst>
+                  <a:lin ang="5400000" scaled="0"/>
+                </a:gradFill>
+                <a:latin typeface="Segoe UI Light" pitchFamily="34" charset="0"/>
+              </a:defRPr>
+            </a:lvl1pPr>
+            <a:lvl2pPr marL="3175" indent="0">
+              <a:spcBef>
+                <a:spcPts val="0"/>
+              </a:spcBef>
+              <a:buSzPct val="80000"/>
+              <a:buFont typeface="Arial" pitchFamily="34" charset="0"/>
+              <a:buNone/>
+              <a:defRPr sz="2000" spc="-50" baseline="0">
+                <a:gradFill>
+                  <a:gsLst>
+                    <a:gs pos="0">
+                      <a:srgbClr val="595959"/>
+                    </a:gs>
+                    <a:gs pos="86000">
+                      <a:srgbClr val="595959"/>
+                    </a:gs>
+                  </a:gsLst>
+                  <a:lin ang="5400000" scaled="0"/>
+                </a:gradFill>
+              </a:defRPr>
+            </a:lvl2pPr>
+            <a:lvl3pPr marL="1258888" indent="-403225">
+              <a:buSzPct val="80000"/>
+              <a:buFontTx/>
+              <a:buBlip>
+                <a:blip r:embed="rId2"/>
+              </a:buBlip>
+              <a:defRPr>
+                <a:gradFill>
+                  <a:gsLst>
+                    <a:gs pos="0">
+                      <a:schemeClr val="tx1">
+                        <a:lumMod val="90000"/>
+                        <a:lumOff val="10000"/>
+                      </a:schemeClr>
+                    </a:gs>
+                    <a:gs pos="86000">
+                      <a:schemeClr val="tx1">
+                        <a:lumMod val="90000"/>
+                        <a:lumOff val="10000"/>
+                      </a:schemeClr>
+                    </a:gs>
+                  </a:gsLst>
+                  <a:lin ang="5400000" scaled="0"/>
+                </a:gradFill>
+              </a:defRPr>
+            </a:lvl3pPr>
+            <a:lvl4pPr marL="1604963" indent="-346075">
+              <a:buSzPct val="80000"/>
+              <a:buFontTx/>
+              <a:buBlip>
+                <a:blip r:embed="rId2"/>
+              </a:buBlip>
+              <a:defRPr>
+                <a:gradFill>
+                  <a:gsLst>
+                    <a:gs pos="0">
+                      <a:schemeClr val="tx1">
+                        <a:lumMod val="90000"/>
+                        <a:lumOff val="10000"/>
+                      </a:schemeClr>
+                    </a:gs>
+                    <a:gs pos="86000">
+                      <a:schemeClr val="tx1">
+                        <a:lumMod val="90000"/>
+                        <a:lumOff val="10000"/>
+                      </a:schemeClr>
+                    </a:gs>
+                  </a:gsLst>
+                  <a:lin ang="5400000" scaled="0"/>
+                </a:gradFill>
+              </a:defRPr>
+            </a:lvl4pPr>
+            <a:lvl5pPr marL="1941513" indent="-336550">
+              <a:buSzPct val="80000"/>
+              <a:buFontTx/>
+              <a:buBlip>
+                <a:blip r:embed="rId2"/>
+              </a:buBlip>
+              <a:defRPr>
+                <a:gradFill>
+                  <a:gsLst>
+                    <a:gs pos="0">
+                      <a:schemeClr val="tx1">
+                        <a:lumMod val="90000"/>
+                        <a:lumOff val="10000"/>
+                      </a:schemeClr>
+                    </a:gs>
+                    <a:gs pos="86000">
+                      <a:schemeClr val="tx1">
+                        <a:lumMod val="90000"/>
+                        <a:lumOff val="10000"/>
+                      </a:schemeClr>
+                    </a:gs>
+                  </a:gsLst>
+                  <a:lin ang="5400000" scaled="0"/>
+                </a:gradFill>
+              </a:defRPr>
+            </a:lvl5pPr>
+          </a:lstStyle>
+          <a:p>
+            <a:pPr lvl="0"/>
+            <a:r>
+              <a:rPr lang="en-US" smtClean="0"/>
+              <a:t>Click to edit Master text styles</a:t>
+            </a:r>
+          </a:p>
+          <a:p>
+            <a:pPr lvl="1"/>
+            <a:r>
+              <a:rPr lang="en-US" smtClean="0"/>
+              <a:t>Second level</a:t>
+            </a:r>
+          </a:p>
+        </p:txBody>
+      </p:sp>
+    </p:spTree>
+    <p:extLst>
+      <p:ext uri="{BB962C8B-B14F-4D97-AF65-F5344CB8AC3E}">
+        <p14:creationId xmlns:p14="http://schemas.microsoft.com/office/powerpoint/2010/main" val="3639588443"/>
+      </p:ext>
+    </p:extLst>
+  </p:cSld>
+  <p:clrMapOvr>
+    <a:masterClrMapping/>
+  </p:clrMapOvr>
+  <p:transition>
+    <p:fade/>
+  </p:transition>
+</p:sldLayout>
+</file>
+
+<file path=ppt/slideLayouts/slideLayout69.xml><?xml version="1.0" encoding="utf-8"?>
+<p:sldLayout xmlns:a="http://schemas.openxmlformats.org/drawingml/2006/main" xmlns:r="http://schemas.openxmlformats.org/officeDocument/2006/relationships" xmlns:p="http://schemas.openxmlformats.org/presentationml/2006/main" userDrawn="1">
+  <p:cSld name="Title &amp; 2-color Non-bulleted text">
+    <p:spTree>
+      <p:nvGrpSpPr>
+        <p:cNvPr id="1" name=""/>
+        <p:cNvGrpSpPr/>
+        <p:nvPr/>
+      </p:nvGrpSpPr>
+      <p:grpSpPr>
+        <a:xfrm>
+          <a:off x="0" y="0"/>
+          <a:ext cx="0" cy="0"/>
+          <a:chOff x="0" y="0"/>
+          <a:chExt cx="0" cy="0"/>
+        </a:xfrm>
+      </p:grpSpPr>
+      <p:sp>
+        <p:nvSpPr>
+          <p:cNvPr id="2" name="Title 1"/>
+          <p:cNvSpPr>
+            <a:spLocks noGrp="1"/>
+          </p:cNvSpPr>
+          <p:nvPr>
+            <p:ph type="title"/>
+          </p:nvPr>
+        </p:nvSpPr>
+        <p:spPr/>
+        <p:txBody>
+          <a:bodyPr/>
+          <a:lstStyle/>
+          <a:p>
+            <a:r>
+              <a:rPr lang="en-US" smtClean="0"/>
+              <a:t>Click to edit Master title style</a:t>
+            </a:r>
+            <a:endParaRPr lang="en-US" dirty="0"/>
+          </a:p>
+        </p:txBody>
+      </p:sp>
+      <p:sp>
+        <p:nvSpPr>
+          <p:cNvPr id="6" name="Text Placeholder 5"/>
+          <p:cNvSpPr>
+            <a:spLocks noGrp="1"/>
+          </p:cNvSpPr>
+          <p:nvPr>
+            <p:ph type="body" sz="quarter" idx="10"/>
+          </p:nvPr>
+        </p:nvSpPr>
+        <p:spPr>
+          <a:xfrm>
+            <a:off x="269239" y="1189177"/>
+            <a:ext cx="11653523" cy="1985641"/>
+          </a:xfrm>
+        </p:spPr>
+        <p:txBody>
+          <a:bodyPr/>
+          <a:lstStyle>
+            <a:lvl1pPr marL="0" indent="0">
+              <a:buNone/>
+              <a:defRPr>
+                <a:gradFill>
+                  <a:gsLst>
+                    <a:gs pos="20354">
+                      <a:schemeClr val="tx2"/>
+                    </a:gs>
+                    <a:gs pos="40000">
+                      <a:schemeClr val="tx2"/>
+                    </a:gs>
+                  </a:gsLst>
+                  <a:lin ang="5400000" scaled="0"/>
+                </a:gradFill>
+              </a:defRPr>
+            </a:lvl1pPr>
+            <a:lvl2pPr marL="0" indent="0">
+              <a:buFontTx/>
+              <a:buNone/>
+              <a:defRPr sz="1961"/>
+            </a:lvl2pPr>
+            <a:lvl3pPr marL="224079" indent="0">
+              <a:buNone/>
+              <a:defRPr/>
+            </a:lvl3pPr>
+            <a:lvl4pPr marL="448157" indent="0">
+              <a:buNone/>
+              <a:defRPr/>
+            </a:lvl4pPr>
+            <a:lvl5pPr marL="672236" indent="0">
+              <a:buNone/>
+              <a:defRPr/>
+            </a:lvl5pPr>
+          </a:lstStyle>
+          <a:p>
+            <a:pPr lvl="0"/>
+            <a:r>
+              <a:rPr lang="en-US" smtClean="0"/>
+              <a:t>Click to edit Master text styles</a:t>
+            </a:r>
+          </a:p>
+          <a:p>
+            <a:pPr lvl="1"/>
+            <a:r>
+              <a:rPr lang="en-US" smtClean="0"/>
+              <a:t>Second level</a:t>
+            </a:r>
+          </a:p>
+          <a:p>
+            <a:pPr lvl="2"/>
+            <a:r>
+              <a:rPr lang="en-US" smtClean="0"/>
+              <a:t>Third level</a:t>
+            </a:r>
+          </a:p>
+          <a:p>
+            <a:pPr lvl="3"/>
+            <a:r>
+              <a:rPr lang="en-US" smtClean="0"/>
+              <a:t>Fourth level</a:t>
+            </a:r>
+          </a:p>
+          <a:p>
+            <a:pPr lvl="4"/>
+            <a:r>
+              <a:rPr lang="en-US" smtClean="0"/>
+              <a:t>Fifth level</a:t>
+            </a:r>
+            <a:endParaRPr lang="en-US" dirty="0"/>
+          </a:p>
+        </p:txBody>
+      </p:sp>
+    </p:spTree>
+    <p:extLst>
+      <p:ext uri="{BB962C8B-B14F-4D97-AF65-F5344CB8AC3E}">
+        <p14:creationId xmlns:p14="http://schemas.microsoft.com/office/powerpoint/2010/main" val="2445518800"/>
+      </p:ext>
+    </p:extLst>
+  </p:cSld>
+  <p:clrMapOvr>
+    <a:masterClrMapping/>
+  </p:clrMapOvr>
+  <p:transition>
+    <p:fade/>
+  </p:transition>
+</p:sldLayout>
+</file>
+
+<file path=ppt/slideLayouts/slideLayout7.xml><?xml version="1.0" encoding="utf-8"?>
+<p:sldLayout xmlns:a="http://schemas.openxmlformats.org/drawingml/2006/main" xmlns:r="http://schemas.openxmlformats.org/officeDocument/2006/relationships" xmlns:p="http://schemas.openxmlformats.org/presentationml/2006/main" type="title" preserve="1">
+  <p:cSld name="Title Slide">
+    <p:spTree>
+      <p:nvGrpSpPr>
+        <p:cNvPr id="1" name=""/>
+        <p:cNvGrpSpPr/>
+        <p:nvPr/>
+      </p:nvGrpSpPr>
+      <p:grpSpPr>
+        <a:xfrm>
+          <a:off x="0" y="0"/>
+          <a:ext cx="0" cy="0"/>
+          <a:chOff x="0" y="0"/>
+          <a:chExt cx="0" cy="0"/>
+        </a:xfrm>
+      </p:grpSpPr>
+      <p:sp>
+        <p:nvSpPr>
+          <p:cNvPr id="2" name="Title 1"/>
+          <p:cNvSpPr>
+            <a:spLocks noGrp="1"/>
+          </p:cNvSpPr>
+          <p:nvPr>
+            <p:ph type="ctrTitle"/>
+          </p:nvPr>
+        </p:nvSpPr>
+        <p:spPr>
+          <a:xfrm>
+            <a:off x="606175" y="1122363"/>
+            <a:ext cx="11034445" cy="2387600"/>
+          </a:xfrm>
+        </p:spPr>
+        <p:txBody>
+          <a:bodyPr anchor="b"/>
+          <a:lstStyle>
+            <a:lvl1pPr algn="l">
+              <a:defRPr sz="6000"/>
+            </a:lvl1pPr>
+          </a:lstStyle>
+          <a:p>
+            <a:r>
+              <a:rPr lang="en-US" dirty="0" smtClean="0"/>
+              <a:t>Click to edit Master title style</a:t>
+            </a:r>
+            <a:endParaRPr lang="en-US" dirty="0"/>
+          </a:p>
+        </p:txBody>
+      </p:sp>
+      <p:sp>
+        <p:nvSpPr>
+          <p:cNvPr id="3" name="Subtitle 2"/>
+          <p:cNvSpPr>
+            <a:spLocks noGrp="1"/>
+          </p:cNvSpPr>
+          <p:nvPr>
+            <p:ph type="subTitle" idx="1"/>
+          </p:nvPr>
+        </p:nvSpPr>
+        <p:spPr>
+          <a:xfrm>
+            <a:off x="606175" y="3602038"/>
+            <a:ext cx="11034445" cy="1655762"/>
+          </a:xfrm>
+        </p:spPr>
+        <p:txBody>
+          <a:bodyPr>
+            <a:normAutofit/>
+          </a:bodyPr>
+          <a:lstStyle>
+            <a:lvl1pPr marL="0" indent="0" algn="l">
+              <a:buNone/>
+              <a:defRPr sz="3600"/>
+            </a:lvl1pPr>
+            <a:lvl2pPr marL="457200" indent="0" algn="ctr">
+              <a:buNone/>
+              <a:defRPr sz="2000"/>
+            </a:lvl2pPr>
+            <a:lvl3pPr marL="914400" indent="0" algn="ctr">
+              <a:buNone/>
+              <a:defRPr sz="1800"/>
+            </a:lvl3pPr>
+            <a:lvl4pPr marL="1371600" indent="0" algn="ctr">
+              <a:buNone/>
+              <a:defRPr sz="1600"/>
+            </a:lvl4pPr>
+            <a:lvl5pPr marL="1828800" indent="0" algn="ctr">
+              <a:buNone/>
+              <a:defRPr sz="1600"/>
+            </a:lvl5pPr>
+            <a:lvl6pPr marL="2286000" indent="0" algn="ctr">
+              <a:buNone/>
+              <a:defRPr sz="1600"/>
+            </a:lvl6pPr>
+            <a:lvl7pPr marL="2743200" indent="0" algn="ctr">
+              <a:buNone/>
+              <a:defRPr sz="1600"/>
+            </a:lvl7pPr>
+            <a:lvl8pPr marL="3200400" indent="0" algn="ctr">
+              <a:buNone/>
+              <a:defRPr sz="1600"/>
+            </a:lvl8pPr>
+            <a:lvl9pPr marL="3657600" indent="0" algn="ctr">
+              <a:buNone/>
+              <a:defRPr sz="1600"/>
+            </a:lvl9pPr>
+          </a:lstStyle>
+          <a:p>
+            <a:r>
+              <a:rPr lang="en-US" dirty="0" smtClean="0"/>
+              <a:t>Click to edit Master subtitle style</a:t>
+            </a:r>
+            <a:endParaRPr lang="en-US" dirty="0"/>
+          </a:p>
+        </p:txBody>
+      </p:sp>
+    </p:spTree>
+    <p:extLst>
+      <p:ext uri="{BB962C8B-B14F-4D97-AF65-F5344CB8AC3E}">
+        <p14:creationId xmlns:p14="http://schemas.microsoft.com/office/powerpoint/2010/main" val="1878425647"/>
+      </p:ext>
+    </p:extLst>
+  </p:cSld>
+  <p:clrMapOvr>
+    <a:masterClrMapping/>
+  </p:clrMapOvr>
+</p:sldLayout>
+</file>
+
+<file path=ppt/slideLayouts/slideLayout8.xml><?xml version="1.0" encoding="utf-8"?>
+<p:sldLayout xmlns:a="http://schemas.openxmlformats.org/drawingml/2006/main" xmlns:r="http://schemas.openxmlformats.org/officeDocument/2006/relationships" xmlns:p="http://schemas.openxmlformats.org/presentationml/2006/main" type="obj" preserve="1">
+  <p:cSld name="Title and Content">
+    <p:spTree>
+      <p:nvGrpSpPr>
+        <p:cNvPr id="1" name=""/>
+        <p:cNvGrpSpPr/>
+        <p:nvPr/>
+      </p:nvGrpSpPr>
+      <p:grpSpPr>
+        <a:xfrm>
+          <a:off x="0" y="0"/>
+          <a:ext cx="0" cy="0"/>
+          <a:chOff x="0" y="0"/>
+          <a:chExt cx="0" cy="0"/>
+        </a:xfrm>
+      </p:grpSpPr>
+      <p:sp>
+        <p:nvSpPr>
+          <p:cNvPr id="2" name="Title 1"/>
+          <p:cNvSpPr>
+            <a:spLocks noGrp="1"/>
+          </p:cNvSpPr>
+          <p:nvPr>
+            <p:ph type="title"/>
+          </p:nvPr>
+        </p:nvSpPr>
+        <p:spPr/>
+        <p:txBody>
+          <a:bodyPr/>
+          <a:lstStyle/>
+          <a:p>
+            <a:r>
+              <a:rPr lang="en-US" smtClean="0"/>
+              <a:t>Click to edit Master title style</a:t>
+            </a:r>
+            <a:endParaRPr lang="en-US"/>
+          </a:p>
+        </p:txBody>
+      </p:sp>
+      <p:sp>
+        <p:nvSpPr>
+          <p:cNvPr id="3" name="Content Placeholder 2"/>
+          <p:cNvSpPr>
+            <a:spLocks noGrp="1"/>
+          </p:cNvSpPr>
+          <p:nvPr>
+            <p:ph idx="1"/>
+          </p:nvPr>
+        </p:nvSpPr>
+        <p:spPr/>
+        <p:txBody>
+          <a:bodyPr/>
+          <a:lstStyle/>
+          <a:p>
+            <a:pPr lvl="0"/>
+            <a:r>
+              <a:rPr lang="en-US" smtClean="0"/>
+              <a:t>Click to edit Master text styles</a:t>
+            </a:r>
+          </a:p>
+          <a:p>
+            <a:pPr lvl="1"/>
+            <a:r>
+              <a:rPr lang="en-US" smtClean="0"/>
+              <a:t>Second level</a:t>
+            </a:r>
+          </a:p>
+          <a:p>
+            <a:pPr lvl="2"/>
+            <a:r>
+              <a:rPr lang="en-US" smtClean="0"/>
+              <a:t>Third level</a:t>
+            </a:r>
+          </a:p>
+          <a:p>
+            <a:pPr lvl="3"/>
+            <a:r>
+              <a:rPr lang="en-US" smtClean="0"/>
+              <a:t>Fourth level</a:t>
+            </a:r>
+          </a:p>
+          <a:p>
+            <a:pPr lvl="4"/>
+            <a:r>
+              <a:rPr lang="en-US" smtClean="0"/>
+              <a:t>Fifth level</a:t>
+            </a:r>
+            <a:endParaRPr lang="en-US"/>
+          </a:p>
+        </p:txBody>
+      </p:sp>
+      <p:sp>
+        <p:nvSpPr>
+          <p:cNvPr id="6" name="Slide Number Placeholder 5"/>
+          <p:cNvSpPr>
+            <a:spLocks noGrp="1"/>
+          </p:cNvSpPr>
+          <p:nvPr>
+            <p:ph type="sldNum" sz="quarter" idx="12"/>
+          </p:nvPr>
+        </p:nvSpPr>
+        <p:spPr>
+          <a:xfrm>
+            <a:off x="8897420" y="6256216"/>
+            <a:ext cx="2743200" cy="365125"/>
+          </a:xfrm>
+          <a:prstGeom prst="rect">
+            <a:avLst/>
+          </a:prstGeom>
+        </p:spPr>
+        <p:txBody>
+          <a:bodyPr/>
+          <a:lstStyle/>
+          <a:p>
+            <a:fld id="{0A164282-434E-41D4-9582-783D542A7B68}" type="slidenum">
+              <a:rPr lang="en-US" smtClean="0"/>
+              <a:t>‹#›</a:t>
+            </a:fld>
+            <a:endParaRPr lang="en-US"/>
+          </a:p>
+        </p:txBody>
+      </p:sp>
+    </p:spTree>
+    <p:extLst>
+      <p:ext uri="{BB962C8B-B14F-4D97-AF65-F5344CB8AC3E}">
+        <p14:creationId xmlns:p14="http://schemas.microsoft.com/office/powerpoint/2010/main" val="3545904454"/>
+      </p:ext>
+    </p:extLst>
+  </p:cSld>
+  <p:clrMapOvr>
+    <a:masterClrMapping/>
+  </p:clrMapOvr>
+</p:sldLayout>
+</file>
+
+<file path=ppt/slideLayouts/slideLayout9.xml><?xml version="1.0" encoding="utf-8"?>
+<p:sldLayout xmlns:a="http://schemas.openxmlformats.org/drawingml/2006/main" xmlns:r="http://schemas.openxmlformats.org/officeDocument/2006/relationships" xmlns:p="http://schemas.openxmlformats.org/presentationml/2006/main" preserve="1" userDrawn="1">
+  <p:cSld name="1_Title and Content">
+    <p:spTree>
+      <p:nvGrpSpPr>
+        <p:cNvPr id="1" name=""/>
+        <p:cNvGrpSpPr/>
+        <p:nvPr/>
+      </p:nvGrpSpPr>
+      <p:grpSpPr>
+        <a:xfrm>
+          <a:off x="0" y="0"/>
+          <a:ext cx="0" cy="0"/>
+          <a:chOff x="0" y="0"/>
+          <a:chExt cx="0" cy="0"/>
+        </a:xfrm>
+      </p:grpSpPr>
+      <p:sp>
+        <p:nvSpPr>
+          <p:cNvPr id="2" name="Title 1"/>
+          <p:cNvSpPr>
+            <a:spLocks noGrp="1"/>
+          </p:cNvSpPr>
+          <p:nvPr>
+            <p:ph type="title"/>
+          </p:nvPr>
+        </p:nvSpPr>
+        <p:spPr/>
+        <p:txBody>
+          <a:bodyPr/>
+          <a:lstStyle/>
+          <a:p>
+            <a:r>
+              <a:rPr lang="en-US" smtClean="0"/>
+              <a:t>Click to edit Master title style</a:t>
+            </a:r>
+            <a:endParaRPr lang="en-US"/>
+          </a:p>
+        </p:txBody>
+      </p:sp>
+      <p:sp>
+        <p:nvSpPr>
+          <p:cNvPr id="3" name="Content Placeholder 2"/>
+          <p:cNvSpPr>
+            <a:spLocks noGrp="1"/>
+          </p:cNvSpPr>
+          <p:nvPr>
+            <p:ph idx="1"/>
+          </p:nvPr>
+        </p:nvSpPr>
+        <p:spPr>
+          <a:xfrm>
+            <a:off x="560798" y="2111604"/>
+            <a:ext cx="11079822" cy="3980971"/>
+          </a:xfrm>
+        </p:spPr>
+        <p:txBody>
+          <a:bodyPr/>
+          <a:lstStyle/>
+          <a:p>
+            <a:pPr lvl="0"/>
+            <a:r>
+              <a:rPr lang="en-US" smtClean="0"/>
+              <a:t>Click to edit Master text styles</a:t>
+            </a:r>
+          </a:p>
+          <a:p>
+            <a:pPr lvl="1"/>
+            <a:r>
+              <a:rPr lang="en-US" smtClean="0"/>
+              <a:t>Second level</a:t>
+            </a:r>
+          </a:p>
+          <a:p>
+            <a:pPr lvl="2"/>
+            <a:r>
+              <a:rPr lang="en-US" smtClean="0"/>
+              <a:t>Third level</a:t>
+            </a:r>
+          </a:p>
+          <a:p>
+            <a:pPr lvl="3"/>
+            <a:r>
+              <a:rPr lang="en-US" smtClean="0"/>
+              <a:t>Fourth level</a:t>
+            </a:r>
+          </a:p>
+          <a:p>
+            <a:pPr lvl="4"/>
+            <a:r>
+              <a:rPr lang="en-US" smtClean="0"/>
+              <a:t>Fifth level</a:t>
+            </a:r>
+            <a:endParaRPr lang="en-US"/>
+          </a:p>
+        </p:txBody>
+      </p:sp>
+      <p:sp>
+        <p:nvSpPr>
+          <p:cNvPr id="6" name="Slide Number Placeholder 5"/>
+          <p:cNvSpPr>
+            <a:spLocks noGrp="1"/>
+          </p:cNvSpPr>
+          <p:nvPr>
+            <p:ph type="sldNum" sz="quarter" idx="12"/>
+          </p:nvPr>
+        </p:nvSpPr>
+        <p:spPr>
+          <a:xfrm>
+            <a:off x="8897420" y="6256216"/>
+            <a:ext cx="2743200" cy="365125"/>
+          </a:xfrm>
+          <a:prstGeom prst="rect">
+            <a:avLst/>
+          </a:prstGeom>
+        </p:spPr>
+        <p:txBody>
+          <a:bodyPr/>
+          <a:lstStyle/>
+          <a:p>
+            <a:fld id="{0A164282-434E-41D4-9582-783D542A7B68}" type="slidenum">
+              <a:rPr lang="en-US" smtClean="0"/>
+              <a:t>‹#›</a:t>
+            </a:fld>
+            <a:endParaRPr lang="en-US"/>
+          </a:p>
+        </p:txBody>
+      </p:sp>
+      <p:sp>
+        <p:nvSpPr>
+          <p:cNvPr id="5" name="Text Placeholder 4"/>
+          <p:cNvSpPr>
+            <a:spLocks noGrp="1"/>
+          </p:cNvSpPr>
+          <p:nvPr>
+            <p:ph type="body" sz="quarter" idx="13" hasCustomPrompt="1"/>
+          </p:nvPr>
+        </p:nvSpPr>
+        <p:spPr>
+          <a:xfrm>
+            <a:off x="560388" y="1534096"/>
+            <a:ext cx="11080750" cy="437594"/>
+          </a:xfrm>
+        </p:spPr>
+        <p:txBody>
+          <a:bodyPr>
+            <a:normAutofit/>
+          </a:bodyPr>
+          <a:lstStyle>
+            <a:lvl1pPr marL="0" indent="0">
+              <a:buFontTx/>
+              <a:buNone/>
+              <a:defRPr sz="2000" cap="all" baseline="0"/>
+            </a:lvl1pPr>
+            <a:lvl5pPr>
+              <a:defRPr/>
+            </a:lvl5pPr>
+          </a:lstStyle>
+          <a:p>
+            <a:pPr lvl="0"/>
+            <a:r>
+              <a:rPr lang="en-US" dirty="0" smtClean="0"/>
+              <a:t>Secondary refining headline</a:t>
+            </a:r>
+            <a:endParaRPr lang="en-US" dirty="0"/>
+          </a:p>
+        </p:txBody>
+      </p:sp>
+    </p:spTree>
+    <p:extLst>
+      <p:ext uri="{BB962C8B-B14F-4D97-AF65-F5344CB8AC3E}">
+        <p14:creationId xmlns:p14="http://schemas.microsoft.com/office/powerpoint/2010/main" val="4246363931"/>
+      </p:ext>
+    </p:extLst>
+  </p:cSld>
+  <p:clrMapOvr>
+    <a:masterClrMapping/>
+  </p:clrMapOvr>
 </p:sldLayout>
 </file>
 
@@ -12731,14 +16362,8 @@
     <p:sldLayoutId id="2147483768" r:id="rId3"/>
     <p:sldLayoutId id="2147483769" r:id="rId4"/>
     <p:sldLayoutId id="2147483770" r:id="rId5"/>
+    <p:sldLayoutId id="2147483803" r:id="rId6"/>
   </p:sldLayoutIdLst>
-  <p:timing>
-    <p:tnLst>
-      <p:par>
-        <p:cTn id="1" dur="indefinite" restart="never" nodeType="tmRoot"/>
-      </p:par>
-    </p:tnLst>
-  </p:timing>
   <p:txStyles>
     <p:titleStyle>
       <a:lvl1pPr algn="r" defTabSz="914400" rtl="0" eaLnBrk="1" latinLnBrk="0" hangingPunct="1">
@@ -13529,6 +17154,41 @@
           </a:p>
         </p:txBody>
       </p:sp>
+      <p:pic>
+        <p:nvPicPr>
+          <p:cNvPr id="14" name="Picture 13"/>
+          <p:cNvPicPr>
+            <a:picLocks noChangeAspect="1"/>
+          </p:cNvPicPr>
+          <p:nvPr userDrawn="1"/>
+        </p:nvPicPr>
+        <p:blipFill rotWithShape="1">
+          <a:blip r:embed="rId11">
+            <a:extLst>
+              <a:ext uri="{BEBA8EAE-BF5A-486C-A8C5-ECC9F3942E4B}">
+                <a14:imgProps xmlns:a14="http://schemas.microsoft.com/office/drawing/2010/main">
+                  <a14:imgLayer r:embed="rId12">
+                    <a14:imgEffect>
+                      <a14:saturation sat="99000"/>
+                    </a14:imgEffect>
+                  </a14:imgLayer>
+                </a14:imgProps>
+              </a:ext>
+            </a:extLst>
+          </a:blip>
+          <a:srcRect l="13121" r="14315"/>
+          <a:stretch/>
+        </p:blipFill>
+        <p:spPr>
+          <a:xfrm>
+            <a:off x="0" y="4202437"/>
+            <a:ext cx="12174584" cy="3578662"/>
+          </a:xfrm>
+          <a:prstGeom prst="rect">
+            <a:avLst/>
+          </a:prstGeom>
+        </p:spPr>
+      </p:pic>
     </p:spTree>
     <p:extLst>
       <p:ext uri="{BB962C8B-B14F-4D97-AF65-F5344CB8AC3E}">
@@ -13547,13 +17207,6 @@
     <p:sldLayoutId id="2147483726" r:id="rId7"/>
     <p:sldLayoutId id="2147483722" r:id="rId8"/>
   </p:sldLayoutIdLst>
-  <p:timing>
-    <p:tnLst>
-      <p:par>
-        <p:cTn id="1" dur="indefinite" restart="never" nodeType="tmRoot"/>
-      </p:par>
-    </p:tnLst>
-  </p:timing>
   <p:hf hdr="0" ftr="0" dt="0"/>
   <p:txStyles>
     <p:titleStyle>
@@ -14362,13 +18015,6 @@
     <p:sldLayoutId id="2147483732" r:id="rId7"/>
     <p:sldLayoutId id="2147483733" r:id="rId8"/>
   </p:sldLayoutIdLst>
-  <p:timing>
-    <p:tnLst>
-      <p:par>
-        <p:cTn id="1" dur="indefinite" restart="never" nodeType="tmRoot"/>
-      </p:par>
-    </p:tnLst>
-  </p:timing>
   <p:hf hdr="0" ftr="0" dt="0"/>
   <p:txStyles>
     <p:titleStyle>
@@ -14782,7 +18428,7 @@
           <p:nvPr userDrawn="1"/>
         </p:nvPicPr>
         <p:blipFill>
-          <a:blip r:embed="rId11"/>
+          <a:blip r:embed="rId10"/>
           <a:stretch>
             <a:fillRect/>
           </a:stretch>
@@ -15176,15 +18822,7 @@
     <p:sldLayoutId id="2147483738" r:id="rId6"/>
     <p:sldLayoutId id="2147483739" r:id="rId7"/>
     <p:sldLayoutId id="2147483740" r:id="rId8"/>
-    <p:sldLayoutId id="2147483785" r:id="rId9"/>
   </p:sldLayoutIdLst>
-  <p:timing>
-    <p:tnLst>
-      <p:par>
-        <p:cTn id="1" dur="indefinite" restart="never" nodeType="tmRoot"/>
-      </p:par>
-    </p:tnLst>
-  </p:timing>
   <p:hf hdr="0" ftr="0" dt="0"/>
   <p:txStyles>
     <p:titleStyle>
@@ -15993,13 +19631,6 @@
     <p:sldLayoutId id="2147483746" r:id="rId7"/>
     <p:sldLayoutId id="2147483747" r:id="rId8"/>
   </p:sldLayoutIdLst>
-  <p:timing>
-    <p:tnLst>
-      <p:par>
-        <p:cTn id="1" dur="indefinite" restart="never" nodeType="tmRoot"/>
-      </p:par>
-    </p:tnLst>
-  </p:timing>
   <p:hf hdr="0" ftr="0" dt="0"/>
   <p:txStyles>
     <p:titleStyle>
@@ -16808,13 +20439,6 @@
     <p:sldLayoutId id="2147483753" r:id="rId7"/>
     <p:sldLayoutId id="2147483754" r:id="rId8"/>
   </p:sldLayoutIdLst>
-  <p:timing>
-    <p:tnLst>
-      <p:par>
-        <p:cTn id="1" dur="indefinite" restart="never" nodeType="tmRoot"/>
-      </p:par>
-    </p:tnLst>
-  </p:timing>
   <p:hf hdr="0" ftr="0" dt="0"/>
   <p:txStyles>
     <p:titleStyle>
@@ -17622,13 +21246,6 @@
     <p:sldLayoutId id="2147483763" r:id="rId6"/>
     <p:sldLayoutId id="2147483764" r:id="rId7"/>
   </p:sldLayoutIdLst>
-  <p:timing>
-    <p:tnLst>
-      <p:par>
-        <p:cTn id="1" dur="indefinite" restart="never" nodeType="tmRoot"/>
-      </p:par>
-    </p:tnLst>
-  </p:timing>
   <p:hf hdr="0" ftr="0" dt="0"/>
   <p:txStyles>
     <p:titleStyle>
@@ -17643,6 +21260,864 @@
         <a:defRPr sz="5400" kern="1200">
           <a:solidFill>
             <a:srgbClr val="289FD7"/>
+          </a:solidFill>
+          <a:latin typeface="+mj-lt"/>
+          <a:ea typeface="+mj-ea"/>
+          <a:cs typeface="+mj-cs"/>
+        </a:defRPr>
+      </a:lvl1pPr>
+    </p:titleStyle>
+    <p:bodyStyle>
+      <a:lvl1pPr marL="228600" indent="-228600" algn="l" defTabSz="914400" rtl="0" eaLnBrk="1" latinLnBrk="0" hangingPunct="1">
+        <a:lnSpc>
+          <a:spcPct val="90000"/>
+        </a:lnSpc>
+        <a:spcBef>
+          <a:spcPts val="1000"/>
+        </a:spcBef>
+        <a:buFont typeface="Arial" panose="020B0604020202020204" pitchFamily="34" charset="0"/>
+        <a:buChar char="•"/>
+        <a:defRPr sz="3600" kern="1200">
+          <a:solidFill>
+            <a:schemeClr val="bg1"/>
+          </a:solidFill>
+          <a:latin typeface="+mn-lt"/>
+          <a:ea typeface="+mn-ea"/>
+          <a:cs typeface="+mn-cs"/>
+        </a:defRPr>
+      </a:lvl1pPr>
+      <a:lvl2pPr marL="685800" indent="-228600" algn="l" defTabSz="914400" rtl="0" eaLnBrk="1" latinLnBrk="0" hangingPunct="1">
+        <a:lnSpc>
+          <a:spcPct val="90000"/>
+        </a:lnSpc>
+        <a:spcBef>
+          <a:spcPts val="500"/>
+        </a:spcBef>
+        <a:buFont typeface="Arial" panose="020B0604020202020204" pitchFamily="34" charset="0"/>
+        <a:buChar char="•"/>
+        <a:defRPr sz="3200" kern="1200">
+          <a:solidFill>
+            <a:schemeClr val="bg1"/>
+          </a:solidFill>
+          <a:latin typeface="+mn-lt"/>
+          <a:ea typeface="+mn-ea"/>
+          <a:cs typeface="+mn-cs"/>
+        </a:defRPr>
+      </a:lvl2pPr>
+      <a:lvl3pPr marL="1143000" indent="-228600" algn="l" defTabSz="914400" rtl="0" eaLnBrk="1" latinLnBrk="0" hangingPunct="1">
+        <a:lnSpc>
+          <a:spcPct val="90000"/>
+        </a:lnSpc>
+        <a:spcBef>
+          <a:spcPts val="500"/>
+        </a:spcBef>
+        <a:buFont typeface="Arial" panose="020B0604020202020204" pitchFamily="34" charset="0"/>
+        <a:buChar char="•"/>
+        <a:defRPr sz="2800" kern="1200">
+          <a:solidFill>
+            <a:schemeClr val="bg1"/>
+          </a:solidFill>
+          <a:latin typeface="+mn-lt"/>
+          <a:ea typeface="+mn-ea"/>
+          <a:cs typeface="+mn-cs"/>
+        </a:defRPr>
+      </a:lvl3pPr>
+      <a:lvl4pPr marL="1600200" indent="-228600" algn="l" defTabSz="914400" rtl="0" eaLnBrk="1" latinLnBrk="0" hangingPunct="1">
+        <a:lnSpc>
+          <a:spcPct val="90000"/>
+        </a:lnSpc>
+        <a:spcBef>
+          <a:spcPts val="500"/>
+        </a:spcBef>
+        <a:buFont typeface="Arial" panose="020B0604020202020204" pitchFamily="34" charset="0"/>
+        <a:buChar char="•"/>
+        <a:defRPr sz="2400" kern="1200">
+          <a:solidFill>
+            <a:schemeClr val="bg1"/>
+          </a:solidFill>
+          <a:latin typeface="+mn-lt"/>
+          <a:ea typeface="+mn-ea"/>
+          <a:cs typeface="+mn-cs"/>
+        </a:defRPr>
+      </a:lvl4pPr>
+      <a:lvl5pPr marL="2057400" indent="-228600" algn="l" defTabSz="914400" rtl="0" eaLnBrk="1" latinLnBrk="0" hangingPunct="1">
+        <a:lnSpc>
+          <a:spcPct val="90000"/>
+        </a:lnSpc>
+        <a:spcBef>
+          <a:spcPts val="500"/>
+        </a:spcBef>
+        <a:buFont typeface="Arial" panose="020B0604020202020204" pitchFamily="34" charset="0"/>
+        <a:buChar char="•"/>
+        <a:defRPr sz="2400" kern="1200">
+          <a:solidFill>
+            <a:schemeClr val="bg1"/>
+          </a:solidFill>
+          <a:latin typeface="+mn-lt"/>
+          <a:ea typeface="+mn-ea"/>
+          <a:cs typeface="+mn-cs"/>
+        </a:defRPr>
+      </a:lvl5pPr>
+      <a:lvl6pPr marL="2514600" indent="-228600" algn="l" defTabSz="914400" rtl="0" eaLnBrk="1" latinLnBrk="0" hangingPunct="1">
+        <a:lnSpc>
+          <a:spcPct val="90000"/>
+        </a:lnSpc>
+        <a:spcBef>
+          <a:spcPts val="500"/>
+        </a:spcBef>
+        <a:buFont typeface="Arial" panose="020B0604020202020204" pitchFamily="34" charset="0"/>
+        <a:buChar char="•"/>
+        <a:defRPr sz="1800" kern="1200">
+          <a:solidFill>
+            <a:schemeClr val="tx1"/>
+          </a:solidFill>
+          <a:latin typeface="+mn-lt"/>
+          <a:ea typeface="+mn-ea"/>
+          <a:cs typeface="+mn-cs"/>
+        </a:defRPr>
+      </a:lvl6pPr>
+      <a:lvl7pPr marL="2971800" indent="-228600" algn="l" defTabSz="914400" rtl="0" eaLnBrk="1" latinLnBrk="0" hangingPunct="1">
+        <a:lnSpc>
+          <a:spcPct val="90000"/>
+        </a:lnSpc>
+        <a:spcBef>
+          <a:spcPts val="500"/>
+        </a:spcBef>
+        <a:buFont typeface="Arial" panose="020B0604020202020204" pitchFamily="34" charset="0"/>
+        <a:buChar char="•"/>
+        <a:defRPr sz="1800" kern="1200">
+          <a:solidFill>
+            <a:schemeClr val="tx1"/>
+          </a:solidFill>
+          <a:latin typeface="+mn-lt"/>
+          <a:ea typeface="+mn-ea"/>
+          <a:cs typeface="+mn-cs"/>
+        </a:defRPr>
+      </a:lvl7pPr>
+      <a:lvl8pPr marL="3429000" indent="-228600" algn="l" defTabSz="914400" rtl="0" eaLnBrk="1" latinLnBrk="0" hangingPunct="1">
+        <a:lnSpc>
+          <a:spcPct val="90000"/>
+        </a:lnSpc>
+        <a:spcBef>
+          <a:spcPts val="500"/>
+        </a:spcBef>
+        <a:buFont typeface="Arial" panose="020B0604020202020204" pitchFamily="34" charset="0"/>
+        <a:buChar char="•"/>
+        <a:defRPr sz="1800" kern="1200">
+          <a:solidFill>
+            <a:schemeClr val="tx1"/>
+          </a:solidFill>
+          <a:latin typeface="+mn-lt"/>
+          <a:ea typeface="+mn-ea"/>
+          <a:cs typeface="+mn-cs"/>
+        </a:defRPr>
+      </a:lvl8pPr>
+      <a:lvl9pPr marL="3886200" indent="-228600" algn="l" defTabSz="914400" rtl="0" eaLnBrk="1" latinLnBrk="0" hangingPunct="1">
+        <a:lnSpc>
+          <a:spcPct val="90000"/>
+        </a:lnSpc>
+        <a:spcBef>
+          <a:spcPts val="500"/>
+        </a:spcBef>
+        <a:buFont typeface="Arial" panose="020B0604020202020204" pitchFamily="34" charset="0"/>
+        <a:buChar char="•"/>
+        <a:defRPr sz="1800" kern="1200">
+          <a:solidFill>
+            <a:schemeClr val="tx1"/>
+          </a:solidFill>
+          <a:latin typeface="+mn-lt"/>
+          <a:ea typeface="+mn-ea"/>
+          <a:cs typeface="+mn-cs"/>
+        </a:defRPr>
+      </a:lvl9pPr>
+    </p:bodyStyle>
+    <p:otherStyle>
+      <a:defPPr>
+        <a:defRPr lang="en-US"/>
+      </a:defPPr>
+      <a:lvl1pPr marL="0" algn="l" defTabSz="914400" rtl="0" eaLnBrk="1" latinLnBrk="0" hangingPunct="1">
+        <a:defRPr sz="1800" kern="1200">
+          <a:solidFill>
+            <a:schemeClr val="tx1"/>
+          </a:solidFill>
+          <a:latin typeface="+mn-lt"/>
+          <a:ea typeface="+mn-ea"/>
+          <a:cs typeface="+mn-cs"/>
+        </a:defRPr>
+      </a:lvl1pPr>
+      <a:lvl2pPr marL="457200" algn="l" defTabSz="914400" rtl="0" eaLnBrk="1" latinLnBrk="0" hangingPunct="1">
+        <a:defRPr sz="1800" kern="1200">
+          <a:solidFill>
+            <a:schemeClr val="tx1"/>
+          </a:solidFill>
+          <a:latin typeface="+mn-lt"/>
+          <a:ea typeface="+mn-ea"/>
+          <a:cs typeface="+mn-cs"/>
+        </a:defRPr>
+      </a:lvl2pPr>
+      <a:lvl3pPr marL="914400" algn="l" defTabSz="914400" rtl="0" eaLnBrk="1" latinLnBrk="0" hangingPunct="1">
+        <a:defRPr sz="1800" kern="1200">
+          <a:solidFill>
+            <a:schemeClr val="tx1"/>
+          </a:solidFill>
+          <a:latin typeface="+mn-lt"/>
+          <a:ea typeface="+mn-ea"/>
+          <a:cs typeface="+mn-cs"/>
+        </a:defRPr>
+      </a:lvl3pPr>
+      <a:lvl4pPr marL="1371600" algn="l" defTabSz="914400" rtl="0" eaLnBrk="1" latinLnBrk="0" hangingPunct="1">
+        <a:defRPr sz="1800" kern="1200">
+          <a:solidFill>
+            <a:schemeClr val="tx1"/>
+          </a:solidFill>
+          <a:latin typeface="+mn-lt"/>
+          <a:ea typeface="+mn-ea"/>
+          <a:cs typeface="+mn-cs"/>
+        </a:defRPr>
+      </a:lvl4pPr>
+      <a:lvl5pPr marL="1828800" algn="l" defTabSz="914400" rtl="0" eaLnBrk="1" latinLnBrk="0" hangingPunct="1">
+        <a:defRPr sz="1800" kern="1200">
+          <a:solidFill>
+            <a:schemeClr val="tx1"/>
+          </a:solidFill>
+          <a:latin typeface="+mn-lt"/>
+          <a:ea typeface="+mn-ea"/>
+          <a:cs typeface="+mn-cs"/>
+        </a:defRPr>
+      </a:lvl5pPr>
+      <a:lvl6pPr marL="2286000" algn="l" defTabSz="914400" rtl="0" eaLnBrk="1" latinLnBrk="0" hangingPunct="1">
+        <a:defRPr sz="1800" kern="1200">
+          <a:solidFill>
+            <a:schemeClr val="tx1"/>
+          </a:solidFill>
+          <a:latin typeface="+mn-lt"/>
+          <a:ea typeface="+mn-ea"/>
+          <a:cs typeface="+mn-cs"/>
+        </a:defRPr>
+      </a:lvl6pPr>
+      <a:lvl7pPr marL="2743200" algn="l" defTabSz="914400" rtl="0" eaLnBrk="1" latinLnBrk="0" hangingPunct="1">
+        <a:defRPr sz="1800" kern="1200">
+          <a:solidFill>
+            <a:schemeClr val="tx1"/>
+          </a:solidFill>
+          <a:latin typeface="+mn-lt"/>
+          <a:ea typeface="+mn-ea"/>
+          <a:cs typeface="+mn-cs"/>
+        </a:defRPr>
+      </a:lvl7pPr>
+      <a:lvl8pPr marL="3200400" algn="l" defTabSz="914400" rtl="0" eaLnBrk="1" latinLnBrk="0" hangingPunct="1">
+        <a:defRPr sz="1800" kern="1200">
+          <a:solidFill>
+            <a:schemeClr val="tx1"/>
+          </a:solidFill>
+          <a:latin typeface="+mn-lt"/>
+          <a:ea typeface="+mn-ea"/>
+          <a:cs typeface="+mn-cs"/>
+        </a:defRPr>
+      </a:lvl8pPr>
+      <a:lvl9pPr marL="3657600" algn="l" defTabSz="914400" rtl="0" eaLnBrk="1" latinLnBrk="0" hangingPunct="1">
+        <a:defRPr sz="1800" kern="1200">
+          <a:solidFill>
+            <a:schemeClr val="tx1"/>
+          </a:solidFill>
+          <a:latin typeface="+mn-lt"/>
+          <a:ea typeface="+mn-ea"/>
+          <a:cs typeface="+mn-cs"/>
+        </a:defRPr>
+      </a:lvl9pPr>
+    </p:otherStyle>
+  </p:txStyles>
+</p:sldMaster>
+</file>
+
+<file path=ppt/slideMasters/slideMaster8.xml><?xml version="1.0" encoding="utf-8"?>
+<p:sldMaster xmlns:a="http://schemas.openxmlformats.org/drawingml/2006/main" xmlns:r="http://schemas.openxmlformats.org/officeDocument/2006/relationships" xmlns:p="http://schemas.openxmlformats.org/presentationml/2006/main">
+  <p:cSld>
+    <p:bg>
+      <p:bgPr>
+        <a:solidFill>
+          <a:srgbClr val="0171B0"/>
+        </a:solidFill>
+        <a:effectLst/>
+      </p:bgPr>
+    </p:bg>
+    <p:spTree>
+      <p:nvGrpSpPr>
+        <p:cNvPr id="1" name=""/>
+        <p:cNvGrpSpPr/>
+        <p:nvPr/>
+      </p:nvGrpSpPr>
+      <p:grpSpPr>
+        <a:xfrm>
+          <a:off x="0" y="0"/>
+          <a:ext cx="0" cy="0"/>
+          <a:chOff x="0" y="0"/>
+          <a:chExt cx="0" cy="0"/>
+        </a:xfrm>
+      </p:grpSpPr>
+      <p:sp>
+        <p:nvSpPr>
+          <p:cNvPr id="2" name="Title Placeholder 1"/>
+          <p:cNvSpPr>
+            <a:spLocks noGrp="1"/>
+          </p:cNvSpPr>
+          <p:nvPr>
+            <p:ph type="title"/>
+          </p:nvPr>
+        </p:nvSpPr>
+        <p:spPr>
+          <a:xfrm>
+            <a:off x="560798" y="416496"/>
+            <a:ext cx="11079822" cy="1325563"/>
+          </a:xfrm>
+          <a:prstGeom prst="rect">
+            <a:avLst/>
+          </a:prstGeom>
+        </p:spPr>
+        <p:txBody>
+          <a:bodyPr vert="horz" lIns="91440" tIns="45720" rIns="91440" bIns="45720" rtlCol="0" anchor="ctr">
+            <a:normAutofit/>
+          </a:bodyPr>
+          <a:lstStyle/>
+          <a:p>
+            <a:r>
+              <a:rPr lang="en-US" dirty="0" smtClean="0"/>
+              <a:t>Click to edit Master title style</a:t>
+            </a:r>
+            <a:endParaRPr lang="en-US" dirty="0"/>
+          </a:p>
+        </p:txBody>
+      </p:sp>
+      <p:sp>
+        <p:nvSpPr>
+          <p:cNvPr id="3" name="Text Placeholder 2"/>
+          <p:cNvSpPr>
+            <a:spLocks noGrp="1"/>
+          </p:cNvSpPr>
+          <p:nvPr>
+            <p:ph type="body" idx="1"/>
+          </p:nvPr>
+        </p:nvSpPr>
+        <p:spPr>
+          <a:xfrm>
+            <a:off x="560798" y="1876996"/>
+            <a:ext cx="11079822" cy="4215579"/>
+          </a:xfrm>
+          <a:prstGeom prst="rect">
+            <a:avLst/>
+          </a:prstGeom>
+        </p:spPr>
+        <p:txBody>
+          <a:bodyPr vert="horz" lIns="91440" tIns="45720" rIns="91440" bIns="45720" rtlCol="0">
+            <a:normAutofit/>
+          </a:bodyPr>
+          <a:lstStyle/>
+          <a:p>
+            <a:pPr lvl="0"/>
+            <a:r>
+              <a:rPr lang="en-US" dirty="0" smtClean="0"/>
+              <a:t>Click to edit Master text styles</a:t>
+            </a:r>
+          </a:p>
+          <a:p>
+            <a:pPr lvl="1"/>
+            <a:r>
+              <a:rPr lang="en-US" dirty="0" smtClean="0"/>
+              <a:t>Second level</a:t>
+            </a:r>
+          </a:p>
+          <a:p>
+            <a:pPr lvl="2"/>
+            <a:r>
+              <a:rPr lang="en-US" dirty="0" smtClean="0"/>
+              <a:t>Third level</a:t>
+            </a:r>
+          </a:p>
+          <a:p>
+            <a:pPr lvl="3"/>
+            <a:r>
+              <a:rPr lang="en-US" dirty="0" smtClean="0"/>
+              <a:t>Fourth level</a:t>
+            </a:r>
+          </a:p>
+          <a:p>
+            <a:pPr lvl="4"/>
+            <a:r>
+              <a:rPr lang="en-US" dirty="0" smtClean="0"/>
+              <a:t>Fifth level</a:t>
+            </a:r>
+            <a:endParaRPr lang="en-US" dirty="0"/>
+          </a:p>
+        </p:txBody>
+      </p:sp>
+      <p:pic>
+        <p:nvPicPr>
+          <p:cNvPr id="7" name="Picture 6"/>
+          <p:cNvPicPr>
+            <a:picLocks noChangeAspect="1"/>
+          </p:cNvPicPr>
+          <p:nvPr userDrawn="1"/>
+        </p:nvPicPr>
+        <p:blipFill>
+          <a:blip r:embed="rId18" cstate="print">
+            <a:extLst>
+              <a:ext uri="{28A0092B-C50C-407E-A947-70E740481C1C}">
+                <a14:useLocalDpi xmlns:a14="http://schemas.microsoft.com/office/drawing/2010/main" val="0"/>
+              </a:ext>
+            </a:extLst>
+          </a:blip>
+          <a:stretch>
+            <a:fillRect/>
+          </a:stretch>
+        </p:blipFill>
+        <p:spPr>
+          <a:xfrm>
+            <a:off x="448633" y="-1916710"/>
+            <a:ext cx="1916710" cy="1916710"/>
+          </a:xfrm>
+          <a:prstGeom prst="rect">
+            <a:avLst/>
+          </a:prstGeom>
+        </p:spPr>
+      </p:pic>
+      <p:sp>
+        <p:nvSpPr>
+          <p:cNvPr id="8" name="Rectangle 7"/>
+          <p:cNvSpPr/>
+          <p:nvPr userDrawn="1"/>
+        </p:nvSpPr>
+        <p:spPr>
+          <a:xfrm>
+            <a:off x="2516172" y="-1299953"/>
+            <a:ext cx="848413" cy="683197"/>
+          </a:xfrm>
+          <a:prstGeom prst="rect">
+            <a:avLst/>
+          </a:prstGeom>
+          <a:solidFill>
+            <a:srgbClr val="289FD7"/>
+          </a:solidFill>
+          <a:ln>
+            <a:noFill/>
+          </a:ln>
+        </p:spPr>
+        <p:style>
+          <a:lnRef idx="2">
+            <a:schemeClr val="accent1">
+              <a:shade val="50000"/>
+            </a:schemeClr>
+          </a:lnRef>
+          <a:fillRef idx="1">
+            <a:schemeClr val="accent1"/>
+          </a:fillRef>
+          <a:effectRef idx="0">
+            <a:schemeClr val="accent1"/>
+          </a:effectRef>
+          <a:fontRef idx="minor">
+            <a:schemeClr val="lt1"/>
+          </a:fontRef>
+        </p:style>
+        <p:txBody>
+          <a:bodyPr rtlCol="0" anchor="ctr"/>
+          <a:lstStyle/>
+          <a:p>
+            <a:pPr algn="ctr"/>
+            <a:endParaRPr lang="en-US"/>
+          </a:p>
+        </p:txBody>
+      </p:sp>
+      <p:sp>
+        <p:nvSpPr>
+          <p:cNvPr id="9" name="Rectangle 8"/>
+          <p:cNvSpPr/>
+          <p:nvPr userDrawn="1"/>
+        </p:nvSpPr>
+        <p:spPr>
+          <a:xfrm>
+            <a:off x="3468279" y="-1299953"/>
+            <a:ext cx="848413" cy="683197"/>
+          </a:xfrm>
+          <a:prstGeom prst="rect">
+            <a:avLst/>
+          </a:prstGeom>
+          <a:solidFill>
+            <a:srgbClr val="80B940"/>
+          </a:solidFill>
+          <a:ln>
+            <a:noFill/>
+          </a:ln>
+        </p:spPr>
+        <p:style>
+          <a:lnRef idx="2">
+            <a:schemeClr val="accent1">
+              <a:shade val="50000"/>
+            </a:schemeClr>
+          </a:lnRef>
+          <a:fillRef idx="1">
+            <a:schemeClr val="accent1"/>
+          </a:fillRef>
+          <a:effectRef idx="0">
+            <a:schemeClr val="accent1"/>
+          </a:effectRef>
+          <a:fontRef idx="minor">
+            <a:schemeClr val="lt1"/>
+          </a:fontRef>
+        </p:style>
+        <p:txBody>
+          <a:bodyPr rtlCol="0" anchor="ctr"/>
+          <a:lstStyle/>
+          <a:p>
+            <a:pPr algn="ctr"/>
+            <a:endParaRPr lang="en-US"/>
+          </a:p>
+        </p:txBody>
+      </p:sp>
+      <p:sp>
+        <p:nvSpPr>
+          <p:cNvPr id="10" name="Rectangle 9"/>
+          <p:cNvSpPr/>
+          <p:nvPr userDrawn="1"/>
+        </p:nvSpPr>
+        <p:spPr>
+          <a:xfrm>
+            <a:off x="4467521" y="-1299953"/>
+            <a:ext cx="848413" cy="683197"/>
+          </a:xfrm>
+          <a:prstGeom prst="rect">
+            <a:avLst/>
+          </a:prstGeom>
+          <a:solidFill>
+            <a:srgbClr val="3C454F"/>
+          </a:solidFill>
+          <a:ln>
+            <a:noFill/>
+          </a:ln>
+        </p:spPr>
+        <p:style>
+          <a:lnRef idx="2">
+            <a:schemeClr val="accent1">
+              <a:shade val="50000"/>
+            </a:schemeClr>
+          </a:lnRef>
+          <a:fillRef idx="1">
+            <a:schemeClr val="accent1"/>
+          </a:fillRef>
+          <a:effectRef idx="0">
+            <a:schemeClr val="accent1"/>
+          </a:effectRef>
+          <a:fontRef idx="minor">
+            <a:schemeClr val="lt1"/>
+          </a:fontRef>
+        </p:style>
+        <p:txBody>
+          <a:bodyPr rtlCol="0" anchor="ctr"/>
+          <a:lstStyle/>
+          <a:p>
+            <a:pPr algn="ctr"/>
+            <a:endParaRPr lang="en-US"/>
+          </a:p>
+        </p:txBody>
+      </p:sp>
+      <p:sp>
+        <p:nvSpPr>
+          <p:cNvPr id="11" name="Rectangle 10"/>
+          <p:cNvSpPr/>
+          <p:nvPr userDrawn="1"/>
+        </p:nvSpPr>
+        <p:spPr>
+          <a:xfrm>
+            <a:off x="5400774" y="-1299953"/>
+            <a:ext cx="848413" cy="683197"/>
+          </a:xfrm>
+          <a:prstGeom prst="rect">
+            <a:avLst/>
+          </a:prstGeom>
+          <a:solidFill>
+            <a:srgbClr val="E34F24"/>
+          </a:solidFill>
+          <a:ln>
+            <a:noFill/>
+          </a:ln>
+        </p:spPr>
+        <p:style>
+          <a:lnRef idx="2">
+            <a:schemeClr val="accent1">
+              <a:shade val="50000"/>
+            </a:schemeClr>
+          </a:lnRef>
+          <a:fillRef idx="1">
+            <a:schemeClr val="accent1"/>
+          </a:fillRef>
+          <a:effectRef idx="0">
+            <a:schemeClr val="accent1"/>
+          </a:effectRef>
+          <a:fontRef idx="minor">
+            <a:schemeClr val="lt1"/>
+          </a:fontRef>
+        </p:style>
+        <p:txBody>
+          <a:bodyPr rtlCol="0" anchor="ctr"/>
+          <a:lstStyle/>
+          <a:p>
+            <a:pPr algn="ctr"/>
+            <a:endParaRPr lang="en-US"/>
+          </a:p>
+        </p:txBody>
+      </p:sp>
+      <p:sp>
+        <p:nvSpPr>
+          <p:cNvPr id="12" name="Rectangle 11"/>
+          <p:cNvSpPr/>
+          <p:nvPr userDrawn="1"/>
+        </p:nvSpPr>
+        <p:spPr>
+          <a:xfrm>
+            <a:off x="6334027" y="-1299953"/>
+            <a:ext cx="848413" cy="683197"/>
+          </a:xfrm>
+          <a:prstGeom prst="rect">
+            <a:avLst/>
+          </a:prstGeom>
+          <a:solidFill>
+            <a:srgbClr val="0171B0"/>
+          </a:solidFill>
+          <a:ln>
+            <a:noFill/>
+          </a:ln>
+        </p:spPr>
+        <p:style>
+          <a:lnRef idx="2">
+            <a:schemeClr val="accent1">
+              <a:shade val="50000"/>
+            </a:schemeClr>
+          </a:lnRef>
+          <a:fillRef idx="1">
+            <a:schemeClr val="accent1"/>
+          </a:fillRef>
+          <a:effectRef idx="0">
+            <a:schemeClr val="accent1"/>
+          </a:effectRef>
+          <a:fontRef idx="minor">
+            <a:schemeClr val="lt1"/>
+          </a:fontRef>
+        </p:style>
+        <p:txBody>
+          <a:bodyPr rtlCol="0" anchor="ctr"/>
+          <a:lstStyle/>
+          <a:p>
+            <a:pPr algn="ctr"/>
+            <a:endParaRPr lang="en-US"/>
+          </a:p>
+        </p:txBody>
+      </p:sp>
+      <p:sp>
+        <p:nvSpPr>
+          <p:cNvPr id="13" name="Rectangle 12"/>
+          <p:cNvSpPr/>
+          <p:nvPr userDrawn="1"/>
+        </p:nvSpPr>
+        <p:spPr>
+          <a:xfrm>
+            <a:off x="7304987" y="-1299953"/>
+            <a:ext cx="848413" cy="683197"/>
+          </a:xfrm>
+          <a:prstGeom prst="rect">
+            <a:avLst/>
+          </a:prstGeom>
+          <a:solidFill>
+            <a:srgbClr val="1D4380"/>
+          </a:solidFill>
+          <a:ln>
+            <a:noFill/>
+          </a:ln>
+        </p:spPr>
+        <p:style>
+          <a:lnRef idx="2">
+            <a:schemeClr val="accent1">
+              <a:shade val="50000"/>
+            </a:schemeClr>
+          </a:lnRef>
+          <a:fillRef idx="1">
+            <a:schemeClr val="accent1"/>
+          </a:fillRef>
+          <a:effectRef idx="0">
+            <a:schemeClr val="accent1"/>
+          </a:effectRef>
+          <a:fontRef idx="minor">
+            <a:schemeClr val="lt1"/>
+          </a:fontRef>
+        </p:style>
+        <p:txBody>
+          <a:bodyPr rtlCol="0" anchor="ctr"/>
+          <a:lstStyle/>
+          <a:p>
+            <a:pPr algn="ctr"/>
+            <a:endParaRPr lang="en-US"/>
+          </a:p>
+        </p:txBody>
+      </p:sp>
+      <p:sp>
+        <p:nvSpPr>
+          <p:cNvPr id="15" name="Rectangle 14"/>
+          <p:cNvSpPr/>
+          <p:nvPr userDrawn="1"/>
+        </p:nvSpPr>
+        <p:spPr>
+          <a:xfrm>
+            <a:off x="1" y="0"/>
+            <a:ext cx="123290" cy="6858000"/>
+          </a:xfrm>
+          <a:prstGeom prst="rect">
+            <a:avLst/>
+          </a:prstGeom>
+          <a:solidFill>
+            <a:srgbClr val="289FD7"/>
+          </a:solidFill>
+          <a:ln>
+            <a:noFill/>
+          </a:ln>
+        </p:spPr>
+        <p:style>
+          <a:lnRef idx="2">
+            <a:schemeClr val="accent1">
+              <a:shade val="50000"/>
+            </a:schemeClr>
+          </a:lnRef>
+          <a:fillRef idx="1">
+            <a:schemeClr val="accent1"/>
+          </a:fillRef>
+          <a:effectRef idx="0">
+            <a:schemeClr val="accent1"/>
+          </a:effectRef>
+          <a:fontRef idx="minor">
+            <a:schemeClr val="lt1"/>
+          </a:fontRef>
+        </p:style>
+        <p:txBody>
+          <a:bodyPr rtlCol="0" anchor="ctr"/>
+          <a:lstStyle/>
+          <a:p>
+            <a:pPr algn="ctr"/>
+            <a:endParaRPr lang="en-US"/>
+          </a:p>
+        </p:txBody>
+      </p:sp>
+      <p:sp>
+        <p:nvSpPr>
+          <p:cNvPr id="18" name="Slide Number Placeholder 17"/>
+          <p:cNvSpPr>
+            <a:spLocks noGrp="1"/>
+          </p:cNvSpPr>
+          <p:nvPr>
+            <p:ph type="sldNum" sz="quarter" idx="4"/>
+          </p:nvPr>
+        </p:nvSpPr>
+        <p:spPr>
+          <a:xfrm>
+            <a:off x="8897420" y="6274158"/>
+            <a:ext cx="2743200" cy="365125"/>
+          </a:xfrm>
+          <a:prstGeom prst="rect">
+            <a:avLst/>
+          </a:prstGeom>
+        </p:spPr>
+        <p:txBody>
+          <a:bodyPr vert="horz" lIns="91440" tIns="45720" rIns="91440" bIns="45720" rtlCol="0" anchor="ctr"/>
+          <a:lstStyle>
+            <a:lvl1pPr algn="r">
+              <a:defRPr sz="2000">
+                <a:solidFill>
+                  <a:srgbClr val="289FD7"/>
+                </a:solidFill>
+                <a:latin typeface="+mj-lt"/>
+              </a:defRPr>
+            </a:lvl1pPr>
+          </a:lstStyle>
+          <a:p>
+            <a:fld id="{0D099E2A-118A-4377-8F98-2DF40BCBA9FE}" type="slidenum">
+              <a:rPr lang="en-US" smtClean="0"/>
+              <a:pPr/>
+              <a:t>‹#›</a:t>
+            </a:fld>
+            <a:endParaRPr lang="en-US"/>
+          </a:p>
+        </p:txBody>
+      </p:sp>
+      <p:pic>
+        <p:nvPicPr>
+          <p:cNvPr id="14" name="Picture 13"/>
+          <p:cNvPicPr>
+            <a:picLocks noChangeAspect="1"/>
+          </p:cNvPicPr>
+          <p:nvPr userDrawn="1"/>
+        </p:nvPicPr>
+        <p:blipFill rotWithShape="1">
+          <a:blip r:embed="rId19">
+            <a:extLst>
+              <a:ext uri="{BEBA8EAE-BF5A-486C-A8C5-ECC9F3942E4B}">
+                <a14:imgProps xmlns:a14="http://schemas.microsoft.com/office/drawing/2010/main">
+                  <a14:imgLayer r:embed="rId20">
+                    <a14:imgEffect>
+                      <a14:saturation sat="99000"/>
+                    </a14:imgEffect>
+                  </a14:imgLayer>
+                </a14:imgProps>
+              </a:ext>
+            </a:extLst>
+          </a:blip>
+          <a:srcRect l="13121" r="14315"/>
+          <a:stretch/>
+        </p:blipFill>
+        <p:spPr>
+          <a:xfrm>
+            <a:off x="0" y="4202437"/>
+            <a:ext cx="12174584" cy="3578662"/>
+          </a:xfrm>
+          <a:prstGeom prst="rect">
+            <a:avLst/>
+          </a:prstGeom>
+        </p:spPr>
+      </p:pic>
+    </p:spTree>
+    <p:extLst>
+      <p:ext uri="{BB962C8B-B14F-4D97-AF65-F5344CB8AC3E}">
+        <p14:creationId xmlns:p14="http://schemas.microsoft.com/office/powerpoint/2010/main" val="2985263779"/>
+      </p:ext>
+    </p:extLst>
+  </p:cSld>
+  <p:clrMap bg1="lt1" tx1="dk1" bg2="lt2" tx2="dk2" accent1="accent1" accent2="accent2" accent3="accent3" accent4="accent4" accent5="accent5" accent6="accent6" hlink="hlink" folHlink="folHlink"/>
+  <p:sldLayoutIdLst>
+    <p:sldLayoutId id="2147483787" r:id="rId1"/>
+    <p:sldLayoutId id="2147483788" r:id="rId2"/>
+    <p:sldLayoutId id="2147483789" r:id="rId3"/>
+    <p:sldLayoutId id="2147483790" r:id="rId4"/>
+    <p:sldLayoutId id="2147483791" r:id="rId5"/>
+    <p:sldLayoutId id="2147483792" r:id="rId6"/>
+    <p:sldLayoutId id="2147483793" r:id="rId7"/>
+    <p:sldLayoutId id="2147483794" r:id="rId8"/>
+    <p:sldLayoutId id="2147483795" r:id="rId9"/>
+    <p:sldLayoutId id="2147483796" r:id="rId10"/>
+    <p:sldLayoutId id="2147483797" r:id="rId11"/>
+    <p:sldLayoutId id="2147483798" r:id="rId12"/>
+    <p:sldLayoutId id="2147483799" r:id="rId13"/>
+    <p:sldLayoutId id="2147483800" r:id="rId14"/>
+    <p:sldLayoutId id="2147483801" r:id="rId15"/>
+    <p:sldLayoutId id="2147483802" r:id="rId16"/>
+  </p:sldLayoutIdLst>
+  <p:hf hdr="0" ftr="0" dt="0"/>
+  <p:txStyles>
+    <p:titleStyle>
+      <a:lvl1pPr algn="l" defTabSz="914400" rtl="0" eaLnBrk="1" latinLnBrk="0" hangingPunct="1">
+        <a:lnSpc>
+          <a:spcPct val="90000"/>
+        </a:lnSpc>
+        <a:spcBef>
+          <a:spcPct val="0"/>
+        </a:spcBef>
+        <a:buNone/>
+        <a:defRPr sz="5400" kern="1200">
+          <a:solidFill>
+            <a:schemeClr val="bg1"/>
           </a:solidFill>
           <a:latin typeface="+mj-lt"/>
           <a:ea typeface="+mj-ea"/>
@@ -17930,132 +22405,16 @@
           <a:chExt cx="0" cy="0"/>
         </a:xfrm>
       </p:grpSpPr>
-      <p:sp>
-        <p:nvSpPr>
-          <p:cNvPr id="5" name="Title 4"/>
-          <p:cNvSpPr>
-            <a:spLocks noGrp="1"/>
-          </p:cNvSpPr>
-          <p:nvPr>
-            <p:ph type="title"/>
-          </p:nvPr>
-        </p:nvSpPr>
-        <p:spPr>
-          <a:xfrm>
-            <a:off x="1297017" y="2055604"/>
-            <a:ext cx="10515600" cy="1325563"/>
-          </a:xfrm>
-        </p:spPr>
-        <p:txBody>
-          <a:bodyPr/>
-          <a:lstStyle/>
-          <a:p>
-            <a:r>
-              <a:rPr lang="en-US" sz="6000" dirty="0"/>
-              <a:t>Building Web Applications using the latest ASP.NET technologies</a:t>
-            </a:r>
-          </a:p>
-        </p:txBody>
-      </p:sp>
-      <p:sp>
-        <p:nvSpPr>
-          <p:cNvPr id="6" name="Text Placeholder 5"/>
-          <p:cNvSpPr>
-            <a:spLocks noGrp="1"/>
-          </p:cNvSpPr>
-          <p:nvPr>
-            <p:ph type="body" sz="quarter" idx="10"/>
-          </p:nvPr>
-        </p:nvSpPr>
-        <p:spPr>
-          <a:xfrm>
-            <a:off x="5461000" y="3996267"/>
-            <a:ext cx="6351617" cy="2319217"/>
-          </a:xfrm>
-        </p:spPr>
-        <p:txBody>
-          <a:bodyPr>
-            <a:normAutofit/>
-          </a:bodyPr>
-          <a:lstStyle/>
-          <a:p>
-            <a:r>
-              <a:rPr lang="en-US" sz="2400" dirty="0"/>
-              <a:t>[Speaker]</a:t>
-            </a:r>
-          </a:p>
-          <a:p>
-            <a:r>
-              <a:rPr lang="en-US" dirty="0">
-                <a:solidFill>
-                  <a:schemeClr val="accent6">
-                    <a:lumMod val="40000"/>
-                    <a:lumOff val="60000"/>
-                    <a:alpha val="98000"/>
-                  </a:schemeClr>
-                </a:solidFill>
-              </a:rPr>
-              <a:t>[Company]</a:t>
-            </a:r>
-          </a:p>
-          <a:p>
-            <a:endParaRPr lang="en-US" dirty="0">
-              <a:solidFill>
-                <a:schemeClr val="accent6">
-                  <a:lumMod val="40000"/>
-                  <a:lumOff val="60000"/>
-                  <a:alpha val="98000"/>
-                </a:schemeClr>
-              </a:solidFill>
-            </a:endParaRPr>
-          </a:p>
-          <a:p>
-            <a:r>
-              <a:rPr lang="en-US" dirty="0">
-                <a:solidFill>
-                  <a:schemeClr val="accent6">
-                    <a:lumMod val="40000"/>
-                    <a:lumOff val="60000"/>
-                    <a:alpha val="98000"/>
-                  </a:schemeClr>
-                </a:solidFill>
-              </a:rPr>
-              <a:t>Email: [Email]</a:t>
-            </a:r>
-          </a:p>
-          <a:p>
-            <a:r>
-              <a:rPr lang="en-US" dirty="0">
-                <a:solidFill>
-                  <a:schemeClr val="accent6">
-                    <a:lumMod val="40000"/>
-                    <a:lumOff val="60000"/>
-                    <a:alpha val="98000"/>
-                  </a:schemeClr>
-                </a:solidFill>
-              </a:rPr>
-              <a:t>Twitter: [Twitter]</a:t>
-            </a:r>
-          </a:p>
-        </p:txBody>
-      </p:sp>
     </p:spTree>
     <p:extLst>
       <p:ext uri="{BB962C8B-B14F-4D97-AF65-F5344CB8AC3E}">
-        <p14:creationId xmlns:p14="http://schemas.microsoft.com/office/powerpoint/2010/main" val="1368775188"/>
+        <p14:creationId xmlns:p14="http://schemas.microsoft.com/office/powerpoint/2010/main" val="3809498405"/>
       </p:ext>
     </p:extLst>
   </p:cSld>
   <p:clrMapOvr>
     <a:masterClrMapping/>
   </p:clrMapOvr>
-  <p:timing>
-    <p:tnLst>
-      <p:par>
-        <p:cTn id="1" dur="indefinite" restart="never" nodeType="tmRoot"/>
-      </p:par>
-    </p:tnLst>
-  </p:timing>
 </p:sld>
 </file>
 
@@ -18091,9 +22450,14 @@
           <a:bodyPr/>
           <a:lstStyle/>
           <a:p>
+            <a:pPr>
+              <a:lnSpc>
+                <a:spcPct val="100000"/>
+              </a:lnSpc>
+            </a:pPr>
             <a:r>
               <a:rPr lang="en-US" dirty="0" smtClean="0"/>
-              <a:t>Demo</a:t>
+              <a:t>Deploying to Microsoft Azure</a:t>
             </a:r>
             <a:endParaRPr lang="en-US" dirty="0"/>
           </a:p>
@@ -18114,6 +22478,78 @@
           <a:bodyPr/>
           <a:lstStyle/>
           <a:p>
+            <a:endParaRPr lang="en-US"/>
+          </a:p>
+        </p:txBody>
+      </p:sp>
+    </p:spTree>
+    <p:extLst>
+      <p:ext uri="{BB962C8B-B14F-4D97-AF65-F5344CB8AC3E}">
+        <p14:creationId xmlns:p14="http://schemas.microsoft.com/office/powerpoint/2010/main" val="2854776796"/>
+      </p:ext>
+    </p:extLst>
+  </p:cSld>
+  <p:clrMapOvr>
+    <a:masterClrMapping/>
+  </p:clrMapOvr>
+</p:sld>
+</file>
+
+<file path=ppt/slides/slide11.xml><?xml version="1.0" encoding="utf-8"?>
+<p:sld xmlns:a="http://schemas.openxmlformats.org/drawingml/2006/main" xmlns:r="http://schemas.openxmlformats.org/officeDocument/2006/relationships" xmlns:p="http://schemas.openxmlformats.org/presentationml/2006/main">
+  <p:cSld>
+    <p:spTree>
+      <p:nvGrpSpPr>
+        <p:cNvPr id="1" name=""/>
+        <p:cNvGrpSpPr/>
+        <p:nvPr/>
+      </p:nvGrpSpPr>
+      <p:grpSpPr>
+        <a:xfrm>
+          <a:off x="0" y="0"/>
+          <a:ext cx="0" cy="0"/>
+          <a:chOff x="0" y="0"/>
+          <a:chExt cx="0" cy="0"/>
+        </a:xfrm>
+      </p:grpSpPr>
+      <p:sp>
+        <p:nvSpPr>
+          <p:cNvPr id="2" name="Title 1"/>
+          <p:cNvSpPr>
+            <a:spLocks noGrp="1"/>
+          </p:cNvSpPr>
+          <p:nvPr>
+            <p:ph type="ctrTitle"/>
+          </p:nvPr>
+        </p:nvSpPr>
+        <p:spPr/>
+        <p:txBody>
+          <a:bodyPr/>
+          <a:lstStyle/>
+          <a:p>
+            <a:r>
+              <a:rPr lang="en-US" dirty="0" smtClean="0"/>
+              <a:t>Demo</a:t>
+            </a:r>
+            <a:endParaRPr lang="en-US" dirty="0"/>
+          </a:p>
+        </p:txBody>
+      </p:sp>
+      <p:sp>
+        <p:nvSpPr>
+          <p:cNvPr id="4" name="Subtitle 3"/>
+          <p:cNvSpPr>
+            <a:spLocks noGrp="1"/>
+          </p:cNvSpPr>
+          <p:nvPr>
+            <p:ph type="subTitle" idx="1"/>
+          </p:nvPr>
+        </p:nvSpPr>
+        <p:spPr/>
+        <p:txBody>
+          <a:bodyPr/>
+          <a:lstStyle/>
+          <a:p>
             <a:r>
               <a:rPr lang="en-US" dirty="0" smtClean="0"/>
               <a:t>Deploying to Microsoft Azure Web Apps</a:t>
@@ -18132,17 +22568,10 @@
   <p:clrMapOvr>
     <a:masterClrMapping/>
   </p:clrMapOvr>
-  <p:timing>
-    <p:tnLst>
-      <p:par>
-        <p:cTn id="1" dur="indefinite" restart="never" nodeType="tmRoot"/>
-      </p:par>
-    </p:tnLst>
-  </p:timing>
 </p:sld>
 </file>
 
-<file path=ppt/slides/slide11.xml><?xml version="1.0" encoding="utf-8"?>
+<file path=ppt/slides/slide12.xml><?xml version="1.0" encoding="utf-8"?>
 <p:sld xmlns:a="http://schemas.openxmlformats.org/drawingml/2006/main" xmlns:r="http://schemas.openxmlformats.org/officeDocument/2006/relationships" xmlns:p="http://schemas.openxmlformats.org/presentationml/2006/main">
   <p:cSld>
     <p:spTree>
@@ -18308,17 +22737,10 @@
   <p:clrMapOvr>
     <a:masterClrMapping/>
   </p:clrMapOvr>
-  <p:timing>
-    <p:tnLst>
-      <p:par>
-        <p:cTn id="1" dur="indefinite" restart="never" nodeType="tmRoot"/>
-      </p:par>
-    </p:tnLst>
-  </p:timing>
 </p:sld>
 </file>
 
-<file path=ppt/slides/slide12.xml><?xml version="1.0" encoding="utf-8"?>
+<file path=ppt/slides/slide13.xml><?xml version="1.0" encoding="utf-8"?>
 <p:sld xmlns:a="http://schemas.openxmlformats.org/drawingml/2006/main" xmlns:r="http://schemas.openxmlformats.org/officeDocument/2006/relationships" xmlns:p="http://schemas.openxmlformats.org/presentationml/2006/main">
   <p:cSld>
     <p:spTree>
@@ -18338,7 +22760,7 @@
     </p:spTree>
     <p:extLst>
       <p:ext uri="{BB962C8B-B14F-4D97-AF65-F5344CB8AC3E}">
-        <p14:creationId xmlns:p14="http://schemas.microsoft.com/office/powerpoint/2010/main" val="2177371555"/>
+        <p14:creationId xmlns:p14="http://schemas.microsoft.com/office/powerpoint/2010/main" val="912601165"/>
       </p:ext>
     </p:extLst>
   </p:cSld>
@@ -18357,17 +22779,149 @@
       </p:transition>
     </mc:Fallback>
   </mc:AlternateContent>
-  <p:timing>
-    <p:tnLst>
-      <p:par>
-        <p:cTn id="1" dur="indefinite" restart="never" nodeType="tmRoot"/>
-      </p:par>
-    </p:tnLst>
-  </p:timing>
 </p:sld>
 </file>
 
 <file path=ppt/slides/slide2.xml><?xml version="1.0" encoding="utf-8"?>
+<p:sld xmlns:a="http://schemas.openxmlformats.org/drawingml/2006/main" xmlns:r="http://schemas.openxmlformats.org/officeDocument/2006/relationships" xmlns:p="http://schemas.openxmlformats.org/presentationml/2006/main">
+  <p:cSld>
+    <p:spTree>
+      <p:nvGrpSpPr>
+        <p:cNvPr id="1" name=""/>
+        <p:cNvGrpSpPr/>
+        <p:nvPr/>
+      </p:nvGrpSpPr>
+      <p:grpSpPr>
+        <a:xfrm>
+          <a:off x="0" y="0"/>
+          <a:ext cx="0" cy="0"/>
+          <a:chOff x="0" y="0"/>
+          <a:chExt cx="0" cy="0"/>
+        </a:xfrm>
+      </p:grpSpPr>
+      <p:sp>
+        <p:nvSpPr>
+          <p:cNvPr id="5" name="Title 4"/>
+          <p:cNvSpPr>
+            <a:spLocks noGrp="1"/>
+          </p:cNvSpPr>
+          <p:nvPr>
+            <p:ph type="title"/>
+          </p:nvPr>
+        </p:nvSpPr>
+        <p:spPr>
+          <a:xfrm>
+            <a:off x="1297017" y="2055604"/>
+            <a:ext cx="10515600" cy="1325563"/>
+          </a:xfrm>
+        </p:spPr>
+        <p:txBody>
+          <a:bodyPr/>
+          <a:lstStyle/>
+          <a:p>
+            <a:r>
+              <a:rPr lang="en-US" sz="6000" dirty="0"/>
+              <a:t>Building Web Applications using the latest ASP.NET technologies</a:t>
+            </a:r>
+          </a:p>
+        </p:txBody>
+      </p:sp>
+      <p:sp>
+        <p:nvSpPr>
+          <p:cNvPr id="6" name="Text Placeholder 5"/>
+          <p:cNvSpPr>
+            <a:spLocks noGrp="1"/>
+          </p:cNvSpPr>
+          <p:nvPr>
+            <p:ph type="body" sz="quarter" idx="10"/>
+          </p:nvPr>
+        </p:nvSpPr>
+        <p:spPr>
+          <a:xfrm>
+            <a:off x="5461000" y="3996267"/>
+            <a:ext cx="6351617" cy="2319217"/>
+          </a:xfrm>
+        </p:spPr>
+        <p:txBody>
+          <a:bodyPr>
+            <a:normAutofit/>
+          </a:bodyPr>
+          <a:lstStyle/>
+          <a:p>
+            <a:r>
+              <a:rPr lang="en-US" sz="2400" dirty="0"/>
+              <a:t>[Speaker]</a:t>
+            </a:r>
+          </a:p>
+          <a:p>
+            <a:r>
+              <a:rPr lang="en-US" dirty="0">
+                <a:solidFill>
+                  <a:schemeClr val="accent6">
+                    <a:lumMod val="40000"/>
+                    <a:lumOff val="60000"/>
+                    <a:alpha val="98000"/>
+                  </a:schemeClr>
+                </a:solidFill>
+              </a:rPr>
+              <a:t>[Company]</a:t>
+            </a:r>
+          </a:p>
+          <a:p>
+            <a:endParaRPr lang="en-US" dirty="0">
+              <a:solidFill>
+                <a:schemeClr val="accent6">
+                  <a:lumMod val="40000"/>
+                  <a:lumOff val="60000"/>
+                  <a:alpha val="98000"/>
+                </a:schemeClr>
+              </a:solidFill>
+            </a:endParaRPr>
+          </a:p>
+          <a:p>
+            <a:r>
+              <a:rPr lang="en-US" dirty="0">
+                <a:solidFill>
+                  <a:schemeClr val="accent6">
+                    <a:lumMod val="40000"/>
+                    <a:lumOff val="60000"/>
+                    <a:alpha val="98000"/>
+                  </a:schemeClr>
+                </a:solidFill>
+              </a:rPr>
+              <a:t>Email: [Email]</a:t>
+            </a:r>
+          </a:p>
+          <a:p>
+            <a:r>
+              <a:rPr lang="en-US" dirty="0">
+                <a:solidFill>
+                  <a:schemeClr val="accent6">
+                    <a:lumMod val="40000"/>
+                    <a:lumOff val="60000"/>
+                    <a:alpha val="98000"/>
+                  </a:schemeClr>
+                </a:solidFill>
+              </a:rPr>
+              <a:t>Twitter: [Twitter]</a:t>
+            </a:r>
+          </a:p>
+        </p:txBody>
+      </p:sp>
+    </p:spTree>
+    <p:extLst>
+      <p:ext uri="{BB962C8B-B14F-4D97-AF65-F5344CB8AC3E}">
+        <p14:creationId xmlns:p14="http://schemas.microsoft.com/office/powerpoint/2010/main" val="1368775188"/>
+      </p:ext>
+    </p:extLst>
+  </p:cSld>
+  <p:clrMapOvr>
+    <a:masterClrMapping/>
+  </p:clrMapOvr>
+</p:sld>
+</file>
+
+<file path=ppt/slides/slide3.xml><?xml version="1.0" encoding="utf-8"?>
 <p:sld xmlns:a="http://schemas.openxmlformats.org/drawingml/2006/main" xmlns:r="http://schemas.openxmlformats.org/officeDocument/2006/relationships" xmlns:p="http://schemas.openxmlformats.org/presentationml/2006/main">
   <p:cSld>
     <p:spTree>
@@ -18478,21 +23032,21 @@
                 <a:gridCol w="8350512">
                   <a:extLst>
                     <a:ext uri="{9D8B030D-6E8A-4147-A177-3AD203B41FA5}">
-                      <a16:colId xmlns:a16="http://schemas.microsoft.com/office/drawing/2014/main" xmlns="" val="20000"/>
+                      <a16:colId xmlns:a16="http://schemas.microsoft.com/office/drawing/2014/main" val="20000"/>
                     </a:ext>
                   </a:extLst>
                 </a:gridCol>
                 <a:gridCol w="1662043">
                   <a:extLst>
                     <a:ext uri="{9D8B030D-6E8A-4147-A177-3AD203B41FA5}">
-                      <a16:colId xmlns:a16="http://schemas.microsoft.com/office/drawing/2014/main" xmlns="" val="20001"/>
+                      <a16:colId xmlns:a16="http://schemas.microsoft.com/office/drawing/2014/main" val="20001"/>
                     </a:ext>
                   </a:extLst>
                 </a:gridCol>
                 <a:gridCol w="1470628">
                   <a:extLst>
                     <a:ext uri="{9D8B030D-6E8A-4147-A177-3AD203B41FA5}">
-                      <a16:colId xmlns:a16="http://schemas.microsoft.com/office/drawing/2014/main" xmlns="" val="20002"/>
+                      <a16:colId xmlns:a16="http://schemas.microsoft.com/office/drawing/2014/main" val="20002"/>
                     </a:ext>
                   </a:extLst>
                 </a:gridCol>
@@ -18542,7 +23096,7 @@
                 </a:tc>
                 <a:extLst>
                   <a:ext uri="{0D108BD9-81ED-4DB2-BD59-A6C34878D82A}">
-                    <a16:rowId xmlns:a16="http://schemas.microsoft.com/office/drawing/2014/main" xmlns="" val="10000"/>
+                    <a16:rowId xmlns:a16="http://schemas.microsoft.com/office/drawing/2014/main" val="10000"/>
                   </a:ext>
                 </a:extLst>
               </a:tr>
@@ -18627,7 +23181,7 @@
                 </a:tc>
                 <a:extLst>
                   <a:ext uri="{0D108BD9-81ED-4DB2-BD59-A6C34878D82A}">
-                    <a16:rowId xmlns:a16="http://schemas.microsoft.com/office/drawing/2014/main" xmlns="" val="10001"/>
+                    <a16:rowId xmlns:a16="http://schemas.microsoft.com/office/drawing/2014/main" val="10001"/>
                   </a:ext>
                 </a:extLst>
               </a:tr>
@@ -18700,7 +23254,7 @@
                 </a:tc>
                 <a:extLst>
                   <a:ext uri="{0D108BD9-81ED-4DB2-BD59-A6C34878D82A}">
-                    <a16:rowId xmlns:a16="http://schemas.microsoft.com/office/drawing/2014/main" xmlns="" val="10002"/>
+                    <a16:rowId xmlns:a16="http://schemas.microsoft.com/office/drawing/2014/main" val="10002"/>
                   </a:ext>
                 </a:extLst>
               </a:tr>
@@ -18773,7 +23327,7 @@
                 </a:tc>
                 <a:extLst>
                   <a:ext uri="{0D108BD9-81ED-4DB2-BD59-A6C34878D82A}">
-                    <a16:rowId xmlns:a16="http://schemas.microsoft.com/office/drawing/2014/main" xmlns="" val="10004"/>
+                    <a16:rowId xmlns:a16="http://schemas.microsoft.com/office/drawing/2014/main" val="10004"/>
                   </a:ext>
                 </a:extLst>
               </a:tr>
@@ -18858,7 +23412,7 @@
                 </a:tc>
                 <a:extLst>
                   <a:ext uri="{0D108BD9-81ED-4DB2-BD59-A6C34878D82A}">
-                    <a16:rowId xmlns:a16="http://schemas.microsoft.com/office/drawing/2014/main" xmlns="" val="10005"/>
+                    <a16:rowId xmlns:a16="http://schemas.microsoft.com/office/drawing/2014/main" val="10005"/>
                   </a:ext>
                 </a:extLst>
               </a:tr>
@@ -18931,7 +23485,7 @@
                 </a:tc>
                 <a:extLst>
                   <a:ext uri="{0D108BD9-81ED-4DB2-BD59-A6C34878D82A}">
-                    <a16:rowId xmlns:a16="http://schemas.microsoft.com/office/drawing/2014/main" xmlns="" val="10006"/>
+                    <a16:rowId xmlns:a16="http://schemas.microsoft.com/office/drawing/2014/main" val="10006"/>
                   </a:ext>
                 </a:extLst>
               </a:tr>
@@ -19002,6 +23556,11 @@
                   </a:txBody>
                   <a:tcPr marL="45720" marR="45720"/>
                 </a:tc>
+                <a:extLst>
+                  <a:ext uri="{0D108BD9-81ED-4DB2-BD59-A6C34878D82A}">
+                    <a16:rowId xmlns:a16="http://schemas.microsoft.com/office/drawing/2014/main" val="10008"/>
+                  </a:ext>
+                </a:extLst>
               </a:tr>
               <a:tr h="409188">
                 <a:tc>
@@ -19072,7 +23631,7 @@
                 </a:tc>
                 <a:extLst>
                   <a:ext uri="{0D108BD9-81ED-4DB2-BD59-A6C34878D82A}">
-                    <a16:rowId xmlns:a16="http://schemas.microsoft.com/office/drawing/2014/main" xmlns="" val="10007"/>
+                    <a16:rowId xmlns:a16="http://schemas.microsoft.com/office/drawing/2014/main" val="10007"/>
                   </a:ext>
                 </a:extLst>
               </a:tr>
@@ -19145,7 +23704,7 @@
                 </a:tc>
                 <a:extLst>
                   <a:ext uri="{0D108BD9-81ED-4DB2-BD59-A6C34878D82A}">
-                    <a16:rowId xmlns:a16="http://schemas.microsoft.com/office/drawing/2014/main" xmlns="" val="10009"/>
+                    <a16:rowId xmlns:a16="http://schemas.microsoft.com/office/drawing/2014/main" val="10009"/>
                   </a:ext>
                 </a:extLst>
               </a:tr>
@@ -19216,6 +23775,11 @@
                   </a:txBody>
                   <a:tcPr marL="45720" marR="45720"/>
                 </a:tc>
+                <a:extLst>
+                  <a:ext uri="{0D108BD9-81ED-4DB2-BD59-A6C34878D82A}">
+                    <a16:rowId xmlns:a16="http://schemas.microsoft.com/office/drawing/2014/main" val="10010"/>
+                  </a:ext>
+                </a:extLst>
               </a:tr>
               <a:tr h="409188">
                 <a:tc>
@@ -19294,7 +23858,7 @@
                 </a:tc>
                 <a:extLst>
                   <a:ext uri="{0D108BD9-81ED-4DB2-BD59-A6C34878D82A}">
-                    <a16:rowId xmlns:a16="http://schemas.microsoft.com/office/drawing/2014/main" xmlns="" val="10011"/>
+                    <a16:rowId xmlns:a16="http://schemas.microsoft.com/office/drawing/2014/main" val="10011"/>
                   </a:ext>
                 </a:extLst>
               </a:tr>
@@ -19312,17 +23876,10 @@
   <p:clrMapOvr>
     <a:masterClrMapping/>
   </p:clrMapOvr>
-  <p:timing>
-    <p:tnLst>
-      <p:par>
-        <p:cTn id="1" dur="indefinite" restart="never" nodeType="tmRoot"/>
-      </p:par>
-    </p:tnLst>
-  </p:timing>
 </p:sld>
 </file>
 
-<file path=ppt/slides/slide3.xml><?xml version="1.0" encoding="utf-8"?>
+<file path=ppt/slides/slide4.xml><?xml version="1.0" encoding="utf-8"?>
 <p:sld xmlns:a="http://schemas.openxmlformats.org/drawingml/2006/main" xmlns:r="http://schemas.openxmlformats.org/officeDocument/2006/relationships" xmlns:p="http://schemas.openxmlformats.org/presentationml/2006/main">
   <p:cSld>
     <p:spTree>
@@ -19449,17 +24006,10 @@
   <p:clrMapOvr>
     <a:masterClrMapping/>
   </p:clrMapOvr>
-  <p:timing>
-    <p:tnLst>
-      <p:par>
-        <p:cTn id="1" dur="indefinite" restart="never" nodeType="tmRoot"/>
-      </p:par>
-    </p:tnLst>
-  </p:timing>
 </p:sld>
 </file>
 
-<file path=ppt/slides/slide4.xml><?xml version="1.0" encoding="utf-8"?>
+<file path=ppt/slides/slide5.xml><?xml version="1.0" encoding="utf-8"?>
 <p:sld xmlns:a="http://schemas.openxmlformats.org/drawingml/2006/main" xmlns:r="http://schemas.openxmlformats.org/officeDocument/2006/relationships" xmlns:p="http://schemas.openxmlformats.org/presentationml/2006/main">
   <p:cSld>
     <p:spTree>
@@ -19528,17 +24078,10 @@
   <p:clrMapOvr>
     <a:masterClrMapping/>
   </p:clrMapOvr>
-  <p:timing>
-    <p:tnLst>
-      <p:par>
-        <p:cTn id="1" dur="indefinite" restart="never" nodeType="tmRoot"/>
-      </p:par>
-    </p:tnLst>
-  </p:timing>
 </p:sld>
 </file>
 
-<file path=ppt/slides/slide5.xml><?xml version="1.0" encoding="utf-8"?>
+<file path=ppt/slides/slide6.xml><?xml version="1.0" encoding="utf-8"?>
 <p:sld xmlns:a="http://schemas.openxmlformats.org/drawingml/2006/main" xmlns:r="http://schemas.openxmlformats.org/officeDocument/2006/relationships" xmlns:p="http://schemas.openxmlformats.org/presentationml/2006/main">
   <p:cSld>
     <p:spTree>
@@ -21899,89 +26442,6 @@
 </p:sld>
 </file>
 
-<file path=ppt/slides/slide6.xml><?xml version="1.0" encoding="utf-8"?>
-<p:sld xmlns:a="http://schemas.openxmlformats.org/drawingml/2006/main" xmlns:r="http://schemas.openxmlformats.org/officeDocument/2006/relationships" xmlns:p="http://schemas.openxmlformats.org/presentationml/2006/main">
-  <p:cSld>
-    <p:spTree>
-      <p:nvGrpSpPr>
-        <p:cNvPr id="1" name=""/>
-        <p:cNvGrpSpPr/>
-        <p:nvPr/>
-      </p:nvGrpSpPr>
-      <p:grpSpPr>
-        <a:xfrm>
-          <a:off x="0" y="0"/>
-          <a:ext cx="0" cy="0"/>
-          <a:chOff x="0" y="0"/>
-          <a:chExt cx="0" cy="0"/>
-        </a:xfrm>
-      </p:grpSpPr>
-      <p:sp>
-        <p:nvSpPr>
-          <p:cNvPr id="2" name="Title 1"/>
-          <p:cNvSpPr>
-            <a:spLocks noGrp="1"/>
-          </p:cNvSpPr>
-          <p:nvPr>
-            <p:ph type="ctrTitle"/>
-          </p:nvPr>
-        </p:nvSpPr>
-        <p:spPr/>
-        <p:txBody>
-          <a:bodyPr/>
-          <a:lstStyle/>
-          <a:p>
-            <a:r>
-              <a:rPr lang="en-US" dirty="0" smtClean="0"/>
-              <a:t>Demo</a:t>
-            </a:r>
-            <a:endParaRPr lang="en-US" dirty="0"/>
-          </a:p>
-        </p:txBody>
-      </p:sp>
-      <p:sp>
-        <p:nvSpPr>
-          <p:cNvPr id="4" name="Subtitle 3"/>
-          <p:cNvSpPr>
-            <a:spLocks noGrp="1"/>
-          </p:cNvSpPr>
-          <p:nvPr>
-            <p:ph type="subTitle" idx="1"/>
-          </p:nvPr>
-        </p:nvSpPr>
-        <p:spPr/>
-        <p:txBody>
-          <a:bodyPr/>
-          <a:lstStyle/>
-          <a:p>
-            <a:r>
-              <a:rPr lang="en-US" dirty="0" smtClean="0"/>
-              <a:t>Creating a new ASP.NET MVC application</a:t>
-            </a:r>
-            <a:endParaRPr lang="en-US" dirty="0"/>
-          </a:p>
-        </p:txBody>
-      </p:sp>
-    </p:spTree>
-    <p:extLst>
-      <p:ext uri="{BB962C8B-B14F-4D97-AF65-F5344CB8AC3E}">
-        <p14:creationId xmlns:p14="http://schemas.microsoft.com/office/powerpoint/2010/main" val="2869992830"/>
-      </p:ext>
-    </p:extLst>
-  </p:cSld>
-  <p:clrMapOvr>
-    <a:masterClrMapping/>
-  </p:clrMapOvr>
-  <p:timing>
-    <p:tnLst>
-      <p:par>
-        <p:cTn id="1" dur="indefinite" restart="never" nodeType="tmRoot"/>
-      </p:par>
-    </p:tnLst>
-  </p:timing>
-</p:sld>
-</file>
-
 <file path=ppt/slides/slide7.xml><?xml version="1.0" encoding="utf-8"?>
 <p:sld xmlns:a="http://schemas.openxmlformats.org/drawingml/2006/main" xmlns:r="http://schemas.openxmlformats.org/officeDocument/2006/relationships" xmlns:p="http://schemas.openxmlformats.org/presentationml/2006/main">
   <p:cSld>
@@ -22014,14 +26474,9 @@
           <a:bodyPr/>
           <a:lstStyle/>
           <a:p>
-            <a:pPr>
-              <a:lnSpc>
-                <a:spcPct val="100000"/>
-              </a:lnSpc>
-            </a:pPr>
             <a:r>
               <a:rPr lang="en-US" dirty="0" smtClean="0"/>
-              <a:t>Entity Framework Code First</a:t>
+              <a:t>Demo</a:t>
             </a:r>
             <a:endParaRPr lang="en-US" dirty="0"/>
           </a:p>
@@ -22042,27 +26497,24 @@
           <a:bodyPr/>
           <a:lstStyle/>
           <a:p>
-            <a:endParaRPr lang="en-US"/>
+            <a:r>
+              <a:rPr lang="en-US" dirty="0" smtClean="0"/>
+              <a:t>Creating a new ASP.NET MVC application</a:t>
+            </a:r>
+            <a:endParaRPr lang="en-US" dirty="0"/>
           </a:p>
         </p:txBody>
       </p:sp>
     </p:spTree>
     <p:extLst>
       <p:ext uri="{BB962C8B-B14F-4D97-AF65-F5344CB8AC3E}">
-        <p14:creationId xmlns:p14="http://schemas.microsoft.com/office/powerpoint/2010/main" val="2518357163"/>
+        <p14:creationId xmlns:p14="http://schemas.microsoft.com/office/powerpoint/2010/main" val="2869992830"/>
       </p:ext>
     </p:extLst>
   </p:cSld>
   <p:clrMapOvr>
     <a:masterClrMapping/>
   </p:clrMapOvr>
-  <p:timing>
-    <p:tnLst>
-      <p:par>
-        <p:cTn id="1" dur="indefinite" restart="never" nodeType="tmRoot"/>
-      </p:par>
-    </p:tnLst>
-  </p:timing>
 </p:sld>
 </file>
 
@@ -22098,9 +26550,14 @@
           <a:bodyPr/>
           <a:lstStyle/>
           <a:p>
+            <a:pPr>
+              <a:lnSpc>
+                <a:spcPct val="100000"/>
+              </a:lnSpc>
+            </a:pPr>
             <a:r>
               <a:rPr lang="en-US" dirty="0" smtClean="0"/>
-              <a:t>Demo</a:t>
+              <a:t>Entity Framework Code First</a:t>
             </a:r>
             <a:endParaRPr lang="en-US" dirty="0"/>
           </a:p>
@@ -22121,18 +26578,14 @@
           <a:bodyPr/>
           <a:lstStyle/>
           <a:p>
-            <a:r>
-              <a:rPr lang="en-US" dirty="0" smtClean="0"/>
-              <a:t>Modeling the Geek Quiz</a:t>
-            </a:r>
-            <a:endParaRPr lang="en-US" dirty="0"/>
+            <a:endParaRPr lang="en-US"/>
           </a:p>
         </p:txBody>
       </p:sp>
     </p:spTree>
     <p:extLst>
       <p:ext uri="{BB962C8B-B14F-4D97-AF65-F5344CB8AC3E}">
-        <p14:creationId xmlns:p14="http://schemas.microsoft.com/office/powerpoint/2010/main" val="1248257501"/>
+        <p14:creationId xmlns:p14="http://schemas.microsoft.com/office/powerpoint/2010/main" val="2518357163"/>
       </p:ext>
     </p:extLst>
   </p:cSld>
@@ -22174,14 +26627,9 @@
           <a:bodyPr/>
           <a:lstStyle/>
           <a:p>
-            <a:pPr>
-              <a:lnSpc>
-                <a:spcPct val="100000"/>
-              </a:lnSpc>
-            </a:pPr>
             <a:r>
               <a:rPr lang="en-US" dirty="0" smtClean="0"/>
-              <a:t>Deploying to Microsoft Azure</a:t>
+              <a:t>Demo</a:t>
             </a:r>
             <a:endParaRPr lang="en-US" dirty="0"/>
           </a:p>
@@ -22202,27 +26650,24 @@
           <a:bodyPr/>
           <a:lstStyle/>
           <a:p>
-            <a:endParaRPr lang="en-US"/>
+            <a:r>
+              <a:rPr lang="en-US" dirty="0" smtClean="0"/>
+              <a:t>Modeling the Geek Quiz</a:t>
+            </a:r>
+            <a:endParaRPr lang="en-US" dirty="0"/>
           </a:p>
         </p:txBody>
       </p:sp>
     </p:spTree>
     <p:extLst>
       <p:ext uri="{BB962C8B-B14F-4D97-AF65-F5344CB8AC3E}">
-        <p14:creationId xmlns:p14="http://schemas.microsoft.com/office/powerpoint/2010/main" val="2854776796"/>
+        <p14:creationId xmlns:p14="http://schemas.microsoft.com/office/powerpoint/2010/main" val="1248257501"/>
       </p:ext>
     </p:extLst>
   </p:cSld>
   <p:clrMapOvr>
     <a:masterClrMapping/>
   </p:clrMapOvr>
-  <p:timing>
-    <p:tnLst>
-      <p:par>
-        <p:cTn id="1" dur="indefinite" restart="never" nodeType="tmRoot"/>
-      </p:par>
-    </p:tnLst>
-  </p:timing>
 </p:sld>
 </file>
 
@@ -23727,6 +28172,207 @@
 </file>
 
 <file path=ppt/theme/theme8.xml><?xml version="1.0" encoding="utf-8"?>
+<a:theme xmlns:a="http://schemas.openxmlformats.org/drawingml/2006/main" name="1_Azure Medium">
+  <a:themeElements>
+    <a:clrScheme name="Custom 3">
+      <a:dk1>
+        <a:srgbClr val="00B0F0"/>
+      </a:dk1>
+      <a:lt1>
+        <a:srgbClr val="FFFFFF"/>
+      </a:lt1>
+      <a:dk2>
+        <a:srgbClr val="44546A"/>
+      </a:dk2>
+      <a:lt2>
+        <a:srgbClr val="FFFFFF"/>
+      </a:lt2>
+      <a:accent1>
+        <a:srgbClr val="00B0F0"/>
+      </a:accent1>
+      <a:accent2>
+        <a:srgbClr val="ED7D31"/>
+      </a:accent2>
+      <a:accent3>
+        <a:srgbClr val="A5A5A5"/>
+      </a:accent3>
+      <a:accent4>
+        <a:srgbClr val="FFC000"/>
+      </a:accent4>
+      <a:accent5>
+        <a:srgbClr val="4472C4"/>
+      </a:accent5>
+      <a:accent6>
+        <a:srgbClr val="70AD47"/>
+      </a:accent6>
+      <a:hlink>
+        <a:srgbClr val="FFFFFF"/>
+      </a:hlink>
+      <a:folHlink>
+        <a:srgbClr val="954F72"/>
+      </a:folHlink>
+    </a:clrScheme>
+    <a:fontScheme name="Windows Azure">
+      <a:majorFont>
+        <a:latin typeface="Segoe UI Light"/>
+        <a:ea typeface=""/>
+        <a:cs typeface=""/>
+      </a:majorFont>
+      <a:minorFont>
+        <a:latin typeface="Segoe UI"/>
+        <a:ea typeface=""/>
+        <a:cs typeface=""/>
+      </a:minorFont>
+    </a:fontScheme>
+    <a:fmtScheme name="Office">
+      <a:fillStyleLst>
+        <a:solidFill>
+          <a:schemeClr val="phClr"/>
+        </a:solidFill>
+        <a:gradFill rotWithShape="1">
+          <a:gsLst>
+            <a:gs pos="0">
+              <a:schemeClr val="phClr">
+                <a:lumMod val="110000"/>
+                <a:satMod val="105000"/>
+                <a:tint val="67000"/>
+              </a:schemeClr>
+            </a:gs>
+            <a:gs pos="50000">
+              <a:schemeClr val="phClr">
+                <a:lumMod val="105000"/>
+                <a:satMod val="103000"/>
+                <a:tint val="73000"/>
+              </a:schemeClr>
+            </a:gs>
+            <a:gs pos="100000">
+              <a:schemeClr val="phClr">
+                <a:lumMod val="105000"/>
+                <a:satMod val="109000"/>
+                <a:tint val="81000"/>
+              </a:schemeClr>
+            </a:gs>
+          </a:gsLst>
+          <a:lin ang="5400000" scaled="0"/>
+        </a:gradFill>
+        <a:gradFill rotWithShape="1">
+          <a:gsLst>
+            <a:gs pos="0">
+              <a:schemeClr val="phClr">
+                <a:satMod val="103000"/>
+                <a:lumMod val="102000"/>
+                <a:tint val="94000"/>
+              </a:schemeClr>
+            </a:gs>
+            <a:gs pos="50000">
+              <a:schemeClr val="phClr">
+                <a:satMod val="110000"/>
+                <a:lumMod val="100000"/>
+                <a:shade val="100000"/>
+              </a:schemeClr>
+            </a:gs>
+            <a:gs pos="100000">
+              <a:schemeClr val="phClr">
+                <a:lumMod val="99000"/>
+                <a:satMod val="120000"/>
+                <a:shade val="78000"/>
+              </a:schemeClr>
+            </a:gs>
+          </a:gsLst>
+          <a:lin ang="5400000" scaled="0"/>
+        </a:gradFill>
+      </a:fillStyleLst>
+      <a:lnStyleLst>
+        <a:ln w="6350" cap="flat" cmpd="sng" algn="ctr">
+          <a:solidFill>
+            <a:schemeClr val="phClr"/>
+          </a:solidFill>
+          <a:prstDash val="solid"/>
+          <a:miter lim="800000"/>
+        </a:ln>
+        <a:ln w="12700" cap="flat" cmpd="sng" algn="ctr">
+          <a:solidFill>
+            <a:schemeClr val="phClr"/>
+          </a:solidFill>
+          <a:prstDash val="solid"/>
+          <a:miter lim="800000"/>
+        </a:ln>
+        <a:ln w="19050" cap="flat" cmpd="sng" algn="ctr">
+          <a:solidFill>
+            <a:schemeClr val="phClr"/>
+          </a:solidFill>
+          <a:prstDash val="solid"/>
+          <a:miter lim="800000"/>
+        </a:ln>
+      </a:lnStyleLst>
+      <a:effectStyleLst>
+        <a:effectStyle>
+          <a:effectLst/>
+        </a:effectStyle>
+        <a:effectStyle>
+          <a:effectLst/>
+        </a:effectStyle>
+        <a:effectStyle>
+          <a:effectLst>
+            <a:outerShdw blurRad="57150" dist="19050" dir="5400000" algn="ctr" rotWithShape="0">
+              <a:srgbClr val="000000">
+                <a:alpha val="63000"/>
+              </a:srgbClr>
+            </a:outerShdw>
+          </a:effectLst>
+        </a:effectStyle>
+      </a:effectStyleLst>
+      <a:bgFillStyleLst>
+        <a:solidFill>
+          <a:schemeClr val="phClr"/>
+        </a:solidFill>
+        <a:solidFill>
+          <a:schemeClr val="phClr">
+            <a:tint val="95000"/>
+            <a:satMod val="170000"/>
+          </a:schemeClr>
+        </a:solidFill>
+        <a:gradFill rotWithShape="1">
+          <a:gsLst>
+            <a:gs pos="0">
+              <a:schemeClr val="phClr">
+                <a:tint val="93000"/>
+                <a:satMod val="150000"/>
+                <a:shade val="98000"/>
+                <a:lumMod val="102000"/>
+              </a:schemeClr>
+            </a:gs>
+            <a:gs pos="50000">
+              <a:schemeClr val="phClr">
+                <a:tint val="98000"/>
+                <a:satMod val="130000"/>
+                <a:shade val="90000"/>
+                <a:lumMod val="103000"/>
+              </a:schemeClr>
+            </a:gs>
+            <a:gs pos="100000">
+              <a:schemeClr val="phClr">
+                <a:shade val="63000"/>
+                <a:satMod val="120000"/>
+              </a:schemeClr>
+            </a:gs>
+          </a:gsLst>
+          <a:lin ang="5400000" scaled="0"/>
+        </a:gradFill>
+      </a:bgFillStyleLst>
+    </a:fmtScheme>
+  </a:themeElements>
+  <a:objectDefaults/>
+  <a:extraClrSchemeLst/>
+  <a:extLst>
+    <a:ext uri="{05A4C25C-085E-4340-85A3-A5531E510DB2}">
+      <thm15:themeFamily xmlns:thm15="http://schemas.microsoft.com/office/thememl/2012/main" name="Office Theme" id="{62F939B6-93AF-4DB8-9C6B-D6C7DFDC589F}" vid="{4A3C46E8-61CC-4603-A589-7422A47A8E4A}"/>
+    </a:ext>
+  </a:extLst>
+</a:theme>
+</file>
+
+<file path=ppt/theme/theme9.xml><?xml version="1.0" encoding="utf-8"?>
 <a:theme xmlns:a="http://schemas.openxmlformats.org/drawingml/2006/main" name="Office Theme">
   <a:themeElements>
     <a:clrScheme name="Office">
